--- a/mitchell/Notes/画面・状態遷移図（ミッチェル）.pptx
+++ b/mitchell/Notes/画面・状態遷移図（ミッチェル）.pptx
@@ -15,7 +15,9 @@
     <p:sldId id="265" r:id="rId9"/>
     <p:sldId id="267" r:id="rId10"/>
     <p:sldId id="266" r:id="rId11"/>
-    <p:sldId id="268" r:id="rId12"/>
+    <p:sldId id="269" r:id="rId12"/>
+    <p:sldId id="268" r:id="rId13"/>
+    <p:sldId id="270" r:id="rId14"/>
   </p:sldIdLst>
   <p:sldSz cx="12192000" cy="6858000"/>
   <p:notesSz cx="6858000" cy="9144000"/>
@@ -8436,68 +8438,6 @@
       </p:cxnSp>
       <p:sp>
         <p:nvSpPr>
-          <p:cNvPr id="120" name="正方形/長方形 119"/>
-          <p:cNvSpPr/>
-          <p:nvPr/>
-        </p:nvSpPr>
-        <p:spPr>
-          <a:xfrm>
-            <a:off x="898782" y="3519895"/>
-            <a:ext cx="2036954" cy="331518"/>
-          </a:xfrm>
-          <a:prstGeom prst="rect">
-            <a:avLst/>
-          </a:prstGeom>
-          <a:noFill/>
-          <a:ln>
-            <a:noFill/>
-          </a:ln>
-        </p:spPr>
-        <p:style>
-          <a:lnRef idx="2">
-            <a:schemeClr val="accent1">
-              <a:shade val="50000"/>
-            </a:schemeClr>
-          </a:lnRef>
-          <a:fillRef idx="1">
-            <a:schemeClr val="accent1"/>
-          </a:fillRef>
-          <a:effectRef idx="0">
-            <a:schemeClr val="accent1"/>
-          </a:effectRef>
-          <a:fontRef idx="minor">
-            <a:schemeClr val="lt1"/>
-          </a:fontRef>
-        </p:style>
-        <p:txBody>
-          <a:bodyPr rtlCol="0" anchor="t"/>
-          <a:lstStyle/>
-          <a:p>
-            <a:pPr algn="ctr"/>
-            <a:r>
-              <a:rPr lang="ja-JP" altLang="en-US" sz="1100" dirty="0" smtClean="0">
-                <a:solidFill>
-                  <a:schemeClr val="tx1"/>
-                </a:solidFill>
-                <a:latin typeface="メイリオ" panose="020B0604030504040204" pitchFamily="50" charset="-128"/>
-                <a:ea typeface="メイリオ" panose="020B0604030504040204" pitchFamily="50" charset="-128"/>
-                <a:cs typeface="メイリオ" panose="020B0604030504040204" pitchFamily="50" charset="-128"/>
-              </a:rPr>
-              <a:t>ユーザーリンクを使うとき？？</a:t>
-            </a:r>
-            <a:endParaRPr lang="en-US" altLang="ja-JP" sz="1100" dirty="0" smtClean="0">
-              <a:solidFill>
-                <a:schemeClr val="tx1"/>
-              </a:solidFill>
-              <a:latin typeface="メイリオ" panose="020B0604030504040204" pitchFamily="50" charset="-128"/>
-              <a:ea typeface="メイリオ" panose="020B0604030504040204" pitchFamily="50" charset="-128"/>
-              <a:cs typeface="メイリオ" panose="020B0604030504040204" pitchFamily="50" charset="-128"/>
-            </a:endParaRPr>
-          </a:p>
-        </p:txBody>
-      </p:sp>
-      <p:sp>
-        <p:nvSpPr>
           <p:cNvPr id="122" name="正方形/長方形 121"/>
           <p:cNvSpPr/>
           <p:nvPr/>
@@ -8604,16 +8544,6 @@
               </a:rPr>
               <a:t>.java</a:t>
             </a:r>
-            <a:endParaRPr lang="en-US" altLang="ja-JP" sz="1400" dirty="0" smtClean="0">
-              <a:solidFill>
-                <a:schemeClr val="tx1"/>
-              </a:solidFill>
-              <a:latin typeface="メイリオ" panose="020B0604030504040204" pitchFamily="50" charset="-128"/>
-              <a:ea typeface="メイリオ" panose="020B0604030504040204" pitchFamily="50" charset="-128"/>
-              <a:cs typeface="メイリオ" panose="020B0604030504040204" pitchFamily="50" charset="-128"/>
-            </a:endParaRPr>
-          </a:p>
-          <a:p>
             <a:r>
               <a:rPr lang="en-US" altLang="ja-JP" sz="900" dirty="0">
                 <a:solidFill>
@@ -8637,7 +8567,7 @@
             </a:br>
             <a:endParaRPr kumimoji="1" lang="ja-JP" altLang="en-US" sz="900" dirty="0">
               <a:solidFill>
-                <a:srgbClr val="FF0000"/>
+                <a:schemeClr val="tx1"/>
               </a:solidFill>
               <a:latin typeface="メイリオ" panose="020B0604030504040204" pitchFamily="50" charset="-128"/>
               <a:ea typeface="メイリオ" panose="020B0604030504040204" pitchFamily="50" charset="-128"/>
@@ -8685,6 +8615,79 @@
           </a:fontRef>
         </p:style>
       </p:cxnSp>
+      <p:sp>
+        <p:nvSpPr>
+          <p:cNvPr id="128" name="正方形/長方形 68"/>
+          <p:cNvSpPr/>
+          <p:nvPr/>
+        </p:nvSpPr>
+        <p:spPr>
+          <a:xfrm>
+            <a:off x="-467153" y="781328"/>
+            <a:ext cx="3474720" cy="331518"/>
+          </a:xfrm>
+          <a:prstGeom prst="rect">
+            <a:avLst/>
+          </a:prstGeom>
+          <a:noFill/>
+          <a:ln>
+            <a:noFill/>
+          </a:ln>
+        </p:spPr>
+        <p:style>
+          <a:lnRef idx="2">
+            <a:schemeClr val="accent1">
+              <a:shade val="50000"/>
+            </a:schemeClr>
+          </a:lnRef>
+          <a:fillRef idx="1">
+            <a:schemeClr val="accent1"/>
+          </a:fillRef>
+          <a:effectRef idx="0">
+            <a:schemeClr val="accent1"/>
+          </a:effectRef>
+          <a:fontRef idx="minor">
+            <a:schemeClr val="lt1"/>
+          </a:fontRef>
+        </p:style>
+        <p:txBody>
+          <a:bodyPr rtlCol="0" anchor="t"/>
+          <a:lstStyle/>
+          <a:p>
+            <a:pPr algn="ctr"/>
+            <a:r>
+              <a:rPr lang="ja-JP" altLang="en-US" sz="1600" b="1" dirty="0" smtClean="0">
+                <a:solidFill>
+                  <a:schemeClr val="tx1"/>
+                </a:solidFill>
+                <a:latin typeface="メイリオ" panose="020B0604030504040204" pitchFamily="50" charset="-128"/>
+                <a:ea typeface="メイリオ" panose="020B0604030504040204" pitchFamily="50" charset="-128"/>
+                <a:cs typeface="メイリオ" panose="020B0604030504040204" pitchFamily="50" charset="-128"/>
+              </a:rPr>
+              <a:t>ログイン・メイン・詳細</a:t>
+            </a:r>
+            <a:endParaRPr kumimoji="1" lang="en-US" altLang="ja-JP" sz="1600" b="1" dirty="0" smtClean="0">
+              <a:solidFill>
+                <a:schemeClr val="tx1"/>
+              </a:solidFill>
+              <a:latin typeface="メイリオ" panose="020B0604030504040204" pitchFamily="50" charset="-128"/>
+              <a:ea typeface="メイリオ" panose="020B0604030504040204" pitchFamily="50" charset="-128"/>
+              <a:cs typeface="メイリオ" panose="020B0604030504040204" pitchFamily="50" charset="-128"/>
+            </a:endParaRPr>
+          </a:p>
+          <a:p>
+            <a:pPr algn="ctr"/>
+            <a:endParaRPr kumimoji="1" lang="en-US" altLang="ja-JP" sz="1600" b="1" dirty="0" smtClean="0">
+              <a:solidFill>
+                <a:schemeClr val="tx1"/>
+              </a:solidFill>
+              <a:latin typeface="メイリオ" panose="020B0604030504040204" pitchFamily="50" charset="-128"/>
+              <a:ea typeface="メイリオ" panose="020B0604030504040204" pitchFamily="50" charset="-128"/>
+              <a:cs typeface="メイリオ" panose="020B0604030504040204" pitchFamily="50" charset="-128"/>
+            </a:endParaRPr>
+          </a:p>
+        </p:txBody>
+      </p:sp>
     </p:spTree>
     <p:extLst>
       <p:ext uri="{BB962C8B-B14F-4D97-AF65-F5344CB8AC3E}">
@@ -8864,48 +8867,15 @@
               </a:rPr>
             </a:br>
             <a:r>
-              <a:rPr lang="en-US" altLang="ja-JP" sz="1400" dirty="0" smtClean="0">
-                <a:solidFill>
-                  <a:schemeClr val="tx1"/>
-                </a:solidFill>
-                <a:latin typeface="メイリオ" panose="020B0604030504040204" pitchFamily="50" charset="-128"/>
-                <a:ea typeface="メイリオ" panose="020B0604030504040204" pitchFamily="50" charset="-128"/>
-                <a:cs typeface="メイリオ" panose="020B0604030504040204" pitchFamily="50" charset="-128"/>
-              </a:rPr>
-              <a:t>(</a:t>
-            </a:r>
-            <a:r>
-              <a:rPr lang="ja-JP" altLang="en-US" sz="1400" dirty="0" smtClean="0">
-                <a:solidFill>
-                  <a:schemeClr val="tx1"/>
-                </a:solidFill>
-                <a:latin typeface="メイリオ" panose="020B0604030504040204" pitchFamily="50" charset="-128"/>
-                <a:ea typeface="メイリオ" panose="020B0604030504040204" pitchFamily="50" charset="-128"/>
-                <a:cs typeface="メイリオ" panose="020B0604030504040204" pitchFamily="50" charset="-128"/>
-              </a:rPr>
-              <a:t>新規登録</a:t>
-            </a:r>
-            <a:r>
-              <a:rPr lang="en-US" altLang="ja-JP" sz="1400" dirty="0" smtClean="0">
-                <a:solidFill>
-                  <a:schemeClr val="tx1"/>
-                </a:solidFill>
-                <a:latin typeface="メイリオ" panose="020B0604030504040204" pitchFamily="50" charset="-128"/>
-                <a:ea typeface="メイリオ" panose="020B0604030504040204" pitchFamily="50" charset="-128"/>
-                <a:cs typeface="メイリオ" panose="020B0604030504040204" pitchFamily="50" charset="-128"/>
-              </a:rPr>
-              <a:t>).</a:t>
-            </a:r>
-            <a:r>
-              <a:rPr lang="en-US" altLang="ja-JP" sz="1400" dirty="0" smtClean="0">
-                <a:solidFill>
-                  <a:schemeClr val="tx1"/>
-                </a:solidFill>
-                <a:latin typeface="メイリオ" panose="020B0604030504040204" pitchFamily="50" charset="-128"/>
-                <a:ea typeface="メイリオ" panose="020B0604030504040204" pitchFamily="50" charset="-128"/>
-                <a:cs typeface="メイリオ" panose="020B0604030504040204" pitchFamily="50" charset="-128"/>
-              </a:rPr>
-              <a:t>JSP</a:t>
+              <a:rPr lang="en-US" altLang="ja-JP" sz="1400" dirty="0" err="1" smtClean="0">
+                <a:solidFill>
+                  <a:schemeClr val="tx1"/>
+                </a:solidFill>
+                <a:latin typeface="メイリオ" panose="020B0604030504040204" pitchFamily="50" charset="-128"/>
+                <a:ea typeface="メイリオ" panose="020B0604030504040204" pitchFamily="50" charset="-128"/>
+                <a:cs typeface="メイリオ" panose="020B0604030504040204" pitchFamily="50" charset="-128"/>
+              </a:rPr>
+              <a:t>registerUser.JSP</a:t>
             </a:r>
             <a:endParaRPr kumimoji="1" lang="ja-JP" altLang="en-US" sz="1400" dirty="0">
               <a:solidFill>
@@ -9289,7 +9259,7 @@
             <a:r>
               <a:rPr lang="en-US" altLang="ja-JP" sz="1400" dirty="0" smtClean="0">
                 <a:solidFill>
-                  <a:schemeClr val="tx1"/>
+                  <a:srgbClr val="FF0000"/>
                 </a:solidFill>
                 <a:latin typeface="メイリオ" panose="020B0604030504040204" pitchFamily="50" charset="-128"/>
                 <a:ea typeface="メイリオ" panose="020B0604030504040204" pitchFamily="50" charset="-128"/>
@@ -9300,7 +9270,7 @@
             <a:r>
               <a:rPr lang="ja-JP" altLang="en-US" sz="1400" dirty="0" smtClean="0">
                 <a:solidFill>
-                  <a:schemeClr val="tx1"/>
+                  <a:srgbClr val="FF0000"/>
                 </a:solidFill>
                 <a:latin typeface="メイリオ" panose="020B0604030504040204" pitchFamily="50" charset="-128"/>
                 <a:ea typeface="メイリオ" panose="020B0604030504040204" pitchFamily="50" charset="-128"/>
@@ -9310,7 +9280,7 @@
             </a:r>
             <a:endParaRPr lang="en-US" altLang="ja-JP" sz="1400" dirty="0" smtClean="0">
               <a:solidFill>
-                <a:schemeClr val="tx1"/>
+                <a:srgbClr val="FF0000"/>
               </a:solidFill>
               <a:latin typeface="メイリオ" panose="020B0604030504040204" pitchFamily="50" charset="-128"/>
               <a:ea typeface="メイリオ" panose="020B0604030504040204" pitchFamily="50" charset="-128"/>
@@ -9321,7 +9291,7 @@
             <a:pPr algn="ctr"/>
             <a:endParaRPr kumimoji="1" lang="en-US" altLang="ja-JP" sz="1400" dirty="0">
               <a:solidFill>
-                <a:schemeClr val="tx1"/>
+                <a:srgbClr val="FF0000"/>
               </a:solidFill>
               <a:latin typeface="メイリオ" panose="020B0604030504040204" pitchFamily="50" charset="-128"/>
               <a:ea typeface="メイリオ" panose="020B0604030504040204" pitchFamily="50" charset="-128"/>
@@ -9333,7 +9303,7 @@
             <a:r>
               <a:rPr lang="ja-JP" altLang="en-US" sz="1400" dirty="0" smtClean="0">
                 <a:solidFill>
-                  <a:schemeClr val="tx1"/>
+                  <a:srgbClr val="FF0000"/>
                 </a:solidFill>
                 <a:latin typeface="メイリオ" panose="020B0604030504040204" pitchFamily="50" charset="-128"/>
                 <a:ea typeface="メイリオ" panose="020B0604030504040204" pitchFamily="50" charset="-128"/>
@@ -9341,9 +9311,42 @@
               </a:rPr>
               <a:t>？？</a:t>
             </a:r>
+            <a:endParaRPr kumimoji="1" lang="en-US" altLang="ja-JP" sz="1400" dirty="0">
+              <a:solidFill>
+                <a:srgbClr val="FF0000"/>
+              </a:solidFill>
+              <a:latin typeface="メイリオ" panose="020B0604030504040204" pitchFamily="50" charset="-128"/>
+              <a:ea typeface="メイリオ" panose="020B0604030504040204" pitchFamily="50" charset="-128"/>
+              <a:cs typeface="メイリオ" panose="020B0604030504040204" pitchFamily="50" charset="-128"/>
+            </a:endParaRPr>
+          </a:p>
+          <a:p>
+            <a:pPr algn="ctr"/>
+            <a:r>
+              <a:rPr lang="en-US" altLang="ja-JP" sz="1400" dirty="0" smtClean="0">
+                <a:solidFill>
+                  <a:srgbClr val="FF0000"/>
+                </a:solidFill>
+                <a:latin typeface="メイリオ" panose="020B0604030504040204" pitchFamily="50" charset="-128"/>
+                <a:ea typeface="メイリオ" panose="020B0604030504040204" pitchFamily="50" charset="-128"/>
+                <a:cs typeface="メイリオ" panose="020B0604030504040204" pitchFamily="50" charset="-128"/>
+              </a:rPr>
+              <a:t>(Using Session Scop</a:t>
+            </a:r>
+            <a:r>
+              <a:rPr lang="en-US" altLang="ja-JP" sz="1400" dirty="0" smtClean="0">
+                <a:solidFill>
+                  <a:srgbClr val="FF0000"/>
+                </a:solidFill>
+                <a:latin typeface="メイリオ" panose="020B0604030504040204" pitchFamily="50" charset="-128"/>
+                <a:ea typeface="メイリオ" panose="020B0604030504040204" pitchFamily="50" charset="-128"/>
+                <a:cs typeface="メイリオ" panose="020B0604030504040204" pitchFamily="50" charset="-128"/>
+              </a:rPr>
+              <a:t>e in the case that we go back from confirmation page)</a:t>
+            </a:r>
             <a:endParaRPr kumimoji="1" lang="ja-JP" altLang="en-US" sz="1400" dirty="0">
               <a:solidFill>
-                <a:schemeClr val="tx1"/>
+                <a:srgbClr val="FF0000"/>
               </a:solidFill>
               <a:latin typeface="メイリオ" panose="020B0604030504040204" pitchFamily="50" charset="-128"/>
               <a:ea typeface="メイリオ" panose="020B0604030504040204" pitchFamily="50" charset="-128"/>
@@ -10711,7 +10714,7 @@
         <p:spPr>
           <a:xfrm>
             <a:off x="3086283" y="3098301"/>
-            <a:ext cx="2092517" cy="477097"/>
+            <a:ext cx="2287244" cy="477097"/>
           </a:xfrm>
           <a:prstGeom prst="rect">
             <a:avLst/>
@@ -10778,59 +10781,37 @@
               </a:rPr>
             </a:br>
             <a:r>
-              <a:rPr lang="en-US" altLang="ja-JP" sz="1400" dirty="0" smtClean="0">
-                <a:solidFill>
-                  <a:schemeClr val="tx1"/>
-                </a:solidFill>
-                <a:latin typeface="メイリオ" panose="020B0604030504040204" pitchFamily="50" charset="-128"/>
-                <a:ea typeface="メイリオ" panose="020B0604030504040204" pitchFamily="50" charset="-128"/>
-                <a:cs typeface="メイリオ" panose="020B0604030504040204" pitchFamily="50" charset="-128"/>
-              </a:rPr>
-              <a:t>(</a:t>
-            </a:r>
-            <a:r>
-              <a:rPr lang="ja-JP" altLang="en-US" sz="1400" dirty="0">
-                <a:solidFill>
-                  <a:schemeClr val="tx1"/>
-                </a:solidFill>
-                <a:latin typeface="メイリオ" panose="020B0604030504040204" pitchFamily="50" charset="-128"/>
-                <a:ea typeface="メイリオ" panose="020B0604030504040204" pitchFamily="50" charset="-128"/>
-                <a:cs typeface="メイリオ" panose="020B0604030504040204" pitchFamily="50" charset="-128"/>
-              </a:rPr>
-              <a:t>登録内容</a:t>
-            </a:r>
-            <a:r>
-              <a:rPr lang="ja-JP" altLang="en-US" sz="1400" dirty="0" smtClean="0">
-                <a:solidFill>
-                  <a:schemeClr val="tx1"/>
-                </a:solidFill>
-                <a:latin typeface="メイリオ" panose="020B0604030504040204" pitchFamily="50" charset="-128"/>
-                <a:ea typeface="メイリオ" panose="020B0604030504040204" pitchFamily="50" charset="-128"/>
-                <a:cs typeface="メイリオ" panose="020B0604030504040204" pitchFamily="50" charset="-128"/>
-              </a:rPr>
-              <a:t>確認</a:t>
-            </a:r>
-            <a:r>
-              <a:rPr lang="en-US" altLang="ja-JP" sz="1400" dirty="0" smtClean="0">
-                <a:solidFill>
-                  <a:schemeClr val="tx1"/>
-                </a:solidFill>
-                <a:latin typeface="メイリオ" panose="020B0604030504040204" pitchFamily="50" charset="-128"/>
-                <a:ea typeface="メイリオ" panose="020B0604030504040204" pitchFamily="50" charset="-128"/>
-                <a:cs typeface="メイリオ" panose="020B0604030504040204" pitchFamily="50" charset="-128"/>
-              </a:rPr>
-              <a:t>).</a:t>
-            </a:r>
-            <a:r>
-              <a:rPr lang="en-US" altLang="ja-JP" sz="1400" dirty="0" smtClean="0">
-                <a:solidFill>
-                  <a:schemeClr val="tx1"/>
-                </a:solidFill>
-                <a:latin typeface="メイリオ" panose="020B0604030504040204" pitchFamily="50" charset="-128"/>
-                <a:ea typeface="メイリオ" panose="020B0604030504040204" pitchFamily="50" charset="-128"/>
-                <a:cs typeface="メイリオ" panose="020B0604030504040204" pitchFamily="50" charset="-128"/>
-              </a:rPr>
-              <a:t>JSP</a:t>
+              <a:rPr lang="en-US" altLang="ja-JP" sz="1400" dirty="0" err="1" smtClean="0">
+                <a:solidFill>
+                  <a:schemeClr val="tx1"/>
+                </a:solidFill>
+                <a:latin typeface="メイリオ" panose="020B0604030504040204" pitchFamily="50" charset="-128"/>
+                <a:ea typeface="メイリオ" panose="020B0604030504040204" pitchFamily="50" charset="-128"/>
+                <a:cs typeface="メイリオ" panose="020B0604030504040204" pitchFamily="50" charset="-128"/>
+              </a:rPr>
+              <a:t>c</a:t>
+            </a:r>
+            <a:r>
+              <a:rPr lang="en-US" altLang="ja-JP" sz="1400" dirty="0" err="1" smtClean="0">
+                <a:solidFill>
+                  <a:schemeClr val="tx1"/>
+                </a:solidFill>
+                <a:latin typeface="メイリオ" panose="020B0604030504040204" pitchFamily="50" charset="-128"/>
+                <a:ea typeface="メイリオ" panose="020B0604030504040204" pitchFamily="50" charset="-128"/>
+                <a:cs typeface="メイリオ" panose="020B0604030504040204" pitchFamily="50" charset="-128"/>
+              </a:rPr>
+              <a:t>onfirmRegisterUser</a:t>
+            </a:r>
+            <a:r>
+              <a:rPr lang="en-US" altLang="ja-JP" sz="1400" dirty="0" err="1" smtClean="0">
+                <a:solidFill>
+                  <a:schemeClr val="tx1"/>
+                </a:solidFill>
+                <a:latin typeface="メイリオ" panose="020B0604030504040204" pitchFamily="50" charset="-128"/>
+                <a:ea typeface="メイリオ" panose="020B0604030504040204" pitchFamily="50" charset="-128"/>
+                <a:cs typeface="メイリオ" panose="020B0604030504040204" pitchFamily="50" charset="-128"/>
+              </a:rPr>
+              <a:t>.JSP</a:t>
             </a:r>
             <a:endParaRPr kumimoji="1" lang="ja-JP" altLang="en-US" sz="1400" dirty="0">
               <a:solidFill>
@@ -10854,8 +10835,8 @@
         </p:nvCxnSpPr>
         <p:spPr>
           <a:xfrm flipH="1">
-            <a:off x="5178800" y="1475654"/>
-            <a:ext cx="1863853" cy="1861196"/>
+            <a:off x="5373527" y="1475654"/>
+            <a:ext cx="1669126" cy="1861196"/>
           </a:xfrm>
           <a:prstGeom prst="straightConnector1">
             <a:avLst/>
@@ -11299,10 +11280,5357 @@
           </a:fontRef>
         </p:style>
       </p:cxnSp>
+      <p:sp>
+        <p:nvSpPr>
+          <p:cNvPr id="49" name="正方形/長方形 48"/>
+          <p:cNvSpPr/>
+          <p:nvPr/>
+        </p:nvSpPr>
+        <p:spPr>
+          <a:xfrm>
+            <a:off x="-1377004" y="755433"/>
+            <a:ext cx="3474720" cy="331518"/>
+          </a:xfrm>
+          <a:prstGeom prst="rect">
+            <a:avLst/>
+          </a:prstGeom>
+          <a:noFill/>
+          <a:ln>
+            <a:noFill/>
+          </a:ln>
+        </p:spPr>
+        <p:style>
+          <a:lnRef idx="2">
+            <a:schemeClr val="accent1">
+              <a:shade val="50000"/>
+            </a:schemeClr>
+          </a:lnRef>
+          <a:fillRef idx="1">
+            <a:schemeClr val="accent1"/>
+          </a:fillRef>
+          <a:effectRef idx="0">
+            <a:schemeClr val="accent1"/>
+          </a:effectRef>
+          <a:fontRef idx="minor">
+            <a:schemeClr val="lt1"/>
+          </a:fontRef>
+        </p:style>
+        <p:txBody>
+          <a:bodyPr rtlCol="0" anchor="t"/>
+          <a:lstStyle/>
+          <a:p>
+            <a:pPr algn="ctr"/>
+            <a:r>
+              <a:rPr lang="ja-JP" altLang="en-US" sz="1600" b="1" dirty="0">
+                <a:solidFill>
+                  <a:schemeClr val="tx1"/>
+                </a:solidFill>
+                <a:latin typeface="メイリオ" panose="020B0604030504040204" pitchFamily="50" charset="-128"/>
+                <a:ea typeface="メイリオ" panose="020B0604030504040204" pitchFamily="50" charset="-128"/>
+                <a:cs typeface="メイリオ" panose="020B0604030504040204" pitchFamily="50" charset="-128"/>
+              </a:rPr>
+              <a:t>登録</a:t>
+            </a:r>
+            <a:endParaRPr kumimoji="1" lang="en-US" altLang="ja-JP" sz="1600" b="1" dirty="0" smtClean="0">
+              <a:solidFill>
+                <a:schemeClr val="tx1"/>
+              </a:solidFill>
+              <a:latin typeface="メイリオ" panose="020B0604030504040204" pitchFamily="50" charset="-128"/>
+              <a:ea typeface="メイリオ" panose="020B0604030504040204" pitchFamily="50" charset="-128"/>
+              <a:cs typeface="メイリオ" panose="020B0604030504040204" pitchFamily="50" charset="-128"/>
+            </a:endParaRPr>
+          </a:p>
+          <a:p>
+            <a:pPr algn="ctr"/>
+            <a:endParaRPr kumimoji="1" lang="en-US" altLang="ja-JP" sz="1600" b="1" dirty="0" smtClean="0">
+              <a:solidFill>
+                <a:schemeClr val="tx1"/>
+              </a:solidFill>
+              <a:latin typeface="メイリオ" panose="020B0604030504040204" pitchFamily="50" charset="-128"/>
+              <a:ea typeface="メイリオ" panose="020B0604030504040204" pitchFamily="50" charset="-128"/>
+              <a:cs typeface="メイリオ" panose="020B0604030504040204" pitchFamily="50" charset="-128"/>
+            </a:endParaRPr>
+          </a:p>
+        </p:txBody>
+      </p:sp>
+    </p:spTree>
+    <p:extLst>
+      <p:ext uri="{BB962C8B-B14F-4D97-AF65-F5344CB8AC3E}">
+        <p14:creationId xmlns:p14="http://schemas.microsoft.com/office/powerpoint/2010/main" val="3642472609"/>
+      </p:ext>
+    </p:extLst>
+  </p:cSld>
+  <p:clrMapOvr>
+    <a:masterClrMapping/>
+  </p:clrMapOvr>
+  <p:timing>
+    <p:tnLst>
+      <p:par>
+        <p:cTn id="1" dur="indefinite" restart="never" nodeType="tmRoot"/>
+      </p:par>
+    </p:tnLst>
+  </p:timing>
+</p:sld>
+</file>
+
+<file path=ppt/slides/slide12.xml><?xml version="1.0" encoding="utf-8"?>
+<p:sld xmlns:a="http://schemas.openxmlformats.org/drawingml/2006/main" xmlns:r="http://schemas.openxmlformats.org/officeDocument/2006/relationships" xmlns:p="http://schemas.openxmlformats.org/presentationml/2006/main">
+  <p:cSld>
+    <p:spTree>
+      <p:nvGrpSpPr>
+        <p:cNvPr id="1" name=""/>
+        <p:cNvGrpSpPr/>
+        <p:nvPr/>
+      </p:nvGrpSpPr>
+      <p:grpSpPr>
+        <a:xfrm>
+          <a:off x="0" y="0"/>
+          <a:ext cx="0" cy="0"/>
+          <a:chOff x="0" y="0"/>
+          <a:chExt cx="0" cy="0"/>
+        </a:xfrm>
+      </p:grpSpPr>
+      <p:sp>
+        <p:nvSpPr>
+          <p:cNvPr id="2" name="正方形/長方形 1"/>
+          <p:cNvSpPr/>
+          <p:nvPr/>
+        </p:nvSpPr>
+        <p:spPr>
+          <a:xfrm>
+            <a:off x="496967" y="1141534"/>
+            <a:ext cx="1940312" cy="1650380"/>
+          </a:xfrm>
+          <a:prstGeom prst="rect">
+            <a:avLst/>
+          </a:prstGeom>
+          <a:solidFill>
+            <a:schemeClr val="bg1"/>
+          </a:solidFill>
+          <a:ln>
+            <a:solidFill>
+              <a:schemeClr val="tx1"/>
+            </a:solidFill>
+          </a:ln>
+        </p:spPr>
+        <p:style>
+          <a:lnRef idx="2">
+            <a:schemeClr val="accent1">
+              <a:shade val="50000"/>
+            </a:schemeClr>
+          </a:lnRef>
+          <a:fillRef idx="1">
+            <a:schemeClr val="accent1"/>
+          </a:fillRef>
+          <a:effectRef idx="0">
+            <a:schemeClr val="accent1"/>
+          </a:effectRef>
+          <a:fontRef idx="minor">
+            <a:schemeClr val="lt1"/>
+          </a:fontRef>
+        </p:style>
+        <p:txBody>
+          <a:bodyPr rtlCol="0" anchor="ctr"/>
+          <a:lstStyle/>
+          <a:p>
+            <a:pPr algn="ctr"/>
+            <a:r>
+              <a:rPr kumimoji="1" lang="ja-JP" altLang="en-US" sz="1400" dirty="0" smtClean="0">
+                <a:solidFill>
+                  <a:schemeClr val="tx1"/>
+                </a:solidFill>
+                <a:latin typeface="メイリオ" panose="020B0604030504040204" pitchFamily="50" charset="-128"/>
+                <a:ea typeface="メイリオ" panose="020B0604030504040204" pitchFamily="50" charset="-128"/>
+                <a:cs typeface="メイリオ" panose="020B0604030504040204" pitchFamily="50" charset="-128"/>
+              </a:rPr>
+              <a:t>ブラウザ</a:t>
+            </a:r>
+            <a:endParaRPr kumimoji="1" lang="ja-JP" altLang="en-US" sz="1400" dirty="0">
+              <a:solidFill>
+                <a:schemeClr val="tx1"/>
+              </a:solidFill>
+              <a:latin typeface="メイリオ" panose="020B0604030504040204" pitchFamily="50" charset="-128"/>
+              <a:ea typeface="メイリオ" panose="020B0604030504040204" pitchFamily="50" charset="-128"/>
+              <a:cs typeface="メイリオ" panose="020B0604030504040204" pitchFamily="50" charset="-128"/>
+            </a:endParaRPr>
+          </a:p>
+        </p:txBody>
+      </p:sp>
+      <p:sp>
+        <p:nvSpPr>
+          <p:cNvPr id="5" name="正方形/長方形 4"/>
+          <p:cNvSpPr/>
+          <p:nvPr/>
+        </p:nvSpPr>
+        <p:spPr>
+          <a:xfrm>
+            <a:off x="3383625" y="1684494"/>
+            <a:ext cx="2092517" cy="477097"/>
+          </a:xfrm>
+          <a:prstGeom prst="rect">
+            <a:avLst/>
+          </a:prstGeom>
+          <a:solidFill>
+            <a:schemeClr val="bg1"/>
+          </a:solidFill>
+          <a:ln>
+            <a:solidFill>
+              <a:schemeClr val="tx1"/>
+            </a:solidFill>
+          </a:ln>
+        </p:spPr>
+        <p:style>
+          <a:lnRef idx="2">
+            <a:schemeClr val="accent1">
+              <a:shade val="50000"/>
+            </a:schemeClr>
+          </a:lnRef>
+          <a:fillRef idx="1">
+            <a:schemeClr val="accent1"/>
+          </a:fillRef>
+          <a:effectRef idx="0">
+            <a:schemeClr val="accent1"/>
+          </a:effectRef>
+          <a:fontRef idx="minor">
+            <a:schemeClr val="lt1"/>
+          </a:fontRef>
+        </p:style>
+        <p:txBody>
+          <a:bodyPr rtlCol="0" anchor="t"/>
+          <a:lstStyle/>
+          <a:p>
+            <a:r>
+              <a:rPr kumimoji="1" lang="en-US" altLang="ja-JP" sz="1400" dirty="0" smtClean="0">
+                <a:solidFill>
+                  <a:schemeClr val="tx1"/>
+                </a:solidFill>
+                <a:latin typeface="メイリオ" panose="020B0604030504040204" pitchFamily="50" charset="-128"/>
+                <a:ea typeface="メイリオ" panose="020B0604030504040204" pitchFamily="50" charset="-128"/>
+                <a:cs typeface="メイリオ" panose="020B0604030504040204" pitchFamily="50" charset="-128"/>
+              </a:rPr>
+              <a:t>View</a:t>
+            </a:r>
+            <a:r>
+              <a:rPr lang="en-US" altLang="ja-JP" sz="1400" dirty="0" smtClean="0">
+                <a:solidFill>
+                  <a:schemeClr val="tx1"/>
+                </a:solidFill>
+                <a:latin typeface="メイリオ" panose="020B0604030504040204" pitchFamily="50" charset="-128"/>
+                <a:ea typeface="メイリオ" panose="020B0604030504040204" pitchFamily="50" charset="-128"/>
+                <a:cs typeface="メイリオ" panose="020B0604030504040204" pitchFamily="50" charset="-128"/>
+              </a:rPr>
+              <a:t>(JSP)</a:t>
+            </a:r>
+            <a:br>
+              <a:rPr lang="en-US" altLang="ja-JP" sz="1400" dirty="0" smtClean="0">
+                <a:solidFill>
+                  <a:schemeClr val="tx1"/>
+                </a:solidFill>
+                <a:latin typeface="メイリオ" panose="020B0604030504040204" pitchFamily="50" charset="-128"/>
+                <a:ea typeface="メイリオ" panose="020B0604030504040204" pitchFamily="50" charset="-128"/>
+                <a:cs typeface="メイリオ" panose="020B0604030504040204" pitchFamily="50" charset="-128"/>
+              </a:rPr>
+            </a:br>
+            <a:r>
+              <a:rPr lang="en-US" altLang="ja-JP" sz="1400" dirty="0" err="1" smtClean="0">
+                <a:solidFill>
+                  <a:schemeClr val="tx1"/>
+                </a:solidFill>
+                <a:latin typeface="メイリオ" panose="020B0604030504040204" pitchFamily="50" charset="-128"/>
+                <a:ea typeface="メイリオ" panose="020B0604030504040204" pitchFamily="50" charset="-128"/>
+                <a:cs typeface="メイリオ" panose="020B0604030504040204" pitchFamily="50" charset="-128"/>
+              </a:rPr>
+              <a:t>updateUser.JSP</a:t>
+            </a:r>
+            <a:endParaRPr kumimoji="1" lang="ja-JP" altLang="en-US" sz="1400" dirty="0">
+              <a:solidFill>
+                <a:schemeClr val="tx1"/>
+              </a:solidFill>
+              <a:latin typeface="メイリオ" panose="020B0604030504040204" pitchFamily="50" charset="-128"/>
+              <a:ea typeface="メイリオ" panose="020B0604030504040204" pitchFamily="50" charset="-128"/>
+              <a:cs typeface="メイリオ" panose="020B0604030504040204" pitchFamily="50" charset="-128"/>
+            </a:endParaRPr>
+          </a:p>
+        </p:txBody>
+      </p:sp>
+      <p:sp>
+        <p:nvSpPr>
+          <p:cNvPr id="7" name="正方形/長方形 6"/>
+          <p:cNvSpPr/>
+          <p:nvPr/>
+        </p:nvSpPr>
+        <p:spPr>
+          <a:xfrm>
+            <a:off x="7042653" y="815764"/>
+            <a:ext cx="1940312" cy="1319779"/>
+          </a:xfrm>
+          <a:prstGeom prst="rect">
+            <a:avLst/>
+          </a:prstGeom>
+          <a:solidFill>
+            <a:schemeClr val="bg1"/>
+          </a:solidFill>
+          <a:ln>
+            <a:solidFill>
+              <a:schemeClr val="tx1"/>
+            </a:solidFill>
+          </a:ln>
+        </p:spPr>
+        <p:style>
+          <a:lnRef idx="2">
+            <a:schemeClr val="accent1">
+              <a:shade val="50000"/>
+            </a:schemeClr>
+          </a:lnRef>
+          <a:fillRef idx="1">
+            <a:schemeClr val="accent1"/>
+          </a:fillRef>
+          <a:effectRef idx="0">
+            <a:schemeClr val="accent1"/>
+          </a:effectRef>
+          <a:fontRef idx="minor">
+            <a:schemeClr val="lt1"/>
+          </a:fontRef>
+        </p:style>
+        <p:txBody>
+          <a:bodyPr rtlCol="0" anchor="t"/>
+          <a:lstStyle/>
+          <a:p>
+            <a:r>
+              <a:rPr kumimoji="1" lang="en-US" altLang="ja-JP" sz="1400" dirty="0" smtClean="0">
+                <a:solidFill>
+                  <a:schemeClr val="tx1"/>
+                </a:solidFill>
+                <a:latin typeface="メイリオ" panose="020B0604030504040204" pitchFamily="50" charset="-128"/>
+                <a:ea typeface="メイリオ" panose="020B0604030504040204" pitchFamily="50" charset="-128"/>
+                <a:cs typeface="メイリオ" panose="020B0604030504040204" pitchFamily="50" charset="-128"/>
+              </a:rPr>
+              <a:t>Controller(Servlet)</a:t>
+            </a:r>
+            <a:br>
+              <a:rPr kumimoji="1" lang="en-US" altLang="ja-JP" sz="1400" dirty="0" smtClean="0">
+                <a:solidFill>
+                  <a:schemeClr val="tx1"/>
+                </a:solidFill>
+                <a:latin typeface="メイリオ" panose="020B0604030504040204" pitchFamily="50" charset="-128"/>
+                <a:ea typeface="メイリオ" panose="020B0604030504040204" pitchFamily="50" charset="-128"/>
+                <a:cs typeface="メイリオ" panose="020B0604030504040204" pitchFamily="50" charset="-128"/>
+              </a:rPr>
+            </a:br>
+            <a:r>
+              <a:rPr lang="ja-JP" altLang="en-US" sz="1400" dirty="0">
+                <a:solidFill>
+                  <a:schemeClr val="tx1"/>
+                </a:solidFill>
+                <a:latin typeface="メイリオ" panose="020B0604030504040204" pitchFamily="50" charset="-128"/>
+                <a:ea typeface="メイリオ" panose="020B0604030504040204" pitchFamily="50" charset="-128"/>
+                <a:cs typeface="メイリオ" panose="020B0604030504040204" pitchFamily="50" charset="-128"/>
+              </a:rPr>
+              <a:t>クラ</a:t>
+            </a:r>
+            <a:r>
+              <a:rPr lang="ja-JP" altLang="en-US" sz="1400" dirty="0" smtClean="0">
+                <a:solidFill>
+                  <a:schemeClr val="tx1"/>
+                </a:solidFill>
+                <a:latin typeface="メイリオ" panose="020B0604030504040204" pitchFamily="50" charset="-128"/>
+                <a:ea typeface="メイリオ" panose="020B0604030504040204" pitchFamily="50" charset="-128"/>
+                <a:cs typeface="メイリオ" panose="020B0604030504040204" pitchFamily="50" charset="-128"/>
+              </a:rPr>
+              <a:t>ス名</a:t>
+            </a:r>
+            <a:r>
+              <a:rPr lang="en-US" altLang="ja-JP" sz="1400" dirty="0" smtClean="0">
+                <a:solidFill>
+                  <a:schemeClr val="tx1"/>
+                </a:solidFill>
+                <a:latin typeface="メイリオ" panose="020B0604030504040204" pitchFamily="50" charset="-128"/>
+                <a:ea typeface="メイリオ" panose="020B0604030504040204" pitchFamily="50" charset="-128"/>
+                <a:cs typeface="メイリオ" panose="020B0604030504040204" pitchFamily="50" charset="-128"/>
+              </a:rPr>
+              <a:t>.java</a:t>
+            </a:r>
+          </a:p>
+        </p:txBody>
+      </p:sp>
+      <p:sp>
+        <p:nvSpPr>
+          <p:cNvPr id="8" name="正方形/長方形 7"/>
+          <p:cNvSpPr/>
+          <p:nvPr/>
+        </p:nvSpPr>
+        <p:spPr>
+          <a:xfrm>
+            <a:off x="9497053" y="860106"/>
+            <a:ext cx="2430488" cy="2864814"/>
+          </a:xfrm>
+          <a:prstGeom prst="rect">
+            <a:avLst/>
+          </a:prstGeom>
+          <a:solidFill>
+            <a:schemeClr val="bg1"/>
+          </a:solidFill>
+          <a:ln>
+            <a:solidFill>
+              <a:schemeClr val="tx1"/>
+            </a:solidFill>
+          </a:ln>
+        </p:spPr>
+        <p:style>
+          <a:lnRef idx="2">
+            <a:schemeClr val="accent1">
+              <a:shade val="50000"/>
+            </a:schemeClr>
+          </a:lnRef>
+          <a:fillRef idx="1">
+            <a:schemeClr val="accent1"/>
+          </a:fillRef>
+          <a:effectRef idx="0">
+            <a:schemeClr val="accent1"/>
+          </a:effectRef>
+          <a:fontRef idx="minor">
+            <a:schemeClr val="lt1"/>
+          </a:fontRef>
+        </p:style>
+        <p:txBody>
+          <a:bodyPr rtlCol="0" anchor="t"/>
+          <a:lstStyle/>
+          <a:p>
+            <a:r>
+              <a:rPr lang="en-US" altLang="ja-JP" sz="1400" dirty="0" smtClean="0">
+                <a:solidFill>
+                  <a:schemeClr val="tx1"/>
+                </a:solidFill>
+                <a:latin typeface="メイリオ" panose="020B0604030504040204" pitchFamily="50" charset="-128"/>
+                <a:ea typeface="メイリオ" panose="020B0604030504040204" pitchFamily="50" charset="-128"/>
+                <a:cs typeface="メイリオ" panose="020B0604030504040204" pitchFamily="50" charset="-128"/>
+              </a:rPr>
+              <a:t>Model(Logic)</a:t>
+            </a:r>
+            <a:br>
+              <a:rPr lang="en-US" altLang="ja-JP" sz="1400" dirty="0" smtClean="0">
+                <a:solidFill>
+                  <a:schemeClr val="tx1"/>
+                </a:solidFill>
+                <a:latin typeface="メイリオ" panose="020B0604030504040204" pitchFamily="50" charset="-128"/>
+                <a:ea typeface="メイリオ" panose="020B0604030504040204" pitchFamily="50" charset="-128"/>
+                <a:cs typeface="メイリオ" panose="020B0604030504040204" pitchFamily="50" charset="-128"/>
+              </a:rPr>
+            </a:br>
+            <a:r>
+              <a:rPr lang="ja-JP" altLang="en-US" sz="1400" dirty="0" smtClean="0">
+                <a:solidFill>
+                  <a:schemeClr val="tx1"/>
+                </a:solidFill>
+                <a:latin typeface="メイリオ" panose="020B0604030504040204" pitchFamily="50" charset="-128"/>
+                <a:ea typeface="メイリオ" panose="020B0604030504040204" pitchFamily="50" charset="-128"/>
+                <a:cs typeface="メイリオ" panose="020B0604030504040204" pitchFamily="50" charset="-128"/>
+              </a:rPr>
+              <a:t>クラス名</a:t>
+            </a:r>
+            <a:r>
+              <a:rPr lang="en-US" altLang="ja-JP" sz="1400" dirty="0" smtClean="0">
+                <a:solidFill>
+                  <a:schemeClr val="tx1"/>
+                </a:solidFill>
+                <a:latin typeface="メイリオ" panose="020B0604030504040204" pitchFamily="50" charset="-128"/>
+                <a:ea typeface="メイリオ" panose="020B0604030504040204" pitchFamily="50" charset="-128"/>
+                <a:cs typeface="メイリオ" panose="020B0604030504040204" pitchFamily="50" charset="-128"/>
+              </a:rPr>
+              <a:t>.java</a:t>
+            </a:r>
+            <a:endParaRPr kumimoji="1" lang="ja-JP" altLang="en-US" sz="900" dirty="0">
+              <a:solidFill>
+                <a:schemeClr val="tx1"/>
+              </a:solidFill>
+              <a:latin typeface="メイリオ" panose="020B0604030504040204" pitchFamily="50" charset="-128"/>
+              <a:ea typeface="メイリオ" panose="020B0604030504040204" pitchFamily="50" charset="-128"/>
+              <a:cs typeface="メイリオ" panose="020B0604030504040204" pitchFamily="50" charset="-128"/>
+            </a:endParaRPr>
+          </a:p>
+        </p:txBody>
+      </p:sp>
+      <p:sp>
+        <p:nvSpPr>
+          <p:cNvPr id="9" name="正方形/長方形 8"/>
+          <p:cNvSpPr/>
+          <p:nvPr/>
+        </p:nvSpPr>
+        <p:spPr>
+          <a:xfrm>
+            <a:off x="10047225" y="4279341"/>
+            <a:ext cx="1630582" cy="600105"/>
+          </a:xfrm>
+          <a:prstGeom prst="rect">
+            <a:avLst/>
+          </a:prstGeom>
+          <a:solidFill>
+            <a:schemeClr val="bg1"/>
+          </a:solidFill>
+          <a:ln>
+            <a:solidFill>
+              <a:schemeClr val="tx1"/>
+            </a:solidFill>
+          </a:ln>
+        </p:spPr>
+        <p:style>
+          <a:lnRef idx="2">
+            <a:schemeClr val="accent1">
+              <a:shade val="50000"/>
+            </a:schemeClr>
+          </a:lnRef>
+          <a:fillRef idx="1">
+            <a:schemeClr val="accent1"/>
+          </a:fillRef>
+          <a:effectRef idx="0">
+            <a:schemeClr val="accent1"/>
+          </a:effectRef>
+          <a:fontRef idx="minor">
+            <a:schemeClr val="lt1"/>
+          </a:fontRef>
+        </p:style>
+        <p:txBody>
+          <a:bodyPr rtlCol="0" anchor="t"/>
+          <a:lstStyle/>
+          <a:p>
+            <a:r>
+              <a:rPr lang="en-US" altLang="ja-JP" sz="1400" dirty="0" smtClean="0">
+                <a:solidFill>
+                  <a:schemeClr val="tx1"/>
+                </a:solidFill>
+                <a:latin typeface="メイリオ" panose="020B0604030504040204" pitchFamily="50" charset="-128"/>
+                <a:ea typeface="メイリオ" panose="020B0604030504040204" pitchFamily="50" charset="-128"/>
+                <a:cs typeface="メイリオ" panose="020B0604030504040204" pitchFamily="50" charset="-128"/>
+              </a:rPr>
+              <a:t>Model(Bean)</a:t>
+            </a:r>
+            <a:br>
+              <a:rPr lang="en-US" altLang="ja-JP" sz="1400" dirty="0" smtClean="0">
+                <a:solidFill>
+                  <a:schemeClr val="tx1"/>
+                </a:solidFill>
+                <a:latin typeface="メイリオ" panose="020B0604030504040204" pitchFamily="50" charset="-128"/>
+                <a:ea typeface="メイリオ" panose="020B0604030504040204" pitchFamily="50" charset="-128"/>
+                <a:cs typeface="メイリオ" panose="020B0604030504040204" pitchFamily="50" charset="-128"/>
+              </a:rPr>
+            </a:br>
+            <a:r>
+              <a:rPr lang="ja-JP" altLang="en-US" sz="1400" dirty="0" smtClean="0">
+                <a:solidFill>
+                  <a:schemeClr val="tx1"/>
+                </a:solidFill>
+                <a:latin typeface="メイリオ" panose="020B0604030504040204" pitchFamily="50" charset="-128"/>
+                <a:ea typeface="メイリオ" panose="020B0604030504040204" pitchFamily="50" charset="-128"/>
+                <a:cs typeface="メイリオ" panose="020B0604030504040204" pitchFamily="50" charset="-128"/>
+              </a:rPr>
+              <a:t>クラス</a:t>
+            </a:r>
+            <a:r>
+              <a:rPr lang="ja-JP" altLang="en-US" sz="1400" dirty="0">
+                <a:solidFill>
+                  <a:schemeClr val="tx1"/>
+                </a:solidFill>
+                <a:latin typeface="メイリオ" panose="020B0604030504040204" pitchFamily="50" charset="-128"/>
+                <a:ea typeface="メイリオ" panose="020B0604030504040204" pitchFamily="50" charset="-128"/>
+                <a:cs typeface="メイリオ" panose="020B0604030504040204" pitchFamily="50" charset="-128"/>
+              </a:rPr>
+              <a:t>名</a:t>
+            </a:r>
+            <a:r>
+              <a:rPr lang="en-US" altLang="ja-JP" sz="1400" dirty="0" smtClean="0">
+                <a:solidFill>
+                  <a:schemeClr val="tx1"/>
+                </a:solidFill>
+                <a:latin typeface="メイリオ" panose="020B0604030504040204" pitchFamily="50" charset="-128"/>
+                <a:ea typeface="メイリオ" panose="020B0604030504040204" pitchFamily="50" charset="-128"/>
+                <a:cs typeface="メイリオ" panose="020B0604030504040204" pitchFamily="50" charset="-128"/>
+              </a:rPr>
+              <a:t>.java</a:t>
+            </a:r>
+            <a:r>
+              <a:rPr lang="en-US" altLang="ja-JP" sz="1400" dirty="0" smtClean="0">
+                <a:solidFill>
+                  <a:schemeClr val="tx1"/>
+                </a:solidFill>
+                <a:latin typeface="メイリオ" panose="020B0604030504040204" pitchFamily="50" charset="-128"/>
+                <a:ea typeface="メイリオ" panose="020B0604030504040204" pitchFamily="50" charset="-128"/>
+                <a:cs typeface="メイリオ" panose="020B0604030504040204" pitchFamily="50" charset="-128"/>
+              </a:rPr>
+              <a:t/>
+            </a:r>
+            <a:br>
+              <a:rPr lang="en-US" altLang="ja-JP" sz="1400" dirty="0" smtClean="0">
+                <a:solidFill>
+                  <a:schemeClr val="tx1"/>
+                </a:solidFill>
+                <a:latin typeface="メイリオ" panose="020B0604030504040204" pitchFamily="50" charset="-128"/>
+                <a:ea typeface="メイリオ" panose="020B0604030504040204" pitchFamily="50" charset="-128"/>
+                <a:cs typeface="メイリオ" panose="020B0604030504040204" pitchFamily="50" charset="-128"/>
+              </a:rPr>
+            </a:br>
+            <a:endParaRPr kumimoji="1" lang="ja-JP" altLang="en-US" sz="1400" dirty="0">
+              <a:solidFill>
+                <a:schemeClr val="tx1"/>
+              </a:solidFill>
+              <a:latin typeface="メイリオ" panose="020B0604030504040204" pitchFamily="50" charset="-128"/>
+              <a:ea typeface="メイリオ" panose="020B0604030504040204" pitchFamily="50" charset="-128"/>
+              <a:cs typeface="メイリオ" panose="020B0604030504040204" pitchFamily="50" charset="-128"/>
+            </a:endParaRPr>
+          </a:p>
+        </p:txBody>
+      </p:sp>
+      <p:sp>
+        <p:nvSpPr>
+          <p:cNvPr id="16" name="角丸四角形 15"/>
+          <p:cNvSpPr/>
+          <p:nvPr/>
+        </p:nvSpPr>
+        <p:spPr>
+          <a:xfrm>
+            <a:off x="968777" y="4436087"/>
+            <a:ext cx="2407353" cy="1856352"/>
+          </a:xfrm>
+          <a:prstGeom prst="roundRect">
+            <a:avLst/>
+          </a:prstGeom>
+          <a:noFill/>
+          <a:ln>
+            <a:solidFill>
+              <a:schemeClr val="tx1"/>
+            </a:solidFill>
+          </a:ln>
+        </p:spPr>
+        <p:style>
+          <a:lnRef idx="2">
+            <a:schemeClr val="accent1">
+              <a:shade val="50000"/>
+            </a:schemeClr>
+          </a:lnRef>
+          <a:fillRef idx="1">
+            <a:schemeClr val="accent1"/>
+          </a:fillRef>
+          <a:effectRef idx="0">
+            <a:schemeClr val="accent1"/>
+          </a:effectRef>
+          <a:fontRef idx="minor">
+            <a:schemeClr val="lt1"/>
+          </a:fontRef>
+        </p:style>
+        <p:txBody>
+          <a:bodyPr rtlCol="0" anchor="t"/>
+          <a:lstStyle/>
+          <a:p>
+            <a:pPr algn="ctr"/>
+            <a:r>
+              <a:rPr lang="en-US" altLang="ja-JP" sz="1400" dirty="0" smtClean="0">
+                <a:solidFill>
+                  <a:schemeClr val="tx1"/>
+                </a:solidFill>
+                <a:latin typeface="メイリオ" panose="020B0604030504040204" pitchFamily="50" charset="-128"/>
+                <a:ea typeface="メイリオ" panose="020B0604030504040204" pitchFamily="50" charset="-128"/>
+                <a:cs typeface="メイリオ" panose="020B0604030504040204" pitchFamily="50" charset="-128"/>
+              </a:rPr>
+              <a:t>request</a:t>
+            </a:r>
+            <a:r>
+              <a:rPr lang="ja-JP" altLang="en-US" sz="1400" dirty="0" smtClean="0">
+                <a:solidFill>
+                  <a:schemeClr val="tx1"/>
+                </a:solidFill>
+                <a:latin typeface="メイリオ" panose="020B0604030504040204" pitchFamily="50" charset="-128"/>
+                <a:ea typeface="メイリオ" panose="020B0604030504040204" pitchFamily="50" charset="-128"/>
+                <a:cs typeface="メイリオ" panose="020B0604030504040204" pitchFamily="50" charset="-128"/>
+              </a:rPr>
+              <a:t>スコープ</a:t>
+            </a:r>
+            <a:endParaRPr lang="en-US" altLang="ja-JP" sz="1400" dirty="0" smtClean="0">
+              <a:solidFill>
+                <a:schemeClr val="tx1"/>
+              </a:solidFill>
+              <a:latin typeface="メイリオ" panose="020B0604030504040204" pitchFamily="50" charset="-128"/>
+              <a:ea typeface="メイリオ" panose="020B0604030504040204" pitchFamily="50" charset="-128"/>
+              <a:cs typeface="メイリオ" panose="020B0604030504040204" pitchFamily="50" charset="-128"/>
+            </a:endParaRPr>
+          </a:p>
+        </p:txBody>
+      </p:sp>
+      <p:cxnSp>
+        <p:nvCxnSpPr>
+          <p:cNvPr id="10" name="直線矢印コネクタ 9"/>
+          <p:cNvCxnSpPr/>
+          <p:nvPr/>
+        </p:nvCxnSpPr>
+        <p:spPr>
+          <a:xfrm flipV="1">
+            <a:off x="2447201" y="964863"/>
+            <a:ext cx="4612916" cy="265129"/>
+          </a:xfrm>
+          <a:prstGeom prst="straightConnector1">
+            <a:avLst/>
+          </a:prstGeom>
+          <a:ln w="25400">
+            <a:solidFill>
+              <a:schemeClr val="tx1"/>
+            </a:solidFill>
+            <a:tailEnd type="triangle" w="lg" len="lg"/>
+          </a:ln>
+        </p:spPr>
+        <p:style>
+          <a:lnRef idx="1">
+            <a:schemeClr val="accent1"/>
+          </a:lnRef>
+          <a:fillRef idx="0">
+            <a:schemeClr val="accent1"/>
+          </a:fillRef>
+          <a:effectRef idx="0">
+            <a:schemeClr val="accent1"/>
+          </a:effectRef>
+          <a:fontRef idx="minor">
+            <a:schemeClr val="tx1"/>
+          </a:fontRef>
+        </p:style>
+      </p:cxnSp>
+      <p:cxnSp>
+        <p:nvCxnSpPr>
+          <p:cNvPr id="27" name="直線矢印コネクタ 26"/>
+          <p:cNvCxnSpPr>
+            <a:endCxn id="5" idx="3"/>
+          </p:cNvCxnSpPr>
+          <p:nvPr/>
+        </p:nvCxnSpPr>
+        <p:spPr>
+          <a:xfrm flipH="1">
+            <a:off x="5476142" y="1300238"/>
+            <a:ext cx="1556589" cy="622805"/>
+          </a:xfrm>
+          <a:prstGeom prst="straightConnector1">
+            <a:avLst/>
+          </a:prstGeom>
+          <a:ln w="25400">
+            <a:solidFill>
+              <a:schemeClr val="tx1"/>
+            </a:solidFill>
+            <a:tailEnd type="triangle" w="lg" len="lg"/>
+          </a:ln>
+        </p:spPr>
+        <p:style>
+          <a:lnRef idx="1">
+            <a:schemeClr val="accent1"/>
+          </a:lnRef>
+          <a:fillRef idx="0">
+            <a:schemeClr val="accent1"/>
+          </a:fillRef>
+          <a:effectRef idx="0">
+            <a:schemeClr val="accent1"/>
+          </a:effectRef>
+          <a:fontRef idx="minor">
+            <a:schemeClr val="tx1"/>
+          </a:fontRef>
+        </p:style>
+      </p:cxnSp>
+      <p:cxnSp>
+        <p:nvCxnSpPr>
+          <p:cNvPr id="32" name="直線矢印コネクタ 31"/>
+          <p:cNvCxnSpPr>
+            <a:stCxn id="60" idx="1"/>
+            <a:endCxn id="2" idx="3"/>
+          </p:cNvCxnSpPr>
+          <p:nvPr/>
+        </p:nvCxnSpPr>
+        <p:spPr>
+          <a:xfrm flipH="1" flipV="1">
+            <a:off x="2437279" y="1966724"/>
+            <a:ext cx="688148" cy="959480"/>
+          </a:xfrm>
+          <a:prstGeom prst="straightConnector1">
+            <a:avLst/>
+          </a:prstGeom>
+          <a:ln w="25400">
+            <a:solidFill>
+              <a:schemeClr val="tx1"/>
+            </a:solidFill>
+            <a:tailEnd type="triangle" w="lg" len="lg"/>
+          </a:ln>
+        </p:spPr>
+        <p:style>
+          <a:lnRef idx="1">
+            <a:schemeClr val="accent1"/>
+          </a:lnRef>
+          <a:fillRef idx="0">
+            <a:schemeClr val="accent1"/>
+          </a:fillRef>
+          <a:effectRef idx="0">
+            <a:schemeClr val="accent1"/>
+          </a:effectRef>
+          <a:fontRef idx="minor">
+            <a:schemeClr val="tx1"/>
+          </a:fontRef>
+        </p:style>
+      </p:cxnSp>
+      <p:cxnSp>
+        <p:nvCxnSpPr>
+          <p:cNvPr id="35" name="直線矢印コネクタ 34"/>
+          <p:cNvCxnSpPr>
+            <a:stCxn id="5" idx="1"/>
+          </p:cNvCxnSpPr>
+          <p:nvPr/>
+        </p:nvCxnSpPr>
+        <p:spPr>
+          <a:xfrm flipH="1" flipV="1">
+            <a:off x="2437279" y="1797976"/>
+            <a:ext cx="946346" cy="125067"/>
+          </a:xfrm>
+          <a:prstGeom prst="straightConnector1">
+            <a:avLst/>
+          </a:prstGeom>
+          <a:ln w="25400">
+            <a:solidFill>
+              <a:schemeClr val="tx1"/>
+            </a:solidFill>
+            <a:tailEnd type="triangle" w="lg" len="lg"/>
+          </a:ln>
+        </p:spPr>
+        <p:style>
+          <a:lnRef idx="1">
+            <a:schemeClr val="accent1"/>
+          </a:lnRef>
+          <a:fillRef idx="0">
+            <a:schemeClr val="accent1"/>
+          </a:fillRef>
+          <a:effectRef idx="0">
+            <a:schemeClr val="accent1"/>
+          </a:effectRef>
+          <a:fontRef idx="minor">
+            <a:schemeClr val="tx1"/>
+          </a:fontRef>
+        </p:style>
+      </p:cxnSp>
+      <p:cxnSp>
+        <p:nvCxnSpPr>
+          <p:cNvPr id="42" name="直線矢印コネクタ 41"/>
+          <p:cNvCxnSpPr/>
+          <p:nvPr/>
+        </p:nvCxnSpPr>
+        <p:spPr>
+          <a:xfrm>
+            <a:off x="8982965" y="1813568"/>
+            <a:ext cx="514088" cy="417118"/>
+          </a:xfrm>
+          <a:prstGeom prst="straightConnector1">
+            <a:avLst/>
+          </a:prstGeom>
+          <a:ln w="25400">
+            <a:solidFill>
+              <a:schemeClr val="tx1"/>
+            </a:solidFill>
+            <a:prstDash val="solid"/>
+            <a:tailEnd type="triangle" w="lg" len="lg"/>
+          </a:ln>
+        </p:spPr>
+        <p:style>
+          <a:lnRef idx="1">
+            <a:schemeClr val="accent1"/>
+          </a:lnRef>
+          <a:fillRef idx="0">
+            <a:schemeClr val="accent1"/>
+          </a:fillRef>
+          <a:effectRef idx="0">
+            <a:schemeClr val="accent1"/>
+          </a:effectRef>
+          <a:fontRef idx="minor">
+            <a:schemeClr val="tx1"/>
+          </a:fontRef>
+        </p:style>
+      </p:cxnSp>
+      <p:cxnSp>
+        <p:nvCxnSpPr>
+          <p:cNvPr id="45" name="直線矢印コネクタ 44"/>
+          <p:cNvCxnSpPr>
+            <a:endCxn id="9" idx="0"/>
+          </p:cNvCxnSpPr>
+          <p:nvPr/>
+        </p:nvCxnSpPr>
+        <p:spPr>
+          <a:xfrm>
+            <a:off x="10862516" y="3738091"/>
+            <a:ext cx="0" cy="541250"/>
+          </a:xfrm>
+          <a:prstGeom prst="straightConnector1">
+            <a:avLst/>
+          </a:prstGeom>
+          <a:ln w="25400">
+            <a:solidFill>
+              <a:schemeClr val="tx1"/>
+            </a:solidFill>
+            <a:prstDash val="solid"/>
+            <a:tailEnd type="triangle" w="lg" len="lg"/>
+          </a:ln>
+        </p:spPr>
+        <p:style>
+          <a:lnRef idx="1">
+            <a:schemeClr val="accent1"/>
+          </a:lnRef>
+          <a:fillRef idx="0">
+            <a:schemeClr val="accent1"/>
+          </a:fillRef>
+          <a:effectRef idx="0">
+            <a:schemeClr val="accent1"/>
+          </a:effectRef>
+          <a:fontRef idx="minor">
+            <a:schemeClr val="tx1"/>
+          </a:fontRef>
+        </p:style>
+      </p:cxnSp>
+      <p:sp>
+        <p:nvSpPr>
+          <p:cNvPr id="70" name="正方形/長方形 69"/>
+          <p:cNvSpPr/>
+          <p:nvPr/>
+        </p:nvSpPr>
+        <p:spPr>
+          <a:xfrm>
+            <a:off x="3677175" y="332653"/>
+            <a:ext cx="4922487" cy="371787"/>
+          </a:xfrm>
+          <a:prstGeom prst="rect">
+            <a:avLst/>
+          </a:prstGeom>
+          <a:noFill/>
+          <a:ln>
+            <a:noFill/>
+          </a:ln>
+        </p:spPr>
+        <p:style>
+          <a:lnRef idx="2">
+            <a:schemeClr val="accent1">
+              <a:shade val="50000"/>
+            </a:schemeClr>
+          </a:lnRef>
+          <a:fillRef idx="1">
+            <a:schemeClr val="accent1"/>
+          </a:fillRef>
+          <a:effectRef idx="0">
+            <a:schemeClr val="accent1"/>
+          </a:effectRef>
+          <a:fontRef idx="minor">
+            <a:schemeClr val="lt1"/>
+          </a:fontRef>
+        </p:style>
+        <p:txBody>
+          <a:bodyPr rtlCol="0" anchor="ctr"/>
+          <a:lstStyle/>
+          <a:p>
+            <a:pPr algn="ctr"/>
+            <a:r>
+              <a:rPr lang="ja-JP" altLang="en-US" sz="2000" dirty="0">
+                <a:solidFill>
+                  <a:schemeClr val="tx1"/>
+                </a:solidFill>
+                <a:latin typeface="メイリオ" panose="020B0604030504040204" pitchFamily="50" charset="-128"/>
+                <a:ea typeface="メイリオ" panose="020B0604030504040204" pitchFamily="50" charset="-128"/>
+                <a:cs typeface="メイリオ" panose="020B0604030504040204" pitchFamily="50" charset="-128"/>
+              </a:rPr>
+              <a:t>社員情報管理システム</a:t>
+            </a:r>
+          </a:p>
+        </p:txBody>
+      </p:sp>
+      <p:sp>
+        <p:nvSpPr>
+          <p:cNvPr id="40" name="正方形/長方形 39"/>
+          <p:cNvSpPr/>
+          <p:nvPr/>
+        </p:nvSpPr>
+        <p:spPr>
+          <a:xfrm>
+            <a:off x="496967" y="220915"/>
+            <a:ext cx="2640327" cy="446770"/>
+          </a:xfrm>
+          <a:prstGeom prst="rect">
+            <a:avLst/>
+          </a:prstGeom>
+          <a:noFill/>
+          <a:ln>
+            <a:noFill/>
+          </a:ln>
+        </p:spPr>
+        <p:style>
+          <a:lnRef idx="2">
+            <a:schemeClr val="accent1">
+              <a:shade val="50000"/>
+            </a:schemeClr>
+          </a:lnRef>
+          <a:fillRef idx="1">
+            <a:schemeClr val="accent1"/>
+          </a:fillRef>
+          <a:effectRef idx="0">
+            <a:schemeClr val="accent1"/>
+          </a:effectRef>
+          <a:fontRef idx="minor">
+            <a:schemeClr val="lt1"/>
+          </a:fontRef>
+        </p:style>
+        <p:txBody>
+          <a:bodyPr rtlCol="0" anchor="t"/>
+          <a:lstStyle/>
+          <a:p>
+            <a:pPr algn="ctr"/>
+            <a:r>
+              <a:rPr lang="ja-JP" altLang="en-US" sz="2400" dirty="0" smtClean="0">
+                <a:solidFill>
+                  <a:schemeClr val="tx1"/>
+                </a:solidFill>
+                <a:latin typeface="メイリオ" panose="020B0604030504040204" pitchFamily="50" charset="-128"/>
+                <a:ea typeface="メイリオ" panose="020B0604030504040204" pitchFamily="50" charset="-128"/>
+                <a:cs typeface="メイリオ" panose="020B0604030504040204" pitchFamily="50" charset="-128"/>
+              </a:rPr>
+              <a:t>状態遷移図</a:t>
+            </a:r>
+            <a:endParaRPr kumimoji="1" lang="ja-JP" altLang="en-US" sz="2400" dirty="0">
+              <a:solidFill>
+                <a:schemeClr val="tx1"/>
+              </a:solidFill>
+              <a:latin typeface="メイリオ" panose="020B0604030504040204" pitchFamily="50" charset="-128"/>
+              <a:ea typeface="メイリオ" panose="020B0604030504040204" pitchFamily="50" charset="-128"/>
+              <a:cs typeface="メイリオ" panose="020B0604030504040204" pitchFamily="50" charset="-128"/>
+            </a:endParaRPr>
+          </a:p>
+        </p:txBody>
+      </p:sp>
+      <p:sp>
+        <p:nvSpPr>
+          <p:cNvPr id="41" name="正方形/長方形 40"/>
+          <p:cNvSpPr/>
+          <p:nvPr/>
+        </p:nvSpPr>
+        <p:spPr>
+          <a:xfrm>
+            <a:off x="3824982" y="105539"/>
+            <a:ext cx="1136253" cy="446770"/>
+          </a:xfrm>
+          <a:prstGeom prst="rect">
+            <a:avLst/>
+          </a:prstGeom>
+          <a:noFill/>
+          <a:ln>
+            <a:noFill/>
+          </a:ln>
+        </p:spPr>
+        <p:style>
+          <a:lnRef idx="2">
+            <a:schemeClr val="accent1">
+              <a:shade val="50000"/>
+            </a:schemeClr>
+          </a:lnRef>
+          <a:fillRef idx="1">
+            <a:schemeClr val="accent1"/>
+          </a:fillRef>
+          <a:effectRef idx="0">
+            <a:schemeClr val="accent1"/>
+          </a:effectRef>
+          <a:fontRef idx="minor">
+            <a:schemeClr val="lt1"/>
+          </a:fontRef>
+        </p:style>
+        <p:txBody>
+          <a:bodyPr rtlCol="0" anchor="t"/>
+          <a:lstStyle/>
+          <a:p>
+            <a:pPr algn="ctr"/>
+            <a:r>
+              <a:rPr lang="ja-JP" altLang="en-US" sz="1100" dirty="0" smtClean="0">
+                <a:solidFill>
+                  <a:schemeClr val="tx1"/>
+                </a:solidFill>
+                <a:latin typeface="メイリオ" panose="020B0604030504040204" pitchFamily="50" charset="-128"/>
+                <a:ea typeface="メイリオ" panose="020B0604030504040204" pitchFamily="50" charset="-128"/>
+                <a:cs typeface="メイリオ" panose="020B0604030504040204" pitchFamily="50" charset="-128"/>
+              </a:rPr>
+              <a:t>システム名</a:t>
+            </a:r>
+            <a:endParaRPr kumimoji="1" lang="ja-JP" altLang="en-US" sz="1100" dirty="0">
+              <a:solidFill>
+                <a:schemeClr val="tx1"/>
+              </a:solidFill>
+              <a:latin typeface="メイリオ" panose="020B0604030504040204" pitchFamily="50" charset="-128"/>
+              <a:ea typeface="メイリオ" panose="020B0604030504040204" pitchFamily="50" charset="-128"/>
+              <a:cs typeface="メイリオ" panose="020B0604030504040204" pitchFamily="50" charset="-128"/>
+            </a:endParaRPr>
+          </a:p>
+        </p:txBody>
+      </p:sp>
+      <p:sp>
+        <p:nvSpPr>
+          <p:cNvPr id="44" name="正方形/長方形 43"/>
+          <p:cNvSpPr/>
+          <p:nvPr/>
+        </p:nvSpPr>
+        <p:spPr>
+          <a:xfrm>
+            <a:off x="8177099" y="143901"/>
+            <a:ext cx="1379023" cy="262841"/>
+          </a:xfrm>
+          <a:prstGeom prst="rect">
+            <a:avLst/>
+          </a:prstGeom>
+          <a:noFill/>
+          <a:ln>
+            <a:noFill/>
+          </a:ln>
+        </p:spPr>
+        <p:style>
+          <a:lnRef idx="2">
+            <a:schemeClr val="accent1">
+              <a:shade val="50000"/>
+            </a:schemeClr>
+          </a:lnRef>
+          <a:fillRef idx="1">
+            <a:schemeClr val="accent1"/>
+          </a:fillRef>
+          <a:effectRef idx="0">
+            <a:schemeClr val="accent1"/>
+          </a:effectRef>
+          <a:fontRef idx="minor">
+            <a:schemeClr val="lt1"/>
+          </a:fontRef>
+        </p:style>
+        <p:txBody>
+          <a:bodyPr rtlCol="0" anchor="t"/>
+          <a:lstStyle/>
+          <a:p>
+            <a:pPr algn="r"/>
+            <a:r>
+              <a:rPr lang="ja-JP" altLang="en-US" sz="1100" dirty="0" smtClean="0">
+                <a:solidFill>
+                  <a:schemeClr val="tx1"/>
+                </a:solidFill>
+                <a:latin typeface="メイリオ" panose="020B0604030504040204" pitchFamily="50" charset="-128"/>
+                <a:ea typeface="メイリオ" panose="020B0604030504040204" pitchFamily="50" charset="-128"/>
+                <a:cs typeface="メイリオ" panose="020B0604030504040204" pitchFamily="50" charset="-128"/>
+              </a:rPr>
+              <a:t>バージョン</a:t>
+            </a:r>
+            <a:r>
+              <a:rPr lang="en-US" altLang="ja-JP" sz="1100" dirty="0" smtClean="0">
+                <a:solidFill>
+                  <a:schemeClr val="tx1"/>
+                </a:solidFill>
+                <a:latin typeface="メイリオ" panose="020B0604030504040204" pitchFamily="50" charset="-128"/>
+                <a:ea typeface="メイリオ" panose="020B0604030504040204" pitchFamily="50" charset="-128"/>
+                <a:cs typeface="メイリオ" panose="020B0604030504040204" pitchFamily="50" charset="-128"/>
+              </a:rPr>
+              <a:t>No.</a:t>
+            </a:r>
+            <a:endParaRPr kumimoji="1" lang="ja-JP" altLang="en-US" sz="1100" dirty="0">
+              <a:solidFill>
+                <a:schemeClr val="tx1"/>
+              </a:solidFill>
+              <a:latin typeface="メイリオ" panose="020B0604030504040204" pitchFamily="50" charset="-128"/>
+              <a:ea typeface="メイリオ" panose="020B0604030504040204" pitchFamily="50" charset="-128"/>
+              <a:cs typeface="メイリオ" panose="020B0604030504040204" pitchFamily="50" charset="-128"/>
+            </a:endParaRPr>
+          </a:p>
+        </p:txBody>
+      </p:sp>
+      <p:sp>
+        <p:nvSpPr>
+          <p:cNvPr id="48" name="正方形/長方形 47"/>
+          <p:cNvSpPr/>
+          <p:nvPr/>
+        </p:nvSpPr>
+        <p:spPr>
+          <a:xfrm>
+            <a:off x="8427717" y="429539"/>
+            <a:ext cx="1141284" cy="246781"/>
+          </a:xfrm>
+          <a:prstGeom prst="rect">
+            <a:avLst/>
+          </a:prstGeom>
+          <a:noFill/>
+          <a:ln>
+            <a:noFill/>
+          </a:ln>
+        </p:spPr>
+        <p:style>
+          <a:lnRef idx="2">
+            <a:schemeClr val="accent1">
+              <a:shade val="50000"/>
+            </a:schemeClr>
+          </a:lnRef>
+          <a:fillRef idx="1">
+            <a:schemeClr val="accent1"/>
+          </a:fillRef>
+          <a:effectRef idx="0">
+            <a:schemeClr val="accent1"/>
+          </a:effectRef>
+          <a:fontRef idx="minor">
+            <a:schemeClr val="lt1"/>
+          </a:fontRef>
+        </p:style>
+        <p:txBody>
+          <a:bodyPr rtlCol="0" anchor="t"/>
+          <a:lstStyle/>
+          <a:p>
+            <a:pPr algn="r"/>
+            <a:r>
+              <a:rPr lang="ja-JP" altLang="en-US" sz="1100" dirty="0" smtClean="0">
+                <a:solidFill>
+                  <a:schemeClr val="tx1"/>
+                </a:solidFill>
+                <a:latin typeface="メイリオ" panose="020B0604030504040204" pitchFamily="50" charset="-128"/>
+                <a:ea typeface="メイリオ" panose="020B0604030504040204" pitchFamily="50" charset="-128"/>
+                <a:cs typeface="メイリオ" panose="020B0604030504040204" pitchFamily="50" charset="-128"/>
+              </a:rPr>
+              <a:t>ページ</a:t>
+            </a:r>
+            <a:r>
+              <a:rPr lang="en-US" altLang="ja-JP" sz="1100" dirty="0" smtClean="0">
+                <a:solidFill>
+                  <a:schemeClr val="tx1"/>
+                </a:solidFill>
+                <a:latin typeface="メイリオ" panose="020B0604030504040204" pitchFamily="50" charset="-128"/>
+                <a:ea typeface="メイリオ" panose="020B0604030504040204" pitchFamily="50" charset="-128"/>
+                <a:cs typeface="メイリオ" panose="020B0604030504040204" pitchFamily="50" charset="-128"/>
+              </a:rPr>
+              <a:t>No.</a:t>
+            </a:r>
+            <a:endParaRPr kumimoji="1" lang="ja-JP" altLang="en-US" sz="1100" dirty="0">
+              <a:solidFill>
+                <a:schemeClr val="tx1"/>
+              </a:solidFill>
+              <a:latin typeface="メイリオ" panose="020B0604030504040204" pitchFamily="50" charset="-128"/>
+              <a:ea typeface="メイリオ" panose="020B0604030504040204" pitchFamily="50" charset="-128"/>
+              <a:cs typeface="メイリオ" panose="020B0604030504040204" pitchFamily="50" charset="-128"/>
+            </a:endParaRPr>
+          </a:p>
+        </p:txBody>
+      </p:sp>
+      <p:grpSp>
+        <p:nvGrpSpPr>
+          <p:cNvPr id="3" name="グループ化 2"/>
+          <p:cNvGrpSpPr/>
+          <p:nvPr/>
+        </p:nvGrpSpPr>
+        <p:grpSpPr>
+          <a:xfrm>
+            <a:off x="49261" y="74532"/>
+            <a:ext cx="12052585" cy="6731951"/>
+            <a:chOff x="49261" y="74532"/>
+            <a:chExt cx="12052585" cy="6731951"/>
+          </a:xfrm>
+        </p:grpSpPr>
+        <p:sp>
+          <p:nvSpPr>
+            <p:cNvPr id="36" name="正方形/長方形 35"/>
+            <p:cNvSpPr/>
+            <p:nvPr/>
+          </p:nvSpPr>
+          <p:spPr>
+            <a:xfrm>
+              <a:off x="49261" y="669700"/>
+              <a:ext cx="12052585" cy="6136783"/>
+            </a:xfrm>
+            <a:prstGeom prst="rect">
+              <a:avLst/>
+            </a:prstGeom>
+            <a:noFill/>
+            <a:ln>
+              <a:solidFill>
+                <a:schemeClr val="tx1"/>
+              </a:solidFill>
+            </a:ln>
+          </p:spPr>
+          <p:style>
+            <a:lnRef idx="2">
+              <a:schemeClr val="accent1">
+                <a:shade val="50000"/>
+              </a:schemeClr>
+            </a:lnRef>
+            <a:fillRef idx="1">
+              <a:schemeClr val="accent1"/>
+            </a:fillRef>
+            <a:effectRef idx="0">
+              <a:schemeClr val="accent1"/>
+            </a:effectRef>
+            <a:fontRef idx="minor">
+              <a:schemeClr val="lt1"/>
+            </a:fontRef>
+          </p:style>
+          <p:txBody>
+            <a:bodyPr rtlCol="0" anchor="ctr"/>
+            <a:lstStyle/>
+            <a:p>
+              <a:pPr algn="ctr"/>
+              <a:endParaRPr kumimoji="1" lang="ja-JP" altLang="en-US" sz="1400" dirty="0">
+                <a:solidFill>
+                  <a:schemeClr val="tx1"/>
+                </a:solidFill>
+                <a:latin typeface="メイリオ" panose="020B0604030504040204" pitchFamily="50" charset="-128"/>
+                <a:ea typeface="メイリオ" panose="020B0604030504040204" pitchFamily="50" charset="-128"/>
+                <a:cs typeface="メイリオ" panose="020B0604030504040204" pitchFamily="50" charset="-128"/>
+              </a:endParaRPr>
+            </a:p>
+          </p:txBody>
+        </p:sp>
+        <p:sp>
+          <p:nvSpPr>
+            <p:cNvPr id="38" name="正方形/長方形 37"/>
+            <p:cNvSpPr/>
+            <p:nvPr/>
+          </p:nvSpPr>
+          <p:spPr>
+            <a:xfrm>
+              <a:off x="49261" y="77274"/>
+              <a:ext cx="3844413" cy="592372"/>
+            </a:xfrm>
+            <a:prstGeom prst="rect">
+              <a:avLst/>
+            </a:prstGeom>
+            <a:noFill/>
+            <a:ln>
+              <a:solidFill>
+                <a:schemeClr val="tx1"/>
+              </a:solidFill>
+            </a:ln>
+          </p:spPr>
+          <p:style>
+            <a:lnRef idx="2">
+              <a:schemeClr val="accent1">
+                <a:shade val="50000"/>
+              </a:schemeClr>
+            </a:lnRef>
+            <a:fillRef idx="1">
+              <a:schemeClr val="accent1"/>
+            </a:fillRef>
+            <a:effectRef idx="0">
+              <a:schemeClr val="accent1"/>
+            </a:effectRef>
+            <a:fontRef idx="minor">
+              <a:schemeClr val="lt1"/>
+            </a:fontRef>
+          </p:style>
+          <p:txBody>
+            <a:bodyPr rtlCol="0" anchor="ctr"/>
+            <a:lstStyle/>
+            <a:p>
+              <a:pPr algn="ctr"/>
+              <a:endParaRPr kumimoji="1" lang="ja-JP" altLang="en-US" sz="1400" dirty="0">
+                <a:solidFill>
+                  <a:schemeClr val="tx1"/>
+                </a:solidFill>
+                <a:latin typeface="メイリオ" panose="020B0604030504040204" pitchFamily="50" charset="-128"/>
+                <a:ea typeface="メイリオ" panose="020B0604030504040204" pitchFamily="50" charset="-128"/>
+                <a:cs typeface="メイリオ" panose="020B0604030504040204" pitchFamily="50" charset="-128"/>
+              </a:endParaRPr>
+            </a:p>
+          </p:txBody>
+        </p:sp>
+        <p:sp>
+          <p:nvSpPr>
+            <p:cNvPr id="39" name="正方形/長方形 38"/>
+            <p:cNvSpPr/>
+            <p:nvPr/>
+          </p:nvSpPr>
+          <p:spPr>
+            <a:xfrm>
+              <a:off x="3893674" y="74821"/>
+              <a:ext cx="4541005" cy="592372"/>
+            </a:xfrm>
+            <a:prstGeom prst="rect">
+              <a:avLst/>
+            </a:prstGeom>
+            <a:noFill/>
+            <a:ln>
+              <a:solidFill>
+                <a:schemeClr val="tx1"/>
+              </a:solidFill>
+            </a:ln>
+          </p:spPr>
+          <p:style>
+            <a:lnRef idx="2">
+              <a:schemeClr val="accent1">
+                <a:shade val="50000"/>
+              </a:schemeClr>
+            </a:lnRef>
+            <a:fillRef idx="1">
+              <a:schemeClr val="accent1"/>
+            </a:fillRef>
+            <a:effectRef idx="0">
+              <a:schemeClr val="accent1"/>
+            </a:effectRef>
+            <a:fontRef idx="minor">
+              <a:schemeClr val="lt1"/>
+            </a:fontRef>
+          </p:style>
+          <p:txBody>
+            <a:bodyPr rtlCol="0" anchor="ctr"/>
+            <a:lstStyle/>
+            <a:p>
+              <a:pPr algn="ctr"/>
+              <a:endParaRPr kumimoji="1" lang="ja-JP" altLang="en-US" sz="1400" dirty="0">
+                <a:solidFill>
+                  <a:schemeClr val="tx1"/>
+                </a:solidFill>
+                <a:latin typeface="メイリオ" panose="020B0604030504040204" pitchFamily="50" charset="-128"/>
+                <a:ea typeface="メイリオ" panose="020B0604030504040204" pitchFamily="50" charset="-128"/>
+                <a:cs typeface="メイリオ" panose="020B0604030504040204" pitchFamily="50" charset="-128"/>
+              </a:endParaRPr>
+            </a:p>
+          </p:txBody>
+        </p:sp>
+        <p:sp>
+          <p:nvSpPr>
+            <p:cNvPr id="43" name="正方形/長方形 42"/>
+            <p:cNvSpPr/>
+            <p:nvPr/>
+          </p:nvSpPr>
+          <p:spPr>
+            <a:xfrm>
+              <a:off x="8434680" y="74532"/>
+              <a:ext cx="1572206" cy="296124"/>
+            </a:xfrm>
+            <a:prstGeom prst="rect">
+              <a:avLst/>
+            </a:prstGeom>
+            <a:noFill/>
+            <a:ln>
+              <a:solidFill>
+                <a:schemeClr val="tx1"/>
+              </a:solidFill>
+            </a:ln>
+          </p:spPr>
+          <p:style>
+            <a:lnRef idx="2">
+              <a:schemeClr val="accent1">
+                <a:shade val="50000"/>
+              </a:schemeClr>
+            </a:lnRef>
+            <a:fillRef idx="1">
+              <a:schemeClr val="accent1"/>
+            </a:fillRef>
+            <a:effectRef idx="0">
+              <a:schemeClr val="accent1"/>
+            </a:effectRef>
+            <a:fontRef idx="minor">
+              <a:schemeClr val="lt1"/>
+            </a:fontRef>
+          </p:style>
+          <p:txBody>
+            <a:bodyPr rtlCol="0" anchor="ctr"/>
+            <a:lstStyle/>
+            <a:p>
+              <a:pPr algn="ctr"/>
+              <a:endParaRPr kumimoji="1" lang="ja-JP" altLang="en-US" sz="1400" dirty="0">
+                <a:solidFill>
+                  <a:schemeClr val="tx1"/>
+                </a:solidFill>
+                <a:latin typeface="メイリオ" panose="020B0604030504040204" pitchFamily="50" charset="-128"/>
+                <a:ea typeface="メイリオ" panose="020B0604030504040204" pitchFamily="50" charset="-128"/>
+                <a:cs typeface="メイリオ" panose="020B0604030504040204" pitchFamily="50" charset="-128"/>
+              </a:endParaRPr>
+            </a:p>
+          </p:txBody>
+        </p:sp>
+        <p:sp>
+          <p:nvSpPr>
+            <p:cNvPr id="46" name="正方形/長方形 45"/>
+            <p:cNvSpPr/>
+            <p:nvPr/>
+          </p:nvSpPr>
+          <p:spPr>
+            <a:xfrm>
+              <a:off x="8441730" y="375539"/>
+              <a:ext cx="1561585" cy="293468"/>
+            </a:xfrm>
+            <a:prstGeom prst="rect">
+              <a:avLst/>
+            </a:prstGeom>
+            <a:noFill/>
+            <a:ln>
+              <a:solidFill>
+                <a:schemeClr val="tx1"/>
+              </a:solidFill>
+            </a:ln>
+          </p:spPr>
+          <p:style>
+            <a:lnRef idx="2">
+              <a:schemeClr val="accent1">
+                <a:shade val="50000"/>
+              </a:schemeClr>
+            </a:lnRef>
+            <a:fillRef idx="1">
+              <a:schemeClr val="accent1"/>
+            </a:fillRef>
+            <a:effectRef idx="0">
+              <a:schemeClr val="accent1"/>
+            </a:effectRef>
+            <a:fontRef idx="minor">
+              <a:schemeClr val="lt1"/>
+            </a:fontRef>
+          </p:style>
+          <p:txBody>
+            <a:bodyPr rtlCol="0" anchor="ctr"/>
+            <a:lstStyle/>
+            <a:p>
+              <a:pPr algn="ctr"/>
+              <a:endParaRPr kumimoji="1" lang="ja-JP" altLang="en-US" sz="1400" dirty="0">
+                <a:solidFill>
+                  <a:schemeClr val="tx1"/>
+                </a:solidFill>
+                <a:latin typeface="メイリオ" panose="020B0604030504040204" pitchFamily="50" charset="-128"/>
+                <a:ea typeface="メイリオ" panose="020B0604030504040204" pitchFamily="50" charset="-128"/>
+                <a:cs typeface="メイリオ" panose="020B0604030504040204" pitchFamily="50" charset="-128"/>
+              </a:endParaRPr>
+            </a:p>
+          </p:txBody>
+        </p:sp>
+        <p:sp>
+          <p:nvSpPr>
+            <p:cNvPr id="50" name="正方形/長方形 49"/>
+            <p:cNvSpPr/>
+            <p:nvPr/>
+          </p:nvSpPr>
+          <p:spPr>
+            <a:xfrm>
+              <a:off x="10006886" y="80695"/>
+              <a:ext cx="2094960" cy="586497"/>
+            </a:xfrm>
+            <a:prstGeom prst="rect">
+              <a:avLst/>
+            </a:prstGeom>
+            <a:noFill/>
+            <a:ln>
+              <a:solidFill>
+                <a:schemeClr val="tx1"/>
+              </a:solidFill>
+            </a:ln>
+          </p:spPr>
+          <p:style>
+            <a:lnRef idx="2">
+              <a:schemeClr val="accent1">
+                <a:shade val="50000"/>
+              </a:schemeClr>
+            </a:lnRef>
+            <a:fillRef idx="1">
+              <a:schemeClr val="accent1"/>
+            </a:fillRef>
+            <a:effectRef idx="0">
+              <a:schemeClr val="accent1"/>
+            </a:effectRef>
+            <a:fontRef idx="minor">
+              <a:schemeClr val="lt1"/>
+            </a:fontRef>
+          </p:style>
+          <p:txBody>
+            <a:bodyPr rtlCol="0" anchor="ctr"/>
+            <a:lstStyle/>
+            <a:p>
+              <a:pPr algn="ctr"/>
+              <a:endParaRPr kumimoji="1" lang="ja-JP" altLang="en-US" sz="1400" dirty="0">
+                <a:solidFill>
+                  <a:schemeClr val="tx1"/>
+                </a:solidFill>
+                <a:latin typeface="メイリオ" panose="020B0604030504040204" pitchFamily="50" charset="-128"/>
+                <a:ea typeface="メイリオ" panose="020B0604030504040204" pitchFamily="50" charset="-128"/>
+                <a:cs typeface="メイリオ" panose="020B0604030504040204" pitchFamily="50" charset="-128"/>
+              </a:endParaRPr>
+            </a:p>
+          </p:txBody>
+        </p:sp>
+      </p:grpSp>
+      <p:sp>
+        <p:nvSpPr>
+          <p:cNvPr id="54" name="正方形/長方形 53"/>
+          <p:cNvSpPr/>
+          <p:nvPr/>
+        </p:nvSpPr>
+        <p:spPr>
+          <a:xfrm>
+            <a:off x="9916732" y="133985"/>
+            <a:ext cx="1214041" cy="215103"/>
+          </a:xfrm>
+          <a:prstGeom prst="rect">
+            <a:avLst/>
+          </a:prstGeom>
+          <a:noFill/>
+          <a:ln>
+            <a:noFill/>
+          </a:ln>
+        </p:spPr>
+        <p:style>
+          <a:lnRef idx="2">
+            <a:schemeClr val="accent1">
+              <a:shade val="50000"/>
+            </a:schemeClr>
+          </a:lnRef>
+          <a:fillRef idx="1">
+            <a:schemeClr val="accent1"/>
+          </a:fillRef>
+          <a:effectRef idx="0">
+            <a:schemeClr val="accent1"/>
+          </a:effectRef>
+          <a:fontRef idx="minor">
+            <a:schemeClr val="lt1"/>
+          </a:fontRef>
+        </p:style>
+        <p:txBody>
+          <a:bodyPr rtlCol="0" anchor="t"/>
+          <a:lstStyle/>
+          <a:p>
+            <a:pPr algn="ctr"/>
+            <a:r>
+              <a:rPr lang="ja-JP" altLang="en-US" sz="1100" dirty="0" smtClean="0">
+                <a:solidFill>
+                  <a:schemeClr val="tx1"/>
+                </a:solidFill>
+                <a:latin typeface="メイリオ" panose="020B0604030504040204" pitchFamily="50" charset="-128"/>
+                <a:ea typeface="メイリオ" panose="020B0604030504040204" pitchFamily="50" charset="-128"/>
+                <a:cs typeface="メイリオ" panose="020B0604030504040204" pitchFamily="50" charset="-128"/>
+              </a:rPr>
+              <a:t>作成日時：</a:t>
+            </a:r>
+            <a:endParaRPr kumimoji="1" lang="ja-JP" altLang="en-US" sz="1100" dirty="0">
+              <a:solidFill>
+                <a:schemeClr val="tx1"/>
+              </a:solidFill>
+              <a:latin typeface="メイリオ" panose="020B0604030504040204" pitchFamily="50" charset="-128"/>
+              <a:ea typeface="メイリオ" panose="020B0604030504040204" pitchFamily="50" charset="-128"/>
+              <a:cs typeface="メイリオ" panose="020B0604030504040204" pitchFamily="50" charset="-128"/>
+            </a:endParaRPr>
+          </a:p>
+        </p:txBody>
+      </p:sp>
+      <p:sp>
+        <p:nvSpPr>
+          <p:cNvPr id="52" name="正方形/長方形 51"/>
+          <p:cNvSpPr/>
+          <p:nvPr/>
+        </p:nvSpPr>
+        <p:spPr>
+          <a:xfrm>
+            <a:off x="6679700" y="5395275"/>
+            <a:ext cx="2473930" cy="1198708"/>
+          </a:xfrm>
+          <a:prstGeom prst="rect">
+            <a:avLst/>
+          </a:prstGeom>
+          <a:solidFill>
+            <a:schemeClr val="bg1"/>
+          </a:solidFill>
+          <a:ln>
+            <a:solidFill>
+              <a:schemeClr val="tx1"/>
+            </a:solidFill>
+          </a:ln>
+        </p:spPr>
+        <p:style>
+          <a:lnRef idx="2">
+            <a:schemeClr val="accent1">
+              <a:shade val="50000"/>
+            </a:schemeClr>
+          </a:lnRef>
+          <a:fillRef idx="1">
+            <a:schemeClr val="accent1"/>
+          </a:fillRef>
+          <a:effectRef idx="0">
+            <a:schemeClr val="accent1"/>
+          </a:effectRef>
+          <a:fontRef idx="minor">
+            <a:schemeClr val="lt1"/>
+          </a:fontRef>
+        </p:style>
+        <p:txBody>
+          <a:bodyPr rtlCol="0" anchor="t"/>
+          <a:lstStyle/>
+          <a:p>
+            <a:r>
+              <a:rPr lang="en-US" altLang="ja-JP" sz="1400" dirty="0" smtClean="0">
+                <a:solidFill>
+                  <a:schemeClr val="tx1"/>
+                </a:solidFill>
+                <a:latin typeface="メイリオ" panose="020B0604030504040204" pitchFamily="50" charset="-128"/>
+                <a:ea typeface="メイリオ" panose="020B0604030504040204" pitchFamily="50" charset="-128"/>
+                <a:cs typeface="メイリオ" panose="020B0604030504040204" pitchFamily="50" charset="-128"/>
+              </a:rPr>
+              <a:t>Dao(Logic</a:t>
+            </a:r>
+            <a:r>
+              <a:rPr lang="en-US" altLang="ja-JP" sz="1400" dirty="0">
+                <a:solidFill>
+                  <a:schemeClr val="tx1"/>
+                </a:solidFill>
+                <a:latin typeface="メイリオ" panose="020B0604030504040204" pitchFamily="50" charset="-128"/>
+                <a:ea typeface="メイリオ" panose="020B0604030504040204" pitchFamily="50" charset="-128"/>
+                <a:cs typeface="メイリオ" panose="020B0604030504040204" pitchFamily="50" charset="-128"/>
+              </a:rPr>
+              <a:t>)</a:t>
+            </a:r>
+            <a:br>
+              <a:rPr lang="en-US" altLang="ja-JP" sz="1400" dirty="0">
+                <a:solidFill>
+                  <a:schemeClr val="tx1"/>
+                </a:solidFill>
+                <a:latin typeface="メイリオ" panose="020B0604030504040204" pitchFamily="50" charset="-128"/>
+                <a:ea typeface="メイリオ" panose="020B0604030504040204" pitchFamily="50" charset="-128"/>
+                <a:cs typeface="メイリオ" panose="020B0604030504040204" pitchFamily="50" charset="-128"/>
+              </a:rPr>
+            </a:br>
+            <a:r>
+              <a:rPr lang="ja-JP" altLang="en-US" sz="1400" dirty="0" smtClean="0">
+                <a:solidFill>
+                  <a:schemeClr val="tx1"/>
+                </a:solidFill>
+                <a:latin typeface="メイリオ" panose="020B0604030504040204" pitchFamily="50" charset="-128"/>
+                <a:ea typeface="メイリオ" panose="020B0604030504040204" pitchFamily="50" charset="-128"/>
+                <a:cs typeface="メイリオ" panose="020B0604030504040204" pitchFamily="50" charset="-128"/>
+              </a:rPr>
+              <a:t>クラス</a:t>
+            </a:r>
+            <a:r>
+              <a:rPr lang="ja-JP" altLang="en-US" sz="1400" dirty="0">
+                <a:solidFill>
+                  <a:schemeClr val="tx1"/>
+                </a:solidFill>
+                <a:latin typeface="メイリオ" panose="020B0604030504040204" pitchFamily="50" charset="-128"/>
+                <a:ea typeface="メイリオ" panose="020B0604030504040204" pitchFamily="50" charset="-128"/>
+                <a:cs typeface="メイリオ" panose="020B0604030504040204" pitchFamily="50" charset="-128"/>
+              </a:rPr>
+              <a:t>名</a:t>
+            </a:r>
+            <a:r>
+              <a:rPr lang="en-US" altLang="ja-JP" sz="1400" dirty="0" smtClean="0">
+                <a:solidFill>
+                  <a:schemeClr val="tx1"/>
+                </a:solidFill>
+                <a:latin typeface="メイリオ" panose="020B0604030504040204" pitchFamily="50" charset="-128"/>
+                <a:ea typeface="メイリオ" panose="020B0604030504040204" pitchFamily="50" charset="-128"/>
+                <a:cs typeface="メイリオ" panose="020B0604030504040204" pitchFamily="50" charset="-128"/>
+              </a:rPr>
+              <a:t>.java</a:t>
+            </a:r>
+            <a:endParaRPr lang="en-US" altLang="ja-JP" sz="1400" dirty="0" smtClean="0">
+              <a:solidFill>
+                <a:schemeClr val="tx1"/>
+              </a:solidFill>
+              <a:latin typeface="メイリオ" panose="020B0604030504040204" pitchFamily="50" charset="-128"/>
+              <a:ea typeface="メイリオ" panose="020B0604030504040204" pitchFamily="50" charset="-128"/>
+              <a:cs typeface="メイリオ" panose="020B0604030504040204" pitchFamily="50" charset="-128"/>
+            </a:endParaRPr>
+          </a:p>
+          <a:p>
+            <a:r>
+              <a:rPr lang="en-US" altLang="ja-JP" sz="900" dirty="0">
+                <a:solidFill>
+                  <a:schemeClr val="tx1"/>
+                </a:solidFill>
+                <a:latin typeface="メイリオ" panose="020B0604030504040204" pitchFamily="50" charset="-128"/>
+                <a:ea typeface="メイリオ" panose="020B0604030504040204" pitchFamily="50" charset="-128"/>
+                <a:cs typeface="メイリオ" panose="020B0604030504040204" pitchFamily="50" charset="-128"/>
+              </a:rPr>
+              <a:t/>
+            </a:r>
+            <a:br>
+              <a:rPr lang="en-US" altLang="ja-JP" sz="900" dirty="0">
+                <a:solidFill>
+                  <a:schemeClr val="tx1"/>
+                </a:solidFill>
+                <a:latin typeface="メイリオ" panose="020B0604030504040204" pitchFamily="50" charset="-128"/>
+                <a:ea typeface="メイリオ" panose="020B0604030504040204" pitchFamily="50" charset="-128"/>
+                <a:cs typeface="メイリオ" panose="020B0604030504040204" pitchFamily="50" charset="-128"/>
+              </a:rPr>
+            </a:br>
+            <a:endParaRPr kumimoji="1" lang="ja-JP" altLang="en-US" sz="900" dirty="0">
+              <a:solidFill>
+                <a:srgbClr val="FF0000"/>
+              </a:solidFill>
+              <a:latin typeface="メイリオ" panose="020B0604030504040204" pitchFamily="50" charset="-128"/>
+              <a:ea typeface="メイリオ" panose="020B0604030504040204" pitchFamily="50" charset="-128"/>
+              <a:cs typeface="メイリオ" panose="020B0604030504040204" pitchFamily="50" charset="-128"/>
+            </a:endParaRPr>
+          </a:p>
+        </p:txBody>
+      </p:sp>
+      <p:sp>
+        <p:nvSpPr>
+          <p:cNvPr id="14" name="フローチャート: 磁気ディスク 13"/>
+          <p:cNvSpPr/>
+          <p:nvPr/>
+        </p:nvSpPr>
+        <p:spPr>
+          <a:xfrm>
+            <a:off x="10047225" y="5028260"/>
+            <a:ext cx="1906074" cy="1699390"/>
+          </a:xfrm>
+          <a:prstGeom prst="flowChartMagneticDisk">
+            <a:avLst/>
+          </a:prstGeom>
+          <a:noFill/>
+          <a:ln>
+            <a:solidFill>
+              <a:schemeClr val="tx1"/>
+            </a:solidFill>
+          </a:ln>
+        </p:spPr>
+        <p:style>
+          <a:lnRef idx="2">
+            <a:schemeClr val="accent1">
+              <a:shade val="50000"/>
+            </a:schemeClr>
+          </a:lnRef>
+          <a:fillRef idx="1">
+            <a:schemeClr val="accent1"/>
+          </a:fillRef>
+          <a:effectRef idx="0">
+            <a:schemeClr val="accent1"/>
+          </a:effectRef>
+          <a:fontRef idx="minor">
+            <a:schemeClr val="lt1"/>
+          </a:fontRef>
+        </p:style>
+        <p:txBody>
+          <a:bodyPr rtlCol="0" anchor="t"/>
+          <a:lstStyle/>
+          <a:p>
+            <a:pPr algn="ctr"/>
+            <a:endParaRPr kumimoji="1" lang="ja-JP" altLang="en-US" dirty="0">
+              <a:solidFill>
+                <a:schemeClr val="tx1"/>
+              </a:solidFill>
+            </a:endParaRPr>
+          </a:p>
+        </p:txBody>
+      </p:sp>
+      <p:cxnSp>
+        <p:nvCxnSpPr>
+          <p:cNvPr id="55" name="直線矢印コネクタ 54"/>
+          <p:cNvCxnSpPr/>
+          <p:nvPr/>
+        </p:nvCxnSpPr>
+        <p:spPr>
+          <a:xfrm flipH="1" flipV="1">
+            <a:off x="9153630" y="6037243"/>
+            <a:ext cx="893595" cy="20321"/>
+          </a:xfrm>
+          <a:prstGeom prst="straightConnector1">
+            <a:avLst/>
+          </a:prstGeom>
+          <a:ln w="25400">
+            <a:solidFill>
+              <a:schemeClr val="tx1"/>
+            </a:solidFill>
+            <a:prstDash val="dash"/>
+            <a:headEnd type="triangle" w="lg" len="lg"/>
+            <a:tailEnd type="triangle" w="lg" len="lg"/>
+          </a:ln>
+        </p:spPr>
+        <p:style>
+          <a:lnRef idx="1">
+            <a:schemeClr val="accent1"/>
+          </a:lnRef>
+          <a:fillRef idx="0">
+            <a:schemeClr val="accent1"/>
+          </a:fillRef>
+          <a:effectRef idx="0">
+            <a:schemeClr val="accent1"/>
+          </a:effectRef>
+          <a:fontRef idx="minor">
+            <a:schemeClr val="tx1"/>
+          </a:fontRef>
+        </p:style>
+      </p:cxnSp>
+      <p:sp>
+        <p:nvSpPr>
+          <p:cNvPr id="56" name="角丸四角形 55"/>
+          <p:cNvSpPr/>
+          <p:nvPr/>
+        </p:nvSpPr>
+        <p:spPr>
+          <a:xfrm>
+            <a:off x="10192869" y="5661212"/>
+            <a:ext cx="1600201" cy="932770"/>
+          </a:xfrm>
+          <a:prstGeom prst="roundRect">
+            <a:avLst/>
+          </a:prstGeom>
+          <a:noFill/>
+          <a:ln>
+            <a:solidFill>
+              <a:schemeClr val="tx1"/>
+            </a:solidFill>
+          </a:ln>
+        </p:spPr>
+        <p:style>
+          <a:lnRef idx="2">
+            <a:schemeClr val="accent1">
+              <a:shade val="50000"/>
+            </a:schemeClr>
+          </a:lnRef>
+          <a:fillRef idx="1">
+            <a:schemeClr val="accent1"/>
+          </a:fillRef>
+          <a:effectRef idx="0">
+            <a:schemeClr val="accent1"/>
+          </a:effectRef>
+          <a:fontRef idx="minor">
+            <a:schemeClr val="lt1"/>
+          </a:fontRef>
+        </p:style>
+        <p:txBody>
+          <a:bodyPr rtlCol="0" anchor="t"/>
+          <a:lstStyle/>
+          <a:p>
+            <a:pPr algn="ctr"/>
+            <a:r>
+              <a:rPr lang="ja-JP" altLang="en-US" sz="1400" dirty="0" smtClean="0">
+                <a:solidFill>
+                  <a:schemeClr val="tx1"/>
+                </a:solidFill>
+              </a:rPr>
+              <a:t>データベース</a:t>
+            </a:r>
+            <a:endParaRPr lang="en-US" altLang="ja-JP" sz="1400" dirty="0" smtClean="0">
+              <a:solidFill>
+                <a:schemeClr val="tx1"/>
+              </a:solidFill>
+            </a:endParaRPr>
+          </a:p>
+        </p:txBody>
+      </p:sp>
+      <p:sp>
+        <p:nvSpPr>
+          <p:cNvPr id="47" name="TextBox 46"/>
+          <p:cNvSpPr txBox="1"/>
+          <p:nvPr/>
+        </p:nvSpPr>
+        <p:spPr>
+          <a:xfrm>
+            <a:off x="9601504" y="376574"/>
+            <a:ext cx="301686" cy="369332"/>
+          </a:xfrm>
+          <a:prstGeom prst="rect">
+            <a:avLst/>
+          </a:prstGeom>
+          <a:noFill/>
+        </p:spPr>
+        <p:txBody>
+          <a:bodyPr wrap="none" rtlCol="0">
+            <a:spAutoFit/>
+          </a:bodyPr>
+          <a:lstStyle/>
+          <a:p>
+            <a:r>
+              <a:rPr lang="en-US" smtClean="0"/>
+              <a:t>2</a:t>
+            </a:r>
+          </a:p>
+        </p:txBody>
+      </p:sp>
+      <p:sp>
+        <p:nvSpPr>
+          <p:cNvPr id="57" name="TextBox 56"/>
+          <p:cNvSpPr txBox="1"/>
+          <p:nvPr/>
+        </p:nvSpPr>
+        <p:spPr>
+          <a:xfrm>
+            <a:off x="9604572" y="85818"/>
+            <a:ext cx="301686" cy="369332"/>
+          </a:xfrm>
+          <a:prstGeom prst="rect">
+            <a:avLst/>
+          </a:prstGeom>
+          <a:noFill/>
+        </p:spPr>
+        <p:txBody>
+          <a:bodyPr wrap="none" rtlCol="0">
+            <a:spAutoFit/>
+          </a:bodyPr>
+          <a:lstStyle/>
+          <a:p>
+            <a:r>
+              <a:rPr lang="en-US" dirty="0" smtClean="0"/>
+              <a:t>1</a:t>
+            </a:r>
+          </a:p>
+        </p:txBody>
+      </p:sp>
+      <p:sp>
+        <p:nvSpPr>
+          <p:cNvPr id="58" name="TextBox 57"/>
+          <p:cNvSpPr txBox="1"/>
+          <p:nvPr/>
+        </p:nvSpPr>
+        <p:spPr>
+          <a:xfrm>
+            <a:off x="10179640" y="298353"/>
+            <a:ext cx="1813317" cy="369332"/>
+          </a:xfrm>
+          <a:prstGeom prst="rect">
+            <a:avLst/>
+          </a:prstGeom>
+          <a:noFill/>
+        </p:spPr>
+        <p:txBody>
+          <a:bodyPr wrap="none" rtlCol="0">
+            <a:spAutoFit/>
+          </a:bodyPr>
+          <a:lstStyle/>
+          <a:p>
+            <a:r>
+              <a:rPr lang="en-US" dirty="0" smtClean="0"/>
+              <a:t>2017</a:t>
+            </a:r>
+            <a:r>
+              <a:rPr lang="ja-JP" altLang="en-US" dirty="0" smtClean="0"/>
+              <a:t>年</a:t>
+            </a:r>
+            <a:r>
+              <a:rPr lang="en-US" altLang="ja-JP" dirty="0" smtClean="0"/>
+              <a:t>10</a:t>
+            </a:r>
+            <a:r>
+              <a:rPr lang="ja-JP" altLang="en-US" dirty="0" smtClean="0"/>
+              <a:t>月</a:t>
+            </a:r>
+            <a:r>
+              <a:rPr lang="en-US" altLang="ja-JP" dirty="0" smtClean="0"/>
+              <a:t>25</a:t>
+            </a:r>
+            <a:r>
+              <a:rPr lang="ja-JP" altLang="en-US" dirty="0" smtClean="0"/>
+              <a:t>日</a:t>
+            </a:r>
+            <a:endParaRPr lang="en-US" altLang="ja-JP" dirty="0" smtClean="0"/>
+          </a:p>
+        </p:txBody>
+      </p:sp>
+      <p:sp>
+        <p:nvSpPr>
+          <p:cNvPr id="60" name="正方形/長方形 4"/>
+          <p:cNvSpPr/>
+          <p:nvPr/>
+        </p:nvSpPr>
+        <p:spPr>
+          <a:xfrm>
+            <a:off x="3125427" y="2687655"/>
+            <a:ext cx="2221125" cy="477097"/>
+          </a:xfrm>
+          <a:prstGeom prst="rect">
+            <a:avLst/>
+          </a:prstGeom>
+          <a:solidFill>
+            <a:schemeClr val="bg1"/>
+          </a:solidFill>
+          <a:ln>
+            <a:solidFill>
+              <a:schemeClr val="tx1"/>
+            </a:solidFill>
+          </a:ln>
+        </p:spPr>
+        <p:style>
+          <a:lnRef idx="2">
+            <a:schemeClr val="accent1">
+              <a:shade val="50000"/>
+            </a:schemeClr>
+          </a:lnRef>
+          <a:fillRef idx="1">
+            <a:schemeClr val="accent1"/>
+          </a:fillRef>
+          <a:effectRef idx="0">
+            <a:schemeClr val="accent1"/>
+          </a:effectRef>
+          <a:fontRef idx="minor">
+            <a:schemeClr val="lt1"/>
+          </a:fontRef>
+        </p:style>
+        <p:txBody>
+          <a:bodyPr rtlCol="0" anchor="t"/>
+          <a:lstStyle/>
+          <a:p>
+            <a:r>
+              <a:rPr kumimoji="1" lang="en-US" altLang="ja-JP" sz="1400" dirty="0" smtClean="0">
+                <a:solidFill>
+                  <a:schemeClr val="tx1"/>
+                </a:solidFill>
+                <a:latin typeface="メイリオ" panose="020B0604030504040204" pitchFamily="50" charset="-128"/>
+                <a:ea typeface="メイリオ" panose="020B0604030504040204" pitchFamily="50" charset="-128"/>
+                <a:cs typeface="メイリオ" panose="020B0604030504040204" pitchFamily="50" charset="-128"/>
+              </a:rPr>
+              <a:t>View</a:t>
+            </a:r>
+            <a:r>
+              <a:rPr lang="en-US" altLang="ja-JP" sz="1400" dirty="0" smtClean="0">
+                <a:solidFill>
+                  <a:schemeClr val="tx1"/>
+                </a:solidFill>
+                <a:latin typeface="メイリオ" panose="020B0604030504040204" pitchFamily="50" charset="-128"/>
+                <a:ea typeface="メイリオ" panose="020B0604030504040204" pitchFamily="50" charset="-128"/>
+                <a:cs typeface="メイリオ" panose="020B0604030504040204" pitchFamily="50" charset="-128"/>
+              </a:rPr>
+              <a:t>(JSP)</a:t>
+            </a:r>
+            <a:br>
+              <a:rPr lang="en-US" altLang="ja-JP" sz="1400" dirty="0" smtClean="0">
+                <a:solidFill>
+                  <a:schemeClr val="tx1"/>
+                </a:solidFill>
+                <a:latin typeface="メイリオ" panose="020B0604030504040204" pitchFamily="50" charset="-128"/>
+                <a:ea typeface="メイリオ" panose="020B0604030504040204" pitchFamily="50" charset="-128"/>
+                <a:cs typeface="メイリオ" panose="020B0604030504040204" pitchFamily="50" charset="-128"/>
+              </a:rPr>
+            </a:br>
+            <a:r>
+              <a:rPr lang="en-US" altLang="ja-JP" sz="1400" dirty="0" err="1" smtClean="0">
+                <a:solidFill>
+                  <a:schemeClr val="tx1"/>
+                </a:solidFill>
+                <a:latin typeface="メイリオ" panose="020B0604030504040204" pitchFamily="50" charset="-128"/>
+                <a:ea typeface="メイリオ" panose="020B0604030504040204" pitchFamily="50" charset="-128"/>
+                <a:cs typeface="メイリオ" panose="020B0604030504040204" pitchFamily="50" charset="-128"/>
+              </a:rPr>
+              <a:t>confirmUpdateUser.JSP</a:t>
+            </a:r>
+            <a:endParaRPr kumimoji="1" lang="ja-JP" altLang="en-US" sz="1400" dirty="0">
+              <a:solidFill>
+                <a:schemeClr val="tx1"/>
+              </a:solidFill>
+              <a:latin typeface="メイリオ" panose="020B0604030504040204" pitchFamily="50" charset="-128"/>
+              <a:ea typeface="メイリオ" panose="020B0604030504040204" pitchFamily="50" charset="-128"/>
+              <a:cs typeface="メイリオ" panose="020B0604030504040204" pitchFamily="50" charset="-128"/>
+            </a:endParaRPr>
+          </a:p>
+        </p:txBody>
+      </p:sp>
+      <p:cxnSp>
+        <p:nvCxnSpPr>
+          <p:cNvPr id="63" name="直線矢印コネクタ 26"/>
+          <p:cNvCxnSpPr>
+            <a:stCxn id="7" idx="1"/>
+            <a:endCxn id="60" idx="3"/>
+          </p:cNvCxnSpPr>
+          <p:nvPr/>
+        </p:nvCxnSpPr>
+        <p:spPr>
+          <a:xfrm flipH="1">
+            <a:off x="5346552" y="1475654"/>
+            <a:ext cx="1696101" cy="1450550"/>
+          </a:xfrm>
+          <a:prstGeom prst="straightConnector1">
+            <a:avLst/>
+          </a:prstGeom>
+          <a:ln w="25400">
+            <a:solidFill>
+              <a:schemeClr val="tx1"/>
+            </a:solidFill>
+            <a:tailEnd type="triangle" w="lg" len="lg"/>
+          </a:ln>
+        </p:spPr>
+        <p:style>
+          <a:lnRef idx="1">
+            <a:schemeClr val="accent1"/>
+          </a:lnRef>
+          <a:fillRef idx="0">
+            <a:schemeClr val="accent1"/>
+          </a:fillRef>
+          <a:effectRef idx="0">
+            <a:schemeClr val="accent1"/>
+          </a:effectRef>
+          <a:fontRef idx="minor">
+            <a:schemeClr val="tx1"/>
+          </a:fontRef>
+        </p:style>
+      </p:cxnSp>
+      <p:sp>
+        <p:nvSpPr>
+          <p:cNvPr id="62" name="角丸四角形 61"/>
+          <p:cNvSpPr/>
+          <p:nvPr/>
+        </p:nvSpPr>
+        <p:spPr>
+          <a:xfrm>
+            <a:off x="4112118" y="4855204"/>
+            <a:ext cx="2407353" cy="1856352"/>
+          </a:xfrm>
+          <a:prstGeom prst="roundRect">
+            <a:avLst/>
+          </a:prstGeom>
+          <a:noFill/>
+          <a:ln>
+            <a:solidFill>
+              <a:schemeClr val="tx1"/>
+            </a:solidFill>
+          </a:ln>
+        </p:spPr>
+        <p:style>
+          <a:lnRef idx="2">
+            <a:schemeClr val="accent1">
+              <a:shade val="50000"/>
+            </a:schemeClr>
+          </a:lnRef>
+          <a:fillRef idx="1">
+            <a:schemeClr val="accent1"/>
+          </a:fillRef>
+          <a:effectRef idx="0">
+            <a:schemeClr val="accent1"/>
+          </a:effectRef>
+          <a:fontRef idx="minor">
+            <a:schemeClr val="lt1"/>
+          </a:fontRef>
+        </p:style>
+        <p:txBody>
+          <a:bodyPr rtlCol="0" anchor="t"/>
+          <a:lstStyle/>
+          <a:p>
+            <a:pPr algn="ctr"/>
+            <a:r>
+              <a:rPr lang="en-US" altLang="ja-JP" sz="1400" dirty="0" smtClean="0">
+                <a:solidFill>
+                  <a:schemeClr val="tx1"/>
+                </a:solidFill>
+                <a:latin typeface="メイリオ" panose="020B0604030504040204" pitchFamily="50" charset="-128"/>
+                <a:ea typeface="メイリオ" panose="020B0604030504040204" pitchFamily="50" charset="-128"/>
+                <a:cs typeface="メイリオ" panose="020B0604030504040204" pitchFamily="50" charset="-128"/>
+              </a:rPr>
+              <a:t>session</a:t>
+            </a:r>
+            <a:r>
+              <a:rPr lang="ja-JP" altLang="en-US" sz="1400" dirty="0" smtClean="0">
+                <a:solidFill>
+                  <a:schemeClr val="tx1"/>
+                </a:solidFill>
+                <a:latin typeface="メイリオ" panose="020B0604030504040204" pitchFamily="50" charset="-128"/>
+                <a:ea typeface="メイリオ" panose="020B0604030504040204" pitchFamily="50" charset="-128"/>
+                <a:cs typeface="メイリオ" panose="020B0604030504040204" pitchFamily="50" charset="-128"/>
+              </a:rPr>
+              <a:t>スコープ</a:t>
+            </a:r>
+            <a:endParaRPr kumimoji="1" lang="ja-JP" altLang="en-US" sz="1400" dirty="0">
+              <a:solidFill>
+                <a:schemeClr val="tx1"/>
+              </a:solidFill>
+              <a:latin typeface="メイリオ" panose="020B0604030504040204" pitchFamily="50" charset="-128"/>
+              <a:ea typeface="メイリオ" panose="020B0604030504040204" pitchFamily="50" charset="-128"/>
+              <a:cs typeface="メイリオ" panose="020B0604030504040204" pitchFamily="50" charset="-128"/>
+            </a:endParaRPr>
+          </a:p>
+        </p:txBody>
+      </p:sp>
+      <p:cxnSp>
+        <p:nvCxnSpPr>
+          <p:cNvPr id="66" name="直線矢印コネクタ 65"/>
+          <p:cNvCxnSpPr/>
+          <p:nvPr/>
+        </p:nvCxnSpPr>
+        <p:spPr>
+          <a:xfrm flipH="1">
+            <a:off x="8416643" y="3738091"/>
+            <a:ext cx="1335704" cy="1657184"/>
+          </a:xfrm>
+          <a:prstGeom prst="straightConnector1">
+            <a:avLst/>
+          </a:prstGeom>
+          <a:ln w="25400">
+            <a:solidFill>
+              <a:schemeClr val="tx1"/>
+            </a:solidFill>
+            <a:prstDash val="solid"/>
+            <a:tailEnd type="triangle" w="lg" len="lg"/>
+          </a:ln>
+        </p:spPr>
+        <p:style>
+          <a:lnRef idx="1">
+            <a:schemeClr val="accent1"/>
+          </a:lnRef>
+          <a:fillRef idx="0">
+            <a:schemeClr val="accent1"/>
+          </a:fillRef>
+          <a:effectRef idx="0">
+            <a:schemeClr val="accent1"/>
+          </a:effectRef>
+          <a:fontRef idx="minor">
+            <a:schemeClr val="tx1"/>
+          </a:fontRef>
+        </p:style>
+      </p:cxnSp>
+      <p:cxnSp>
+        <p:nvCxnSpPr>
+          <p:cNvPr id="101" name="直線矢印コネクタ 100"/>
+          <p:cNvCxnSpPr>
+            <a:endCxn id="7" idx="2"/>
+          </p:cNvCxnSpPr>
+          <p:nvPr/>
+        </p:nvCxnSpPr>
+        <p:spPr>
+          <a:xfrm flipV="1">
+            <a:off x="6343683" y="2135543"/>
+            <a:ext cx="1669126" cy="2743903"/>
+          </a:xfrm>
+          <a:prstGeom prst="straightConnector1">
+            <a:avLst/>
+          </a:prstGeom>
+          <a:ln w="25400">
+            <a:solidFill>
+              <a:schemeClr val="tx1"/>
+            </a:solidFill>
+            <a:prstDash val="dash"/>
+            <a:headEnd type="triangle" w="lg" len="lg"/>
+            <a:tailEnd type="none" w="lg" len="lg"/>
+          </a:ln>
+        </p:spPr>
+        <p:style>
+          <a:lnRef idx="1">
+            <a:schemeClr val="accent1"/>
+          </a:lnRef>
+          <a:fillRef idx="0">
+            <a:schemeClr val="accent1"/>
+          </a:fillRef>
+          <a:effectRef idx="0">
+            <a:schemeClr val="accent1"/>
+          </a:effectRef>
+          <a:fontRef idx="minor">
+            <a:schemeClr val="tx1"/>
+          </a:fontRef>
+        </p:style>
+      </p:cxnSp>
+      <p:cxnSp>
+        <p:nvCxnSpPr>
+          <p:cNvPr id="114" name="直線矢印コネクタ 113"/>
+          <p:cNvCxnSpPr/>
+          <p:nvPr/>
+        </p:nvCxnSpPr>
+        <p:spPr>
+          <a:xfrm>
+            <a:off x="4722134" y="3179565"/>
+            <a:ext cx="1126927" cy="1675639"/>
+          </a:xfrm>
+          <a:prstGeom prst="straightConnector1">
+            <a:avLst/>
+          </a:prstGeom>
+          <a:ln w="25400">
+            <a:solidFill>
+              <a:schemeClr val="tx1"/>
+            </a:solidFill>
+            <a:prstDash val="dash"/>
+            <a:headEnd type="triangle" w="lg" len="lg"/>
+            <a:tailEnd type="none" w="lg" len="lg"/>
+          </a:ln>
+        </p:spPr>
+        <p:style>
+          <a:lnRef idx="1">
+            <a:schemeClr val="accent1"/>
+          </a:lnRef>
+          <a:fillRef idx="0">
+            <a:schemeClr val="accent1"/>
+          </a:fillRef>
+          <a:effectRef idx="0">
+            <a:schemeClr val="accent1"/>
+          </a:effectRef>
+          <a:fontRef idx="minor">
+            <a:schemeClr val="tx1"/>
+          </a:fontRef>
+        </p:style>
+      </p:cxnSp>
+      <p:sp>
+        <p:nvSpPr>
+          <p:cNvPr id="122" name="正方形/長方形 121"/>
+          <p:cNvSpPr/>
+          <p:nvPr/>
+        </p:nvSpPr>
+        <p:spPr>
+          <a:xfrm>
+            <a:off x="7517462" y="3175035"/>
+            <a:ext cx="1649427" cy="515828"/>
+          </a:xfrm>
+          <a:prstGeom prst="rect">
+            <a:avLst/>
+          </a:prstGeom>
+          <a:solidFill>
+            <a:schemeClr val="bg1"/>
+          </a:solidFill>
+          <a:ln>
+            <a:solidFill>
+              <a:schemeClr val="tx1"/>
+            </a:solidFill>
+          </a:ln>
+        </p:spPr>
+        <p:style>
+          <a:lnRef idx="2">
+            <a:schemeClr val="accent1">
+              <a:shade val="50000"/>
+            </a:schemeClr>
+          </a:lnRef>
+          <a:fillRef idx="1">
+            <a:schemeClr val="accent1"/>
+          </a:fillRef>
+          <a:effectRef idx="0">
+            <a:schemeClr val="accent1"/>
+          </a:effectRef>
+          <a:fontRef idx="minor">
+            <a:schemeClr val="lt1"/>
+          </a:fontRef>
+        </p:style>
+        <p:txBody>
+          <a:bodyPr rtlCol="0" anchor="t"/>
+          <a:lstStyle/>
+          <a:p>
+            <a:r>
+              <a:rPr lang="en-US" altLang="ja-JP" sz="1400" dirty="0" smtClean="0">
+                <a:solidFill>
+                  <a:schemeClr val="tx1"/>
+                </a:solidFill>
+                <a:latin typeface="メイリオ" panose="020B0604030504040204" pitchFamily="50" charset="-128"/>
+                <a:ea typeface="メイリオ" panose="020B0604030504040204" pitchFamily="50" charset="-128"/>
+                <a:cs typeface="メイリオ" panose="020B0604030504040204" pitchFamily="50" charset="-128"/>
+              </a:rPr>
+              <a:t>Common(Logic</a:t>
+            </a:r>
+            <a:r>
+              <a:rPr lang="en-US" altLang="ja-JP" sz="1400" dirty="0">
+                <a:solidFill>
+                  <a:schemeClr val="tx1"/>
+                </a:solidFill>
+                <a:latin typeface="メイリオ" panose="020B0604030504040204" pitchFamily="50" charset="-128"/>
+                <a:ea typeface="メイリオ" panose="020B0604030504040204" pitchFamily="50" charset="-128"/>
+                <a:cs typeface="メイリオ" panose="020B0604030504040204" pitchFamily="50" charset="-128"/>
+              </a:rPr>
+              <a:t>)</a:t>
+            </a:r>
+            <a:br>
+              <a:rPr lang="en-US" altLang="ja-JP" sz="1400" dirty="0">
+                <a:solidFill>
+                  <a:schemeClr val="tx1"/>
+                </a:solidFill>
+                <a:latin typeface="メイリオ" panose="020B0604030504040204" pitchFamily="50" charset="-128"/>
+                <a:ea typeface="メイリオ" panose="020B0604030504040204" pitchFamily="50" charset="-128"/>
+                <a:cs typeface="メイリオ" panose="020B0604030504040204" pitchFamily="50" charset="-128"/>
+              </a:rPr>
+            </a:br>
+            <a:r>
+              <a:rPr lang="ja-JP" altLang="en-US" sz="1400" dirty="0" smtClean="0">
+                <a:solidFill>
+                  <a:schemeClr val="tx1"/>
+                </a:solidFill>
+                <a:latin typeface="メイリオ" panose="020B0604030504040204" pitchFamily="50" charset="-128"/>
+                <a:ea typeface="メイリオ" panose="020B0604030504040204" pitchFamily="50" charset="-128"/>
+                <a:cs typeface="メイリオ" panose="020B0604030504040204" pitchFamily="50" charset="-128"/>
+              </a:rPr>
+              <a:t>クラス</a:t>
+            </a:r>
+            <a:r>
+              <a:rPr lang="ja-JP" altLang="en-US" sz="1400" dirty="0">
+                <a:solidFill>
+                  <a:schemeClr val="tx1"/>
+                </a:solidFill>
+                <a:latin typeface="メイリオ" panose="020B0604030504040204" pitchFamily="50" charset="-128"/>
+                <a:ea typeface="メイリオ" panose="020B0604030504040204" pitchFamily="50" charset="-128"/>
+                <a:cs typeface="メイリオ" panose="020B0604030504040204" pitchFamily="50" charset="-128"/>
+              </a:rPr>
+              <a:t>名</a:t>
+            </a:r>
+            <a:r>
+              <a:rPr lang="en-US" altLang="ja-JP" sz="1400" dirty="0" smtClean="0">
+                <a:solidFill>
+                  <a:schemeClr val="tx1"/>
+                </a:solidFill>
+                <a:latin typeface="メイリオ" panose="020B0604030504040204" pitchFamily="50" charset="-128"/>
+                <a:ea typeface="メイリオ" panose="020B0604030504040204" pitchFamily="50" charset="-128"/>
+                <a:cs typeface="メイリオ" panose="020B0604030504040204" pitchFamily="50" charset="-128"/>
+              </a:rPr>
+              <a:t>.java</a:t>
+            </a:r>
+            <a:endParaRPr lang="en-US" altLang="ja-JP" sz="1400" dirty="0" smtClean="0">
+              <a:solidFill>
+                <a:schemeClr val="tx1"/>
+              </a:solidFill>
+              <a:latin typeface="メイリオ" panose="020B0604030504040204" pitchFamily="50" charset="-128"/>
+              <a:ea typeface="メイリオ" panose="020B0604030504040204" pitchFamily="50" charset="-128"/>
+              <a:cs typeface="メイリオ" panose="020B0604030504040204" pitchFamily="50" charset="-128"/>
+            </a:endParaRPr>
+          </a:p>
+          <a:p>
+            <a:r>
+              <a:rPr lang="en-US" altLang="ja-JP" sz="900" dirty="0">
+                <a:solidFill>
+                  <a:schemeClr val="tx1"/>
+                </a:solidFill>
+                <a:latin typeface="メイリオ" panose="020B0604030504040204" pitchFamily="50" charset="-128"/>
+                <a:ea typeface="メイリオ" panose="020B0604030504040204" pitchFamily="50" charset="-128"/>
+                <a:cs typeface="メイリオ" panose="020B0604030504040204" pitchFamily="50" charset="-128"/>
+              </a:rPr>
+              <a:t/>
+            </a:r>
+            <a:br>
+              <a:rPr lang="en-US" altLang="ja-JP" sz="900" dirty="0">
+                <a:solidFill>
+                  <a:schemeClr val="tx1"/>
+                </a:solidFill>
+                <a:latin typeface="メイリオ" panose="020B0604030504040204" pitchFamily="50" charset="-128"/>
+                <a:ea typeface="メイリオ" panose="020B0604030504040204" pitchFamily="50" charset="-128"/>
+                <a:cs typeface="メイリオ" panose="020B0604030504040204" pitchFamily="50" charset="-128"/>
+              </a:rPr>
+            </a:br>
+            <a:endParaRPr kumimoji="1" lang="ja-JP" altLang="en-US" sz="900" dirty="0">
+              <a:solidFill>
+                <a:srgbClr val="FF0000"/>
+              </a:solidFill>
+              <a:latin typeface="メイリオ" panose="020B0604030504040204" pitchFamily="50" charset="-128"/>
+              <a:ea typeface="メイリオ" panose="020B0604030504040204" pitchFamily="50" charset="-128"/>
+              <a:cs typeface="メイリオ" panose="020B0604030504040204" pitchFamily="50" charset="-128"/>
+            </a:endParaRPr>
+          </a:p>
+        </p:txBody>
+      </p:sp>
+      <p:cxnSp>
+        <p:nvCxnSpPr>
+          <p:cNvPr id="123" name="直線矢印コネクタ 122"/>
+          <p:cNvCxnSpPr>
+            <a:stCxn id="122" idx="3"/>
+          </p:cNvCxnSpPr>
+          <p:nvPr/>
+        </p:nvCxnSpPr>
+        <p:spPr>
+          <a:xfrm>
+            <a:off x="9166889" y="3432949"/>
+            <a:ext cx="330164" cy="0"/>
+          </a:xfrm>
+          <a:prstGeom prst="straightConnector1">
+            <a:avLst/>
+          </a:prstGeom>
+          <a:ln w="25400">
+            <a:solidFill>
+              <a:schemeClr val="tx1"/>
+            </a:solidFill>
+            <a:prstDash val="solid"/>
+            <a:tailEnd type="triangle" w="lg" len="lg"/>
+          </a:ln>
+        </p:spPr>
+        <p:style>
+          <a:lnRef idx="1">
+            <a:schemeClr val="accent1"/>
+          </a:lnRef>
+          <a:fillRef idx="0">
+            <a:schemeClr val="accent1"/>
+          </a:fillRef>
+          <a:effectRef idx="0">
+            <a:schemeClr val="accent1"/>
+          </a:effectRef>
+          <a:fontRef idx="minor">
+            <a:schemeClr val="tx1"/>
+          </a:fontRef>
+        </p:style>
+      </p:cxnSp>
+      <p:cxnSp>
+        <p:nvCxnSpPr>
+          <p:cNvPr id="65" name="直線矢印コネクタ 64"/>
+          <p:cNvCxnSpPr/>
+          <p:nvPr/>
+        </p:nvCxnSpPr>
+        <p:spPr>
+          <a:xfrm>
+            <a:off x="5314624" y="2161591"/>
+            <a:ext cx="757412" cy="2693613"/>
+          </a:xfrm>
+          <a:prstGeom prst="straightConnector1">
+            <a:avLst/>
+          </a:prstGeom>
+          <a:ln w="25400">
+            <a:solidFill>
+              <a:schemeClr val="tx1"/>
+            </a:solidFill>
+            <a:prstDash val="dash"/>
+            <a:headEnd type="triangle" w="lg" len="lg"/>
+            <a:tailEnd type="none" w="lg" len="lg"/>
+          </a:ln>
+        </p:spPr>
+        <p:style>
+          <a:lnRef idx="1">
+            <a:schemeClr val="accent1"/>
+          </a:lnRef>
+          <a:fillRef idx="0">
+            <a:schemeClr val="accent1"/>
+          </a:fillRef>
+          <a:effectRef idx="0">
+            <a:schemeClr val="accent1"/>
+          </a:effectRef>
+          <a:fontRef idx="minor">
+            <a:schemeClr val="tx1"/>
+          </a:fontRef>
+        </p:style>
+      </p:cxnSp>
+      <p:sp>
+        <p:nvSpPr>
+          <p:cNvPr id="69" name="正方形/長方形 68"/>
+          <p:cNvSpPr/>
+          <p:nvPr/>
+        </p:nvSpPr>
+        <p:spPr>
+          <a:xfrm>
+            <a:off x="-1377004" y="760806"/>
+            <a:ext cx="3474720" cy="331518"/>
+          </a:xfrm>
+          <a:prstGeom prst="rect">
+            <a:avLst/>
+          </a:prstGeom>
+          <a:noFill/>
+          <a:ln>
+            <a:noFill/>
+          </a:ln>
+        </p:spPr>
+        <p:style>
+          <a:lnRef idx="2">
+            <a:schemeClr val="accent1">
+              <a:shade val="50000"/>
+            </a:schemeClr>
+          </a:lnRef>
+          <a:fillRef idx="1">
+            <a:schemeClr val="accent1"/>
+          </a:fillRef>
+          <a:effectRef idx="0">
+            <a:schemeClr val="accent1"/>
+          </a:effectRef>
+          <a:fontRef idx="minor">
+            <a:schemeClr val="lt1"/>
+          </a:fontRef>
+        </p:style>
+        <p:txBody>
+          <a:bodyPr rtlCol="0" anchor="t"/>
+          <a:lstStyle/>
+          <a:p>
+            <a:pPr algn="ctr"/>
+            <a:r>
+              <a:rPr lang="ja-JP" altLang="en-US" sz="1600" b="1" dirty="0">
+                <a:solidFill>
+                  <a:schemeClr val="tx1"/>
+                </a:solidFill>
+                <a:latin typeface="メイリオ" panose="020B0604030504040204" pitchFamily="50" charset="-128"/>
+                <a:ea typeface="メイリオ" panose="020B0604030504040204" pitchFamily="50" charset="-128"/>
+                <a:cs typeface="メイリオ" panose="020B0604030504040204" pitchFamily="50" charset="-128"/>
+              </a:rPr>
+              <a:t>修正</a:t>
+            </a:r>
+            <a:endParaRPr kumimoji="1" lang="en-US" altLang="ja-JP" sz="1600" b="1" dirty="0" smtClean="0">
+              <a:solidFill>
+                <a:schemeClr val="tx1"/>
+              </a:solidFill>
+              <a:latin typeface="メイリオ" panose="020B0604030504040204" pitchFamily="50" charset="-128"/>
+              <a:ea typeface="メイリオ" panose="020B0604030504040204" pitchFamily="50" charset="-128"/>
+              <a:cs typeface="メイリオ" panose="020B0604030504040204" pitchFamily="50" charset="-128"/>
+            </a:endParaRPr>
+          </a:p>
+          <a:p>
+            <a:pPr algn="ctr"/>
+            <a:endParaRPr kumimoji="1" lang="en-US" altLang="ja-JP" sz="1600" b="1" dirty="0" smtClean="0">
+              <a:solidFill>
+                <a:schemeClr val="tx1"/>
+              </a:solidFill>
+              <a:latin typeface="メイリオ" panose="020B0604030504040204" pitchFamily="50" charset="-128"/>
+              <a:ea typeface="メイリオ" panose="020B0604030504040204" pitchFamily="50" charset="-128"/>
+              <a:cs typeface="メイリオ" panose="020B0604030504040204" pitchFamily="50" charset="-128"/>
+            </a:endParaRPr>
+          </a:p>
+        </p:txBody>
+      </p:sp>
+      <p:cxnSp>
+        <p:nvCxnSpPr>
+          <p:cNvPr id="72" name="直線矢印コネクタ 71"/>
+          <p:cNvCxnSpPr>
+            <a:endCxn id="9" idx="1"/>
+          </p:cNvCxnSpPr>
+          <p:nvPr/>
+        </p:nvCxnSpPr>
+        <p:spPr>
+          <a:xfrm flipV="1">
+            <a:off x="8982965" y="4579394"/>
+            <a:ext cx="1064260" cy="815881"/>
+          </a:xfrm>
+          <a:prstGeom prst="straightConnector1">
+            <a:avLst/>
+          </a:prstGeom>
+          <a:ln w="25400">
+            <a:solidFill>
+              <a:schemeClr val="tx1"/>
+            </a:solidFill>
+            <a:prstDash val="solid"/>
+            <a:tailEnd type="triangle" w="lg" len="lg"/>
+          </a:ln>
+        </p:spPr>
+        <p:style>
+          <a:lnRef idx="1">
+            <a:schemeClr val="accent1"/>
+          </a:lnRef>
+          <a:fillRef idx="0">
+            <a:schemeClr val="accent1"/>
+          </a:fillRef>
+          <a:effectRef idx="0">
+            <a:schemeClr val="accent1"/>
+          </a:effectRef>
+          <a:fontRef idx="minor">
+            <a:schemeClr val="tx1"/>
+          </a:fontRef>
+        </p:style>
+      </p:cxnSp>
+      <p:cxnSp>
+        <p:nvCxnSpPr>
+          <p:cNvPr id="75" name="直線矢印コネクタ 74"/>
+          <p:cNvCxnSpPr/>
+          <p:nvPr/>
+        </p:nvCxnSpPr>
+        <p:spPr>
+          <a:xfrm>
+            <a:off x="5474301" y="2058256"/>
+            <a:ext cx="4022752" cy="713426"/>
+          </a:xfrm>
+          <a:prstGeom prst="straightConnector1">
+            <a:avLst/>
+          </a:prstGeom>
+          <a:ln w="25400">
+            <a:solidFill>
+              <a:schemeClr val="tx1"/>
+            </a:solidFill>
+            <a:tailEnd type="triangle" w="lg" len="lg"/>
+          </a:ln>
+        </p:spPr>
+        <p:style>
+          <a:lnRef idx="1">
+            <a:schemeClr val="accent1"/>
+          </a:lnRef>
+          <a:fillRef idx="0">
+            <a:schemeClr val="accent1"/>
+          </a:fillRef>
+          <a:effectRef idx="0">
+            <a:schemeClr val="accent1"/>
+          </a:effectRef>
+          <a:fontRef idx="minor">
+            <a:schemeClr val="tx1"/>
+          </a:fontRef>
+        </p:style>
+      </p:cxnSp>
+      <p:cxnSp>
+        <p:nvCxnSpPr>
+          <p:cNvPr id="80" name="直線矢印コネクタ 79"/>
+          <p:cNvCxnSpPr>
+            <a:stCxn id="5" idx="1"/>
+            <a:endCxn id="16" idx="0"/>
+          </p:cNvCxnSpPr>
+          <p:nvPr/>
+        </p:nvCxnSpPr>
+        <p:spPr>
+          <a:xfrm flipH="1">
+            <a:off x="2172454" y="1923043"/>
+            <a:ext cx="1211171" cy="2513044"/>
+          </a:xfrm>
+          <a:prstGeom prst="straightConnector1">
+            <a:avLst/>
+          </a:prstGeom>
+          <a:ln w="25400">
+            <a:solidFill>
+              <a:schemeClr val="tx1"/>
+            </a:solidFill>
+            <a:prstDash val="dash"/>
+            <a:headEnd type="triangle" w="lg" len="lg"/>
+            <a:tailEnd type="none" w="lg" len="lg"/>
+          </a:ln>
+        </p:spPr>
+        <p:style>
+          <a:lnRef idx="1">
+            <a:schemeClr val="accent1"/>
+          </a:lnRef>
+          <a:fillRef idx="0">
+            <a:schemeClr val="accent1"/>
+          </a:fillRef>
+          <a:effectRef idx="0">
+            <a:schemeClr val="accent1"/>
+          </a:effectRef>
+          <a:fontRef idx="minor">
+            <a:schemeClr val="tx1"/>
+          </a:fontRef>
+        </p:style>
+      </p:cxnSp>
+      <p:cxnSp>
+        <p:nvCxnSpPr>
+          <p:cNvPr id="86" name="直線矢印コネクタ 85"/>
+          <p:cNvCxnSpPr/>
+          <p:nvPr/>
+        </p:nvCxnSpPr>
+        <p:spPr>
+          <a:xfrm flipV="1">
+            <a:off x="3381784" y="2160896"/>
+            <a:ext cx="3924690" cy="2867364"/>
+          </a:xfrm>
+          <a:prstGeom prst="straightConnector1">
+            <a:avLst/>
+          </a:prstGeom>
+          <a:ln w="25400">
+            <a:solidFill>
+              <a:schemeClr val="tx1"/>
+            </a:solidFill>
+            <a:prstDash val="dash"/>
+            <a:headEnd type="triangle" w="lg" len="lg"/>
+            <a:tailEnd type="none" w="lg" len="lg"/>
+          </a:ln>
+        </p:spPr>
+        <p:style>
+          <a:lnRef idx="1">
+            <a:schemeClr val="accent1"/>
+          </a:lnRef>
+          <a:fillRef idx="0">
+            <a:schemeClr val="accent1"/>
+          </a:fillRef>
+          <a:effectRef idx="0">
+            <a:schemeClr val="accent1"/>
+          </a:effectRef>
+          <a:fontRef idx="minor">
+            <a:schemeClr val="tx1"/>
+          </a:fontRef>
+        </p:style>
+      </p:cxnSp>
     </p:spTree>
     <p:extLst>
       <p:ext uri="{BB962C8B-B14F-4D97-AF65-F5344CB8AC3E}">
         <p14:creationId xmlns:p14="http://schemas.microsoft.com/office/powerpoint/2010/main" val="3815202795"/>
+      </p:ext>
+    </p:extLst>
+  </p:cSld>
+  <p:clrMapOvr>
+    <a:masterClrMapping/>
+  </p:clrMapOvr>
+  <p:timing>
+    <p:tnLst>
+      <p:par>
+        <p:cTn id="1" dur="indefinite" restart="never" nodeType="tmRoot"/>
+      </p:par>
+    </p:tnLst>
+  </p:timing>
+</p:sld>
+</file>
+
+<file path=ppt/slides/slide13.xml><?xml version="1.0" encoding="utf-8"?>
+<p:sld xmlns:a="http://schemas.openxmlformats.org/drawingml/2006/main" xmlns:r="http://schemas.openxmlformats.org/officeDocument/2006/relationships" xmlns:p="http://schemas.openxmlformats.org/presentationml/2006/main">
+  <p:cSld>
+    <p:spTree>
+      <p:nvGrpSpPr>
+        <p:cNvPr id="1" name=""/>
+        <p:cNvGrpSpPr/>
+        <p:nvPr/>
+      </p:nvGrpSpPr>
+      <p:grpSpPr>
+        <a:xfrm>
+          <a:off x="0" y="0"/>
+          <a:ext cx="0" cy="0"/>
+          <a:chOff x="0" y="0"/>
+          <a:chExt cx="0" cy="0"/>
+        </a:xfrm>
+      </p:grpSpPr>
+      <p:sp>
+        <p:nvSpPr>
+          <p:cNvPr id="2" name="正方形/長方形 1"/>
+          <p:cNvSpPr/>
+          <p:nvPr/>
+        </p:nvSpPr>
+        <p:spPr>
+          <a:xfrm>
+            <a:off x="496967" y="1141534"/>
+            <a:ext cx="1940312" cy="1650380"/>
+          </a:xfrm>
+          <a:prstGeom prst="rect">
+            <a:avLst/>
+          </a:prstGeom>
+          <a:solidFill>
+            <a:schemeClr val="bg1"/>
+          </a:solidFill>
+          <a:ln>
+            <a:solidFill>
+              <a:schemeClr val="tx1"/>
+            </a:solidFill>
+          </a:ln>
+        </p:spPr>
+        <p:style>
+          <a:lnRef idx="2">
+            <a:schemeClr val="accent1">
+              <a:shade val="50000"/>
+            </a:schemeClr>
+          </a:lnRef>
+          <a:fillRef idx="1">
+            <a:schemeClr val="accent1"/>
+          </a:fillRef>
+          <a:effectRef idx="0">
+            <a:schemeClr val="accent1"/>
+          </a:effectRef>
+          <a:fontRef idx="minor">
+            <a:schemeClr val="lt1"/>
+          </a:fontRef>
+        </p:style>
+        <p:txBody>
+          <a:bodyPr rtlCol="0" anchor="ctr"/>
+          <a:lstStyle/>
+          <a:p>
+            <a:pPr algn="ctr"/>
+            <a:r>
+              <a:rPr kumimoji="1" lang="ja-JP" altLang="en-US" sz="1400" dirty="0" smtClean="0">
+                <a:solidFill>
+                  <a:schemeClr val="tx1"/>
+                </a:solidFill>
+                <a:latin typeface="メイリオ" panose="020B0604030504040204" pitchFamily="50" charset="-128"/>
+                <a:ea typeface="メイリオ" panose="020B0604030504040204" pitchFamily="50" charset="-128"/>
+                <a:cs typeface="メイリオ" panose="020B0604030504040204" pitchFamily="50" charset="-128"/>
+              </a:rPr>
+              <a:t>ブラウザ</a:t>
+            </a:r>
+            <a:endParaRPr kumimoji="1" lang="ja-JP" altLang="en-US" sz="1400" dirty="0">
+              <a:solidFill>
+                <a:schemeClr val="tx1"/>
+              </a:solidFill>
+              <a:latin typeface="メイリオ" panose="020B0604030504040204" pitchFamily="50" charset="-128"/>
+              <a:ea typeface="メイリオ" panose="020B0604030504040204" pitchFamily="50" charset="-128"/>
+              <a:cs typeface="メイリオ" panose="020B0604030504040204" pitchFamily="50" charset="-128"/>
+            </a:endParaRPr>
+          </a:p>
+        </p:txBody>
+      </p:sp>
+      <p:sp>
+        <p:nvSpPr>
+          <p:cNvPr id="5" name="正方形/長方形 4"/>
+          <p:cNvSpPr/>
+          <p:nvPr/>
+        </p:nvSpPr>
+        <p:spPr>
+          <a:xfrm>
+            <a:off x="3383625" y="1684494"/>
+            <a:ext cx="2129820" cy="477097"/>
+          </a:xfrm>
+          <a:prstGeom prst="rect">
+            <a:avLst/>
+          </a:prstGeom>
+          <a:solidFill>
+            <a:schemeClr val="bg1"/>
+          </a:solidFill>
+          <a:ln>
+            <a:solidFill>
+              <a:schemeClr val="tx1"/>
+            </a:solidFill>
+          </a:ln>
+        </p:spPr>
+        <p:style>
+          <a:lnRef idx="2">
+            <a:schemeClr val="accent1">
+              <a:shade val="50000"/>
+            </a:schemeClr>
+          </a:lnRef>
+          <a:fillRef idx="1">
+            <a:schemeClr val="accent1"/>
+          </a:fillRef>
+          <a:effectRef idx="0">
+            <a:schemeClr val="accent1"/>
+          </a:effectRef>
+          <a:fontRef idx="minor">
+            <a:schemeClr val="lt1"/>
+          </a:fontRef>
+        </p:style>
+        <p:txBody>
+          <a:bodyPr rtlCol="0" anchor="t"/>
+          <a:lstStyle/>
+          <a:p>
+            <a:r>
+              <a:rPr kumimoji="1" lang="en-US" altLang="ja-JP" sz="1400" dirty="0" smtClean="0">
+                <a:solidFill>
+                  <a:schemeClr val="tx1"/>
+                </a:solidFill>
+                <a:latin typeface="メイリオ" panose="020B0604030504040204" pitchFamily="50" charset="-128"/>
+                <a:ea typeface="メイリオ" panose="020B0604030504040204" pitchFamily="50" charset="-128"/>
+                <a:cs typeface="メイリオ" panose="020B0604030504040204" pitchFamily="50" charset="-128"/>
+              </a:rPr>
+              <a:t>View</a:t>
+            </a:r>
+            <a:r>
+              <a:rPr lang="en-US" altLang="ja-JP" sz="1400" dirty="0" smtClean="0">
+                <a:solidFill>
+                  <a:schemeClr val="tx1"/>
+                </a:solidFill>
+                <a:latin typeface="メイリオ" panose="020B0604030504040204" pitchFamily="50" charset="-128"/>
+                <a:ea typeface="メイリオ" panose="020B0604030504040204" pitchFamily="50" charset="-128"/>
+                <a:cs typeface="メイリオ" panose="020B0604030504040204" pitchFamily="50" charset="-128"/>
+              </a:rPr>
+              <a:t>(JSP)</a:t>
+            </a:r>
+            <a:br>
+              <a:rPr lang="en-US" altLang="ja-JP" sz="1400" dirty="0" smtClean="0">
+                <a:solidFill>
+                  <a:schemeClr val="tx1"/>
+                </a:solidFill>
+                <a:latin typeface="メイリオ" panose="020B0604030504040204" pitchFamily="50" charset="-128"/>
+                <a:ea typeface="メイリオ" panose="020B0604030504040204" pitchFamily="50" charset="-128"/>
+                <a:cs typeface="メイリオ" panose="020B0604030504040204" pitchFamily="50" charset="-128"/>
+              </a:rPr>
+            </a:br>
+            <a:r>
+              <a:rPr lang="en-US" altLang="ja-JP" sz="1400" dirty="0" err="1" smtClean="0">
+                <a:solidFill>
+                  <a:schemeClr val="tx1"/>
+                </a:solidFill>
+                <a:latin typeface="メイリオ" panose="020B0604030504040204" pitchFamily="50" charset="-128"/>
+                <a:ea typeface="メイリオ" panose="020B0604030504040204" pitchFamily="50" charset="-128"/>
+                <a:cs typeface="メイリオ" panose="020B0604030504040204" pitchFamily="50" charset="-128"/>
+              </a:rPr>
+              <a:t>confirmDeleteUser.JSP</a:t>
+            </a:r>
+            <a:endParaRPr kumimoji="1" lang="ja-JP" altLang="en-US" sz="1400" dirty="0">
+              <a:solidFill>
+                <a:schemeClr val="tx1"/>
+              </a:solidFill>
+              <a:latin typeface="メイリオ" panose="020B0604030504040204" pitchFamily="50" charset="-128"/>
+              <a:ea typeface="メイリオ" panose="020B0604030504040204" pitchFamily="50" charset="-128"/>
+              <a:cs typeface="メイリオ" panose="020B0604030504040204" pitchFamily="50" charset="-128"/>
+            </a:endParaRPr>
+          </a:p>
+        </p:txBody>
+      </p:sp>
+      <p:sp>
+        <p:nvSpPr>
+          <p:cNvPr id="7" name="正方形/長方形 6"/>
+          <p:cNvSpPr/>
+          <p:nvPr/>
+        </p:nvSpPr>
+        <p:spPr>
+          <a:xfrm>
+            <a:off x="7042653" y="815764"/>
+            <a:ext cx="1940312" cy="1319779"/>
+          </a:xfrm>
+          <a:prstGeom prst="rect">
+            <a:avLst/>
+          </a:prstGeom>
+          <a:solidFill>
+            <a:schemeClr val="bg1"/>
+          </a:solidFill>
+          <a:ln>
+            <a:solidFill>
+              <a:schemeClr val="tx1"/>
+            </a:solidFill>
+          </a:ln>
+        </p:spPr>
+        <p:style>
+          <a:lnRef idx="2">
+            <a:schemeClr val="accent1">
+              <a:shade val="50000"/>
+            </a:schemeClr>
+          </a:lnRef>
+          <a:fillRef idx="1">
+            <a:schemeClr val="accent1"/>
+          </a:fillRef>
+          <a:effectRef idx="0">
+            <a:schemeClr val="accent1"/>
+          </a:effectRef>
+          <a:fontRef idx="minor">
+            <a:schemeClr val="lt1"/>
+          </a:fontRef>
+        </p:style>
+        <p:txBody>
+          <a:bodyPr rtlCol="0" anchor="t"/>
+          <a:lstStyle/>
+          <a:p>
+            <a:r>
+              <a:rPr kumimoji="1" lang="en-US" altLang="ja-JP" sz="1400" dirty="0" smtClean="0">
+                <a:solidFill>
+                  <a:schemeClr val="tx1"/>
+                </a:solidFill>
+                <a:latin typeface="メイリオ" panose="020B0604030504040204" pitchFamily="50" charset="-128"/>
+                <a:ea typeface="メイリオ" panose="020B0604030504040204" pitchFamily="50" charset="-128"/>
+                <a:cs typeface="メイリオ" panose="020B0604030504040204" pitchFamily="50" charset="-128"/>
+              </a:rPr>
+              <a:t>Controller(Servlet)</a:t>
+            </a:r>
+            <a:br>
+              <a:rPr kumimoji="1" lang="en-US" altLang="ja-JP" sz="1400" dirty="0" smtClean="0">
+                <a:solidFill>
+                  <a:schemeClr val="tx1"/>
+                </a:solidFill>
+                <a:latin typeface="メイリオ" panose="020B0604030504040204" pitchFamily="50" charset="-128"/>
+                <a:ea typeface="メイリオ" panose="020B0604030504040204" pitchFamily="50" charset="-128"/>
+                <a:cs typeface="メイリオ" panose="020B0604030504040204" pitchFamily="50" charset="-128"/>
+              </a:rPr>
+            </a:br>
+            <a:r>
+              <a:rPr lang="ja-JP" altLang="en-US" sz="1400" dirty="0">
+                <a:solidFill>
+                  <a:schemeClr val="tx1"/>
+                </a:solidFill>
+                <a:latin typeface="メイリオ" panose="020B0604030504040204" pitchFamily="50" charset="-128"/>
+                <a:ea typeface="メイリオ" panose="020B0604030504040204" pitchFamily="50" charset="-128"/>
+                <a:cs typeface="メイリオ" panose="020B0604030504040204" pitchFamily="50" charset="-128"/>
+              </a:rPr>
+              <a:t>クラ</a:t>
+            </a:r>
+            <a:r>
+              <a:rPr lang="ja-JP" altLang="en-US" sz="1400" dirty="0" smtClean="0">
+                <a:solidFill>
+                  <a:schemeClr val="tx1"/>
+                </a:solidFill>
+                <a:latin typeface="メイリオ" panose="020B0604030504040204" pitchFamily="50" charset="-128"/>
+                <a:ea typeface="メイリオ" panose="020B0604030504040204" pitchFamily="50" charset="-128"/>
+                <a:cs typeface="メイリオ" panose="020B0604030504040204" pitchFamily="50" charset="-128"/>
+              </a:rPr>
+              <a:t>ス名</a:t>
+            </a:r>
+            <a:r>
+              <a:rPr lang="en-US" altLang="ja-JP" sz="1400" dirty="0" smtClean="0">
+                <a:solidFill>
+                  <a:schemeClr val="tx1"/>
+                </a:solidFill>
+                <a:latin typeface="メイリオ" panose="020B0604030504040204" pitchFamily="50" charset="-128"/>
+                <a:ea typeface="メイリオ" panose="020B0604030504040204" pitchFamily="50" charset="-128"/>
+                <a:cs typeface="メイリオ" panose="020B0604030504040204" pitchFamily="50" charset="-128"/>
+              </a:rPr>
+              <a:t>.java</a:t>
+            </a:r>
+          </a:p>
+        </p:txBody>
+      </p:sp>
+      <p:sp>
+        <p:nvSpPr>
+          <p:cNvPr id="8" name="正方形/長方形 7"/>
+          <p:cNvSpPr/>
+          <p:nvPr/>
+        </p:nvSpPr>
+        <p:spPr>
+          <a:xfrm>
+            <a:off x="9497053" y="860106"/>
+            <a:ext cx="2430488" cy="2864814"/>
+          </a:xfrm>
+          <a:prstGeom prst="rect">
+            <a:avLst/>
+          </a:prstGeom>
+          <a:solidFill>
+            <a:schemeClr val="bg1"/>
+          </a:solidFill>
+          <a:ln>
+            <a:solidFill>
+              <a:schemeClr val="tx1"/>
+            </a:solidFill>
+          </a:ln>
+        </p:spPr>
+        <p:style>
+          <a:lnRef idx="2">
+            <a:schemeClr val="accent1">
+              <a:shade val="50000"/>
+            </a:schemeClr>
+          </a:lnRef>
+          <a:fillRef idx="1">
+            <a:schemeClr val="accent1"/>
+          </a:fillRef>
+          <a:effectRef idx="0">
+            <a:schemeClr val="accent1"/>
+          </a:effectRef>
+          <a:fontRef idx="minor">
+            <a:schemeClr val="lt1"/>
+          </a:fontRef>
+        </p:style>
+        <p:txBody>
+          <a:bodyPr rtlCol="0" anchor="t"/>
+          <a:lstStyle/>
+          <a:p>
+            <a:r>
+              <a:rPr lang="en-US" altLang="ja-JP" sz="1400" dirty="0" smtClean="0">
+                <a:solidFill>
+                  <a:schemeClr val="tx1"/>
+                </a:solidFill>
+                <a:latin typeface="メイリオ" panose="020B0604030504040204" pitchFamily="50" charset="-128"/>
+                <a:ea typeface="メイリオ" panose="020B0604030504040204" pitchFamily="50" charset="-128"/>
+                <a:cs typeface="メイリオ" panose="020B0604030504040204" pitchFamily="50" charset="-128"/>
+              </a:rPr>
+              <a:t>Model(Logic)</a:t>
+            </a:r>
+            <a:br>
+              <a:rPr lang="en-US" altLang="ja-JP" sz="1400" dirty="0" smtClean="0">
+                <a:solidFill>
+                  <a:schemeClr val="tx1"/>
+                </a:solidFill>
+                <a:latin typeface="メイリオ" panose="020B0604030504040204" pitchFamily="50" charset="-128"/>
+                <a:ea typeface="メイリオ" panose="020B0604030504040204" pitchFamily="50" charset="-128"/>
+                <a:cs typeface="メイリオ" panose="020B0604030504040204" pitchFamily="50" charset="-128"/>
+              </a:rPr>
+            </a:br>
+            <a:r>
+              <a:rPr lang="ja-JP" altLang="en-US" sz="1400" dirty="0" smtClean="0">
+                <a:solidFill>
+                  <a:schemeClr val="tx1"/>
+                </a:solidFill>
+                <a:latin typeface="メイリオ" panose="020B0604030504040204" pitchFamily="50" charset="-128"/>
+                <a:ea typeface="メイリオ" panose="020B0604030504040204" pitchFamily="50" charset="-128"/>
+                <a:cs typeface="メイリオ" panose="020B0604030504040204" pitchFamily="50" charset="-128"/>
+              </a:rPr>
+              <a:t>クラス名</a:t>
+            </a:r>
+            <a:r>
+              <a:rPr lang="en-US" altLang="ja-JP" sz="1400" dirty="0" smtClean="0">
+                <a:solidFill>
+                  <a:schemeClr val="tx1"/>
+                </a:solidFill>
+                <a:latin typeface="メイリオ" panose="020B0604030504040204" pitchFamily="50" charset="-128"/>
+                <a:ea typeface="メイリオ" panose="020B0604030504040204" pitchFamily="50" charset="-128"/>
+                <a:cs typeface="メイリオ" panose="020B0604030504040204" pitchFamily="50" charset="-128"/>
+              </a:rPr>
+              <a:t>.java</a:t>
+            </a:r>
+            <a:endParaRPr kumimoji="1" lang="ja-JP" altLang="en-US" sz="900" dirty="0">
+              <a:solidFill>
+                <a:schemeClr val="tx1"/>
+              </a:solidFill>
+              <a:latin typeface="メイリオ" panose="020B0604030504040204" pitchFamily="50" charset="-128"/>
+              <a:ea typeface="メイリオ" panose="020B0604030504040204" pitchFamily="50" charset="-128"/>
+              <a:cs typeface="メイリオ" panose="020B0604030504040204" pitchFamily="50" charset="-128"/>
+            </a:endParaRPr>
+          </a:p>
+        </p:txBody>
+      </p:sp>
+      <p:sp>
+        <p:nvSpPr>
+          <p:cNvPr id="9" name="正方形/長方形 8"/>
+          <p:cNvSpPr/>
+          <p:nvPr/>
+        </p:nvSpPr>
+        <p:spPr>
+          <a:xfrm>
+            <a:off x="10047225" y="4279341"/>
+            <a:ext cx="1630582" cy="600105"/>
+          </a:xfrm>
+          <a:prstGeom prst="rect">
+            <a:avLst/>
+          </a:prstGeom>
+          <a:solidFill>
+            <a:schemeClr val="bg1"/>
+          </a:solidFill>
+          <a:ln>
+            <a:solidFill>
+              <a:schemeClr val="tx1"/>
+            </a:solidFill>
+          </a:ln>
+        </p:spPr>
+        <p:style>
+          <a:lnRef idx="2">
+            <a:schemeClr val="accent1">
+              <a:shade val="50000"/>
+            </a:schemeClr>
+          </a:lnRef>
+          <a:fillRef idx="1">
+            <a:schemeClr val="accent1"/>
+          </a:fillRef>
+          <a:effectRef idx="0">
+            <a:schemeClr val="accent1"/>
+          </a:effectRef>
+          <a:fontRef idx="minor">
+            <a:schemeClr val="lt1"/>
+          </a:fontRef>
+        </p:style>
+        <p:txBody>
+          <a:bodyPr rtlCol="0" anchor="t"/>
+          <a:lstStyle/>
+          <a:p>
+            <a:r>
+              <a:rPr lang="en-US" altLang="ja-JP" sz="1400" dirty="0" smtClean="0">
+                <a:solidFill>
+                  <a:schemeClr val="tx1"/>
+                </a:solidFill>
+                <a:latin typeface="メイリオ" panose="020B0604030504040204" pitchFamily="50" charset="-128"/>
+                <a:ea typeface="メイリオ" panose="020B0604030504040204" pitchFamily="50" charset="-128"/>
+                <a:cs typeface="メイリオ" panose="020B0604030504040204" pitchFamily="50" charset="-128"/>
+              </a:rPr>
+              <a:t>Model(Bean)</a:t>
+            </a:r>
+            <a:br>
+              <a:rPr lang="en-US" altLang="ja-JP" sz="1400" dirty="0" smtClean="0">
+                <a:solidFill>
+                  <a:schemeClr val="tx1"/>
+                </a:solidFill>
+                <a:latin typeface="メイリオ" panose="020B0604030504040204" pitchFamily="50" charset="-128"/>
+                <a:ea typeface="メイリオ" panose="020B0604030504040204" pitchFamily="50" charset="-128"/>
+                <a:cs typeface="メイリオ" panose="020B0604030504040204" pitchFamily="50" charset="-128"/>
+              </a:rPr>
+            </a:br>
+            <a:r>
+              <a:rPr lang="ja-JP" altLang="en-US" sz="1400" dirty="0" smtClean="0">
+                <a:solidFill>
+                  <a:schemeClr val="tx1"/>
+                </a:solidFill>
+                <a:latin typeface="メイリオ" panose="020B0604030504040204" pitchFamily="50" charset="-128"/>
+                <a:ea typeface="メイリオ" panose="020B0604030504040204" pitchFamily="50" charset="-128"/>
+                <a:cs typeface="メイリオ" panose="020B0604030504040204" pitchFamily="50" charset="-128"/>
+              </a:rPr>
+              <a:t>クラス</a:t>
+            </a:r>
+            <a:r>
+              <a:rPr lang="ja-JP" altLang="en-US" sz="1400" dirty="0">
+                <a:solidFill>
+                  <a:schemeClr val="tx1"/>
+                </a:solidFill>
+                <a:latin typeface="メイリオ" panose="020B0604030504040204" pitchFamily="50" charset="-128"/>
+                <a:ea typeface="メイリオ" panose="020B0604030504040204" pitchFamily="50" charset="-128"/>
+                <a:cs typeface="メイリオ" panose="020B0604030504040204" pitchFamily="50" charset="-128"/>
+              </a:rPr>
+              <a:t>名</a:t>
+            </a:r>
+            <a:r>
+              <a:rPr lang="en-US" altLang="ja-JP" sz="1400" dirty="0" smtClean="0">
+                <a:solidFill>
+                  <a:schemeClr val="tx1"/>
+                </a:solidFill>
+                <a:latin typeface="メイリオ" panose="020B0604030504040204" pitchFamily="50" charset="-128"/>
+                <a:ea typeface="メイリオ" panose="020B0604030504040204" pitchFamily="50" charset="-128"/>
+                <a:cs typeface="メイリオ" panose="020B0604030504040204" pitchFamily="50" charset="-128"/>
+              </a:rPr>
+              <a:t>.java</a:t>
+            </a:r>
+            <a:r>
+              <a:rPr lang="en-US" altLang="ja-JP" sz="1400" dirty="0" smtClean="0">
+                <a:solidFill>
+                  <a:schemeClr val="tx1"/>
+                </a:solidFill>
+                <a:latin typeface="メイリオ" panose="020B0604030504040204" pitchFamily="50" charset="-128"/>
+                <a:ea typeface="メイリオ" panose="020B0604030504040204" pitchFamily="50" charset="-128"/>
+                <a:cs typeface="メイリオ" panose="020B0604030504040204" pitchFamily="50" charset="-128"/>
+              </a:rPr>
+              <a:t/>
+            </a:r>
+            <a:br>
+              <a:rPr lang="en-US" altLang="ja-JP" sz="1400" dirty="0" smtClean="0">
+                <a:solidFill>
+                  <a:schemeClr val="tx1"/>
+                </a:solidFill>
+                <a:latin typeface="メイリオ" panose="020B0604030504040204" pitchFamily="50" charset="-128"/>
+                <a:ea typeface="メイリオ" panose="020B0604030504040204" pitchFamily="50" charset="-128"/>
+                <a:cs typeface="メイリオ" panose="020B0604030504040204" pitchFamily="50" charset="-128"/>
+              </a:rPr>
+            </a:br>
+            <a:endParaRPr kumimoji="1" lang="ja-JP" altLang="en-US" sz="1400" dirty="0">
+              <a:solidFill>
+                <a:schemeClr val="tx1"/>
+              </a:solidFill>
+              <a:latin typeface="メイリオ" panose="020B0604030504040204" pitchFamily="50" charset="-128"/>
+              <a:ea typeface="メイリオ" panose="020B0604030504040204" pitchFamily="50" charset="-128"/>
+              <a:cs typeface="メイリオ" panose="020B0604030504040204" pitchFamily="50" charset="-128"/>
+            </a:endParaRPr>
+          </a:p>
+        </p:txBody>
+      </p:sp>
+      <p:sp>
+        <p:nvSpPr>
+          <p:cNvPr id="16" name="角丸四角形 15"/>
+          <p:cNvSpPr/>
+          <p:nvPr/>
+        </p:nvSpPr>
+        <p:spPr>
+          <a:xfrm>
+            <a:off x="968777" y="4436087"/>
+            <a:ext cx="2407353" cy="1856352"/>
+          </a:xfrm>
+          <a:prstGeom prst="roundRect">
+            <a:avLst/>
+          </a:prstGeom>
+          <a:noFill/>
+          <a:ln>
+            <a:solidFill>
+              <a:schemeClr val="tx1"/>
+            </a:solidFill>
+          </a:ln>
+        </p:spPr>
+        <p:style>
+          <a:lnRef idx="2">
+            <a:schemeClr val="accent1">
+              <a:shade val="50000"/>
+            </a:schemeClr>
+          </a:lnRef>
+          <a:fillRef idx="1">
+            <a:schemeClr val="accent1"/>
+          </a:fillRef>
+          <a:effectRef idx="0">
+            <a:schemeClr val="accent1"/>
+          </a:effectRef>
+          <a:fontRef idx="minor">
+            <a:schemeClr val="lt1"/>
+          </a:fontRef>
+        </p:style>
+        <p:txBody>
+          <a:bodyPr rtlCol="0" anchor="t"/>
+          <a:lstStyle/>
+          <a:p>
+            <a:pPr algn="ctr"/>
+            <a:r>
+              <a:rPr lang="en-US" altLang="ja-JP" sz="1400" dirty="0" smtClean="0">
+                <a:solidFill>
+                  <a:schemeClr val="tx1"/>
+                </a:solidFill>
+                <a:latin typeface="メイリオ" panose="020B0604030504040204" pitchFamily="50" charset="-128"/>
+                <a:ea typeface="メイリオ" panose="020B0604030504040204" pitchFamily="50" charset="-128"/>
+                <a:cs typeface="メイリオ" panose="020B0604030504040204" pitchFamily="50" charset="-128"/>
+              </a:rPr>
+              <a:t>request</a:t>
+            </a:r>
+            <a:r>
+              <a:rPr lang="ja-JP" altLang="en-US" sz="1400" dirty="0" smtClean="0">
+                <a:solidFill>
+                  <a:schemeClr val="tx1"/>
+                </a:solidFill>
+                <a:latin typeface="メイリオ" panose="020B0604030504040204" pitchFamily="50" charset="-128"/>
+                <a:ea typeface="メイリオ" panose="020B0604030504040204" pitchFamily="50" charset="-128"/>
+                <a:cs typeface="メイリオ" panose="020B0604030504040204" pitchFamily="50" charset="-128"/>
+              </a:rPr>
+              <a:t>スコープ</a:t>
+            </a:r>
+            <a:endParaRPr lang="en-US" altLang="ja-JP" sz="1400" dirty="0" smtClean="0">
+              <a:solidFill>
+                <a:schemeClr val="tx1"/>
+              </a:solidFill>
+              <a:latin typeface="メイリオ" panose="020B0604030504040204" pitchFamily="50" charset="-128"/>
+              <a:ea typeface="メイリオ" panose="020B0604030504040204" pitchFamily="50" charset="-128"/>
+              <a:cs typeface="メイリオ" panose="020B0604030504040204" pitchFamily="50" charset="-128"/>
+            </a:endParaRPr>
+          </a:p>
+          <a:p>
+            <a:pPr algn="ctr"/>
+            <a:endParaRPr lang="en-US" altLang="ja-JP" sz="1400" dirty="0">
+              <a:solidFill>
+                <a:schemeClr val="tx1"/>
+              </a:solidFill>
+              <a:latin typeface="メイリオ" panose="020B0604030504040204" pitchFamily="50" charset="-128"/>
+              <a:ea typeface="メイリオ" panose="020B0604030504040204" pitchFamily="50" charset="-128"/>
+              <a:cs typeface="メイリオ" panose="020B0604030504040204" pitchFamily="50" charset="-128"/>
+            </a:endParaRPr>
+          </a:p>
+          <a:p>
+            <a:pPr algn="ctr"/>
+            <a:r>
+              <a:rPr lang="en-US" altLang="ja-JP" sz="1400" dirty="0" smtClean="0">
+                <a:solidFill>
+                  <a:schemeClr val="tx1"/>
+                </a:solidFill>
+                <a:latin typeface="メイリオ" panose="020B0604030504040204" pitchFamily="50" charset="-128"/>
+                <a:ea typeface="メイリオ" panose="020B0604030504040204" pitchFamily="50" charset="-128"/>
+                <a:cs typeface="メイリオ" panose="020B0604030504040204" pitchFamily="50" charset="-128"/>
+              </a:rPr>
+              <a:t>Don’t use this?</a:t>
+            </a:r>
+          </a:p>
+        </p:txBody>
+      </p:sp>
+      <p:cxnSp>
+        <p:nvCxnSpPr>
+          <p:cNvPr id="10" name="直線矢印コネクタ 9"/>
+          <p:cNvCxnSpPr/>
+          <p:nvPr/>
+        </p:nvCxnSpPr>
+        <p:spPr>
+          <a:xfrm flipV="1">
+            <a:off x="2447201" y="964863"/>
+            <a:ext cx="4612916" cy="265129"/>
+          </a:xfrm>
+          <a:prstGeom prst="straightConnector1">
+            <a:avLst/>
+          </a:prstGeom>
+          <a:ln w="25400">
+            <a:solidFill>
+              <a:schemeClr val="tx1"/>
+            </a:solidFill>
+            <a:tailEnd type="triangle" w="lg" len="lg"/>
+          </a:ln>
+        </p:spPr>
+        <p:style>
+          <a:lnRef idx="1">
+            <a:schemeClr val="accent1"/>
+          </a:lnRef>
+          <a:fillRef idx="0">
+            <a:schemeClr val="accent1"/>
+          </a:fillRef>
+          <a:effectRef idx="0">
+            <a:schemeClr val="accent1"/>
+          </a:effectRef>
+          <a:fontRef idx="minor">
+            <a:schemeClr val="tx1"/>
+          </a:fontRef>
+        </p:style>
+      </p:cxnSp>
+      <p:cxnSp>
+        <p:nvCxnSpPr>
+          <p:cNvPr id="27" name="直線矢印コネクタ 26"/>
+          <p:cNvCxnSpPr>
+            <a:endCxn id="5" idx="3"/>
+          </p:cNvCxnSpPr>
+          <p:nvPr/>
+        </p:nvCxnSpPr>
+        <p:spPr>
+          <a:xfrm flipH="1">
+            <a:off x="5513445" y="1300238"/>
+            <a:ext cx="1519288" cy="622805"/>
+          </a:xfrm>
+          <a:prstGeom prst="straightConnector1">
+            <a:avLst/>
+          </a:prstGeom>
+          <a:ln w="25400">
+            <a:solidFill>
+              <a:schemeClr val="tx1"/>
+            </a:solidFill>
+            <a:tailEnd type="triangle" w="lg" len="lg"/>
+          </a:ln>
+        </p:spPr>
+        <p:style>
+          <a:lnRef idx="1">
+            <a:schemeClr val="accent1"/>
+          </a:lnRef>
+          <a:fillRef idx="0">
+            <a:schemeClr val="accent1"/>
+          </a:fillRef>
+          <a:effectRef idx="0">
+            <a:schemeClr val="accent1"/>
+          </a:effectRef>
+          <a:fontRef idx="minor">
+            <a:schemeClr val="tx1"/>
+          </a:fontRef>
+        </p:style>
+      </p:cxnSp>
+      <p:cxnSp>
+        <p:nvCxnSpPr>
+          <p:cNvPr id="35" name="直線矢印コネクタ 34"/>
+          <p:cNvCxnSpPr>
+            <a:stCxn id="5" idx="1"/>
+          </p:cNvCxnSpPr>
+          <p:nvPr/>
+        </p:nvCxnSpPr>
+        <p:spPr>
+          <a:xfrm flipH="1" flipV="1">
+            <a:off x="2437279" y="1797977"/>
+            <a:ext cx="946346" cy="125066"/>
+          </a:xfrm>
+          <a:prstGeom prst="straightConnector1">
+            <a:avLst/>
+          </a:prstGeom>
+          <a:ln w="25400">
+            <a:solidFill>
+              <a:schemeClr val="tx1"/>
+            </a:solidFill>
+            <a:tailEnd type="triangle" w="lg" len="lg"/>
+          </a:ln>
+        </p:spPr>
+        <p:style>
+          <a:lnRef idx="1">
+            <a:schemeClr val="accent1"/>
+          </a:lnRef>
+          <a:fillRef idx="0">
+            <a:schemeClr val="accent1"/>
+          </a:fillRef>
+          <a:effectRef idx="0">
+            <a:schemeClr val="accent1"/>
+          </a:effectRef>
+          <a:fontRef idx="minor">
+            <a:schemeClr val="tx1"/>
+          </a:fontRef>
+        </p:style>
+      </p:cxnSp>
+      <p:cxnSp>
+        <p:nvCxnSpPr>
+          <p:cNvPr id="42" name="直線矢印コネクタ 41"/>
+          <p:cNvCxnSpPr/>
+          <p:nvPr/>
+        </p:nvCxnSpPr>
+        <p:spPr>
+          <a:xfrm>
+            <a:off x="8982965" y="1813568"/>
+            <a:ext cx="514088" cy="417118"/>
+          </a:xfrm>
+          <a:prstGeom prst="straightConnector1">
+            <a:avLst/>
+          </a:prstGeom>
+          <a:ln w="25400">
+            <a:solidFill>
+              <a:schemeClr val="tx1"/>
+            </a:solidFill>
+            <a:prstDash val="solid"/>
+            <a:tailEnd type="triangle" w="lg" len="lg"/>
+          </a:ln>
+        </p:spPr>
+        <p:style>
+          <a:lnRef idx="1">
+            <a:schemeClr val="accent1"/>
+          </a:lnRef>
+          <a:fillRef idx="0">
+            <a:schemeClr val="accent1"/>
+          </a:fillRef>
+          <a:effectRef idx="0">
+            <a:schemeClr val="accent1"/>
+          </a:effectRef>
+          <a:fontRef idx="minor">
+            <a:schemeClr val="tx1"/>
+          </a:fontRef>
+        </p:style>
+      </p:cxnSp>
+      <p:cxnSp>
+        <p:nvCxnSpPr>
+          <p:cNvPr id="45" name="直線矢印コネクタ 44"/>
+          <p:cNvCxnSpPr>
+            <a:endCxn id="9" idx="0"/>
+          </p:cNvCxnSpPr>
+          <p:nvPr/>
+        </p:nvCxnSpPr>
+        <p:spPr>
+          <a:xfrm>
+            <a:off x="10862516" y="3738091"/>
+            <a:ext cx="0" cy="541250"/>
+          </a:xfrm>
+          <a:prstGeom prst="straightConnector1">
+            <a:avLst/>
+          </a:prstGeom>
+          <a:ln w="25400">
+            <a:solidFill>
+              <a:schemeClr val="tx1"/>
+            </a:solidFill>
+            <a:prstDash val="solid"/>
+            <a:tailEnd type="triangle" w="lg" len="lg"/>
+          </a:ln>
+        </p:spPr>
+        <p:style>
+          <a:lnRef idx="1">
+            <a:schemeClr val="accent1"/>
+          </a:lnRef>
+          <a:fillRef idx="0">
+            <a:schemeClr val="accent1"/>
+          </a:fillRef>
+          <a:effectRef idx="0">
+            <a:schemeClr val="accent1"/>
+          </a:effectRef>
+          <a:fontRef idx="minor">
+            <a:schemeClr val="tx1"/>
+          </a:fontRef>
+        </p:style>
+      </p:cxnSp>
+      <p:sp>
+        <p:nvSpPr>
+          <p:cNvPr id="70" name="正方形/長方形 69"/>
+          <p:cNvSpPr/>
+          <p:nvPr/>
+        </p:nvSpPr>
+        <p:spPr>
+          <a:xfrm>
+            <a:off x="3677175" y="332653"/>
+            <a:ext cx="4922487" cy="371787"/>
+          </a:xfrm>
+          <a:prstGeom prst="rect">
+            <a:avLst/>
+          </a:prstGeom>
+          <a:noFill/>
+          <a:ln>
+            <a:noFill/>
+          </a:ln>
+        </p:spPr>
+        <p:style>
+          <a:lnRef idx="2">
+            <a:schemeClr val="accent1">
+              <a:shade val="50000"/>
+            </a:schemeClr>
+          </a:lnRef>
+          <a:fillRef idx="1">
+            <a:schemeClr val="accent1"/>
+          </a:fillRef>
+          <a:effectRef idx="0">
+            <a:schemeClr val="accent1"/>
+          </a:effectRef>
+          <a:fontRef idx="minor">
+            <a:schemeClr val="lt1"/>
+          </a:fontRef>
+        </p:style>
+        <p:txBody>
+          <a:bodyPr rtlCol="0" anchor="ctr"/>
+          <a:lstStyle/>
+          <a:p>
+            <a:pPr algn="ctr"/>
+            <a:r>
+              <a:rPr lang="ja-JP" altLang="en-US" sz="2000" dirty="0">
+                <a:solidFill>
+                  <a:schemeClr val="tx1"/>
+                </a:solidFill>
+                <a:latin typeface="メイリオ" panose="020B0604030504040204" pitchFamily="50" charset="-128"/>
+                <a:ea typeface="メイリオ" panose="020B0604030504040204" pitchFamily="50" charset="-128"/>
+                <a:cs typeface="メイリオ" panose="020B0604030504040204" pitchFamily="50" charset="-128"/>
+              </a:rPr>
+              <a:t>社員情報管理システム</a:t>
+            </a:r>
+          </a:p>
+        </p:txBody>
+      </p:sp>
+      <p:sp>
+        <p:nvSpPr>
+          <p:cNvPr id="40" name="正方形/長方形 39"/>
+          <p:cNvSpPr/>
+          <p:nvPr/>
+        </p:nvSpPr>
+        <p:spPr>
+          <a:xfrm>
+            <a:off x="496967" y="220915"/>
+            <a:ext cx="2640327" cy="446770"/>
+          </a:xfrm>
+          <a:prstGeom prst="rect">
+            <a:avLst/>
+          </a:prstGeom>
+          <a:noFill/>
+          <a:ln>
+            <a:noFill/>
+          </a:ln>
+        </p:spPr>
+        <p:style>
+          <a:lnRef idx="2">
+            <a:schemeClr val="accent1">
+              <a:shade val="50000"/>
+            </a:schemeClr>
+          </a:lnRef>
+          <a:fillRef idx="1">
+            <a:schemeClr val="accent1"/>
+          </a:fillRef>
+          <a:effectRef idx="0">
+            <a:schemeClr val="accent1"/>
+          </a:effectRef>
+          <a:fontRef idx="minor">
+            <a:schemeClr val="lt1"/>
+          </a:fontRef>
+        </p:style>
+        <p:txBody>
+          <a:bodyPr rtlCol="0" anchor="t"/>
+          <a:lstStyle/>
+          <a:p>
+            <a:pPr algn="ctr"/>
+            <a:r>
+              <a:rPr lang="ja-JP" altLang="en-US" sz="2400" dirty="0" smtClean="0">
+                <a:solidFill>
+                  <a:schemeClr val="tx1"/>
+                </a:solidFill>
+                <a:latin typeface="メイリオ" panose="020B0604030504040204" pitchFamily="50" charset="-128"/>
+                <a:ea typeface="メイリオ" panose="020B0604030504040204" pitchFamily="50" charset="-128"/>
+                <a:cs typeface="メイリオ" panose="020B0604030504040204" pitchFamily="50" charset="-128"/>
+              </a:rPr>
+              <a:t>状態遷移図</a:t>
+            </a:r>
+            <a:endParaRPr kumimoji="1" lang="ja-JP" altLang="en-US" sz="2400" dirty="0">
+              <a:solidFill>
+                <a:schemeClr val="tx1"/>
+              </a:solidFill>
+              <a:latin typeface="メイリオ" panose="020B0604030504040204" pitchFamily="50" charset="-128"/>
+              <a:ea typeface="メイリオ" panose="020B0604030504040204" pitchFamily="50" charset="-128"/>
+              <a:cs typeface="メイリオ" panose="020B0604030504040204" pitchFamily="50" charset="-128"/>
+            </a:endParaRPr>
+          </a:p>
+        </p:txBody>
+      </p:sp>
+      <p:sp>
+        <p:nvSpPr>
+          <p:cNvPr id="41" name="正方形/長方形 40"/>
+          <p:cNvSpPr/>
+          <p:nvPr/>
+        </p:nvSpPr>
+        <p:spPr>
+          <a:xfrm>
+            <a:off x="3824982" y="105539"/>
+            <a:ext cx="1136253" cy="446770"/>
+          </a:xfrm>
+          <a:prstGeom prst="rect">
+            <a:avLst/>
+          </a:prstGeom>
+          <a:noFill/>
+          <a:ln>
+            <a:noFill/>
+          </a:ln>
+        </p:spPr>
+        <p:style>
+          <a:lnRef idx="2">
+            <a:schemeClr val="accent1">
+              <a:shade val="50000"/>
+            </a:schemeClr>
+          </a:lnRef>
+          <a:fillRef idx="1">
+            <a:schemeClr val="accent1"/>
+          </a:fillRef>
+          <a:effectRef idx="0">
+            <a:schemeClr val="accent1"/>
+          </a:effectRef>
+          <a:fontRef idx="minor">
+            <a:schemeClr val="lt1"/>
+          </a:fontRef>
+        </p:style>
+        <p:txBody>
+          <a:bodyPr rtlCol="0" anchor="t"/>
+          <a:lstStyle/>
+          <a:p>
+            <a:pPr algn="ctr"/>
+            <a:r>
+              <a:rPr lang="ja-JP" altLang="en-US" sz="1100" dirty="0" smtClean="0">
+                <a:solidFill>
+                  <a:schemeClr val="tx1"/>
+                </a:solidFill>
+                <a:latin typeface="メイリオ" panose="020B0604030504040204" pitchFamily="50" charset="-128"/>
+                <a:ea typeface="メイリオ" panose="020B0604030504040204" pitchFamily="50" charset="-128"/>
+                <a:cs typeface="メイリオ" panose="020B0604030504040204" pitchFamily="50" charset="-128"/>
+              </a:rPr>
+              <a:t>システム名</a:t>
+            </a:r>
+            <a:endParaRPr kumimoji="1" lang="ja-JP" altLang="en-US" sz="1100" dirty="0">
+              <a:solidFill>
+                <a:schemeClr val="tx1"/>
+              </a:solidFill>
+              <a:latin typeface="メイリオ" panose="020B0604030504040204" pitchFamily="50" charset="-128"/>
+              <a:ea typeface="メイリオ" panose="020B0604030504040204" pitchFamily="50" charset="-128"/>
+              <a:cs typeface="メイリオ" panose="020B0604030504040204" pitchFamily="50" charset="-128"/>
+            </a:endParaRPr>
+          </a:p>
+        </p:txBody>
+      </p:sp>
+      <p:sp>
+        <p:nvSpPr>
+          <p:cNvPr id="44" name="正方形/長方形 43"/>
+          <p:cNvSpPr/>
+          <p:nvPr/>
+        </p:nvSpPr>
+        <p:spPr>
+          <a:xfrm>
+            <a:off x="8177099" y="143901"/>
+            <a:ext cx="1379023" cy="262841"/>
+          </a:xfrm>
+          <a:prstGeom prst="rect">
+            <a:avLst/>
+          </a:prstGeom>
+          <a:noFill/>
+          <a:ln>
+            <a:noFill/>
+          </a:ln>
+        </p:spPr>
+        <p:style>
+          <a:lnRef idx="2">
+            <a:schemeClr val="accent1">
+              <a:shade val="50000"/>
+            </a:schemeClr>
+          </a:lnRef>
+          <a:fillRef idx="1">
+            <a:schemeClr val="accent1"/>
+          </a:fillRef>
+          <a:effectRef idx="0">
+            <a:schemeClr val="accent1"/>
+          </a:effectRef>
+          <a:fontRef idx="minor">
+            <a:schemeClr val="lt1"/>
+          </a:fontRef>
+        </p:style>
+        <p:txBody>
+          <a:bodyPr rtlCol="0" anchor="t"/>
+          <a:lstStyle/>
+          <a:p>
+            <a:pPr algn="r"/>
+            <a:r>
+              <a:rPr lang="ja-JP" altLang="en-US" sz="1100" dirty="0" smtClean="0">
+                <a:solidFill>
+                  <a:schemeClr val="tx1"/>
+                </a:solidFill>
+                <a:latin typeface="メイリオ" panose="020B0604030504040204" pitchFamily="50" charset="-128"/>
+                <a:ea typeface="メイリオ" panose="020B0604030504040204" pitchFamily="50" charset="-128"/>
+                <a:cs typeface="メイリオ" panose="020B0604030504040204" pitchFamily="50" charset="-128"/>
+              </a:rPr>
+              <a:t>バージョン</a:t>
+            </a:r>
+            <a:r>
+              <a:rPr lang="en-US" altLang="ja-JP" sz="1100" dirty="0" smtClean="0">
+                <a:solidFill>
+                  <a:schemeClr val="tx1"/>
+                </a:solidFill>
+                <a:latin typeface="メイリオ" panose="020B0604030504040204" pitchFamily="50" charset="-128"/>
+                <a:ea typeface="メイリオ" panose="020B0604030504040204" pitchFamily="50" charset="-128"/>
+                <a:cs typeface="メイリオ" panose="020B0604030504040204" pitchFamily="50" charset="-128"/>
+              </a:rPr>
+              <a:t>No.</a:t>
+            </a:r>
+            <a:endParaRPr kumimoji="1" lang="ja-JP" altLang="en-US" sz="1100" dirty="0">
+              <a:solidFill>
+                <a:schemeClr val="tx1"/>
+              </a:solidFill>
+              <a:latin typeface="メイリオ" panose="020B0604030504040204" pitchFamily="50" charset="-128"/>
+              <a:ea typeface="メイリオ" panose="020B0604030504040204" pitchFamily="50" charset="-128"/>
+              <a:cs typeface="メイリオ" panose="020B0604030504040204" pitchFamily="50" charset="-128"/>
+            </a:endParaRPr>
+          </a:p>
+        </p:txBody>
+      </p:sp>
+      <p:sp>
+        <p:nvSpPr>
+          <p:cNvPr id="48" name="正方形/長方形 47"/>
+          <p:cNvSpPr/>
+          <p:nvPr/>
+        </p:nvSpPr>
+        <p:spPr>
+          <a:xfrm>
+            <a:off x="8427717" y="429539"/>
+            <a:ext cx="1141284" cy="246781"/>
+          </a:xfrm>
+          <a:prstGeom prst="rect">
+            <a:avLst/>
+          </a:prstGeom>
+          <a:noFill/>
+          <a:ln>
+            <a:noFill/>
+          </a:ln>
+        </p:spPr>
+        <p:style>
+          <a:lnRef idx="2">
+            <a:schemeClr val="accent1">
+              <a:shade val="50000"/>
+            </a:schemeClr>
+          </a:lnRef>
+          <a:fillRef idx="1">
+            <a:schemeClr val="accent1"/>
+          </a:fillRef>
+          <a:effectRef idx="0">
+            <a:schemeClr val="accent1"/>
+          </a:effectRef>
+          <a:fontRef idx="minor">
+            <a:schemeClr val="lt1"/>
+          </a:fontRef>
+        </p:style>
+        <p:txBody>
+          <a:bodyPr rtlCol="0" anchor="t"/>
+          <a:lstStyle/>
+          <a:p>
+            <a:pPr algn="r"/>
+            <a:r>
+              <a:rPr lang="ja-JP" altLang="en-US" sz="1100" dirty="0" smtClean="0">
+                <a:solidFill>
+                  <a:schemeClr val="tx1"/>
+                </a:solidFill>
+                <a:latin typeface="メイリオ" panose="020B0604030504040204" pitchFamily="50" charset="-128"/>
+                <a:ea typeface="メイリオ" panose="020B0604030504040204" pitchFamily="50" charset="-128"/>
+                <a:cs typeface="メイリオ" panose="020B0604030504040204" pitchFamily="50" charset="-128"/>
+              </a:rPr>
+              <a:t>ページ</a:t>
+            </a:r>
+            <a:r>
+              <a:rPr lang="en-US" altLang="ja-JP" sz="1100" dirty="0" smtClean="0">
+                <a:solidFill>
+                  <a:schemeClr val="tx1"/>
+                </a:solidFill>
+                <a:latin typeface="メイリオ" panose="020B0604030504040204" pitchFamily="50" charset="-128"/>
+                <a:ea typeface="メイリオ" panose="020B0604030504040204" pitchFamily="50" charset="-128"/>
+                <a:cs typeface="メイリオ" panose="020B0604030504040204" pitchFamily="50" charset="-128"/>
+              </a:rPr>
+              <a:t>No.</a:t>
+            </a:r>
+            <a:endParaRPr kumimoji="1" lang="ja-JP" altLang="en-US" sz="1100" dirty="0">
+              <a:solidFill>
+                <a:schemeClr val="tx1"/>
+              </a:solidFill>
+              <a:latin typeface="メイリオ" panose="020B0604030504040204" pitchFamily="50" charset="-128"/>
+              <a:ea typeface="メイリオ" panose="020B0604030504040204" pitchFamily="50" charset="-128"/>
+              <a:cs typeface="メイリオ" panose="020B0604030504040204" pitchFamily="50" charset="-128"/>
+            </a:endParaRPr>
+          </a:p>
+        </p:txBody>
+      </p:sp>
+      <p:grpSp>
+        <p:nvGrpSpPr>
+          <p:cNvPr id="3" name="グループ化 2"/>
+          <p:cNvGrpSpPr/>
+          <p:nvPr/>
+        </p:nvGrpSpPr>
+        <p:grpSpPr>
+          <a:xfrm>
+            <a:off x="49261" y="74532"/>
+            <a:ext cx="12052585" cy="6731951"/>
+            <a:chOff x="49261" y="74532"/>
+            <a:chExt cx="12052585" cy="6731951"/>
+          </a:xfrm>
+        </p:grpSpPr>
+        <p:sp>
+          <p:nvSpPr>
+            <p:cNvPr id="36" name="正方形/長方形 35"/>
+            <p:cNvSpPr/>
+            <p:nvPr/>
+          </p:nvSpPr>
+          <p:spPr>
+            <a:xfrm>
+              <a:off x="49261" y="669700"/>
+              <a:ext cx="12052585" cy="6136783"/>
+            </a:xfrm>
+            <a:prstGeom prst="rect">
+              <a:avLst/>
+            </a:prstGeom>
+            <a:noFill/>
+            <a:ln>
+              <a:solidFill>
+                <a:schemeClr val="tx1"/>
+              </a:solidFill>
+            </a:ln>
+          </p:spPr>
+          <p:style>
+            <a:lnRef idx="2">
+              <a:schemeClr val="accent1">
+                <a:shade val="50000"/>
+              </a:schemeClr>
+            </a:lnRef>
+            <a:fillRef idx="1">
+              <a:schemeClr val="accent1"/>
+            </a:fillRef>
+            <a:effectRef idx="0">
+              <a:schemeClr val="accent1"/>
+            </a:effectRef>
+            <a:fontRef idx="minor">
+              <a:schemeClr val="lt1"/>
+            </a:fontRef>
+          </p:style>
+          <p:txBody>
+            <a:bodyPr rtlCol="0" anchor="ctr"/>
+            <a:lstStyle/>
+            <a:p>
+              <a:pPr algn="ctr"/>
+              <a:endParaRPr kumimoji="1" lang="ja-JP" altLang="en-US" sz="1400" dirty="0">
+                <a:solidFill>
+                  <a:schemeClr val="tx1"/>
+                </a:solidFill>
+                <a:latin typeface="メイリオ" panose="020B0604030504040204" pitchFamily="50" charset="-128"/>
+                <a:ea typeface="メイリオ" panose="020B0604030504040204" pitchFamily="50" charset="-128"/>
+                <a:cs typeface="メイリオ" panose="020B0604030504040204" pitchFamily="50" charset="-128"/>
+              </a:endParaRPr>
+            </a:p>
+          </p:txBody>
+        </p:sp>
+        <p:sp>
+          <p:nvSpPr>
+            <p:cNvPr id="38" name="正方形/長方形 37"/>
+            <p:cNvSpPr/>
+            <p:nvPr/>
+          </p:nvSpPr>
+          <p:spPr>
+            <a:xfrm>
+              <a:off x="49261" y="77274"/>
+              <a:ext cx="3844413" cy="592372"/>
+            </a:xfrm>
+            <a:prstGeom prst="rect">
+              <a:avLst/>
+            </a:prstGeom>
+            <a:noFill/>
+            <a:ln>
+              <a:solidFill>
+                <a:schemeClr val="tx1"/>
+              </a:solidFill>
+            </a:ln>
+          </p:spPr>
+          <p:style>
+            <a:lnRef idx="2">
+              <a:schemeClr val="accent1">
+                <a:shade val="50000"/>
+              </a:schemeClr>
+            </a:lnRef>
+            <a:fillRef idx="1">
+              <a:schemeClr val="accent1"/>
+            </a:fillRef>
+            <a:effectRef idx="0">
+              <a:schemeClr val="accent1"/>
+            </a:effectRef>
+            <a:fontRef idx="minor">
+              <a:schemeClr val="lt1"/>
+            </a:fontRef>
+          </p:style>
+          <p:txBody>
+            <a:bodyPr rtlCol="0" anchor="ctr"/>
+            <a:lstStyle/>
+            <a:p>
+              <a:pPr algn="ctr"/>
+              <a:endParaRPr kumimoji="1" lang="ja-JP" altLang="en-US" sz="1400" dirty="0">
+                <a:solidFill>
+                  <a:schemeClr val="tx1"/>
+                </a:solidFill>
+                <a:latin typeface="メイリオ" panose="020B0604030504040204" pitchFamily="50" charset="-128"/>
+                <a:ea typeface="メイリオ" panose="020B0604030504040204" pitchFamily="50" charset="-128"/>
+                <a:cs typeface="メイリオ" panose="020B0604030504040204" pitchFamily="50" charset="-128"/>
+              </a:endParaRPr>
+            </a:p>
+          </p:txBody>
+        </p:sp>
+        <p:sp>
+          <p:nvSpPr>
+            <p:cNvPr id="39" name="正方形/長方形 38"/>
+            <p:cNvSpPr/>
+            <p:nvPr/>
+          </p:nvSpPr>
+          <p:spPr>
+            <a:xfrm>
+              <a:off x="3893674" y="74821"/>
+              <a:ext cx="4541005" cy="592372"/>
+            </a:xfrm>
+            <a:prstGeom prst="rect">
+              <a:avLst/>
+            </a:prstGeom>
+            <a:noFill/>
+            <a:ln>
+              <a:solidFill>
+                <a:schemeClr val="tx1"/>
+              </a:solidFill>
+            </a:ln>
+          </p:spPr>
+          <p:style>
+            <a:lnRef idx="2">
+              <a:schemeClr val="accent1">
+                <a:shade val="50000"/>
+              </a:schemeClr>
+            </a:lnRef>
+            <a:fillRef idx="1">
+              <a:schemeClr val="accent1"/>
+            </a:fillRef>
+            <a:effectRef idx="0">
+              <a:schemeClr val="accent1"/>
+            </a:effectRef>
+            <a:fontRef idx="minor">
+              <a:schemeClr val="lt1"/>
+            </a:fontRef>
+          </p:style>
+          <p:txBody>
+            <a:bodyPr rtlCol="0" anchor="ctr"/>
+            <a:lstStyle/>
+            <a:p>
+              <a:pPr algn="ctr"/>
+              <a:endParaRPr kumimoji="1" lang="ja-JP" altLang="en-US" sz="1400" dirty="0">
+                <a:solidFill>
+                  <a:schemeClr val="tx1"/>
+                </a:solidFill>
+                <a:latin typeface="メイリオ" panose="020B0604030504040204" pitchFamily="50" charset="-128"/>
+                <a:ea typeface="メイリオ" panose="020B0604030504040204" pitchFamily="50" charset="-128"/>
+                <a:cs typeface="メイリオ" panose="020B0604030504040204" pitchFamily="50" charset="-128"/>
+              </a:endParaRPr>
+            </a:p>
+          </p:txBody>
+        </p:sp>
+        <p:sp>
+          <p:nvSpPr>
+            <p:cNvPr id="43" name="正方形/長方形 42"/>
+            <p:cNvSpPr/>
+            <p:nvPr/>
+          </p:nvSpPr>
+          <p:spPr>
+            <a:xfrm>
+              <a:off x="8434680" y="74532"/>
+              <a:ext cx="1572206" cy="296124"/>
+            </a:xfrm>
+            <a:prstGeom prst="rect">
+              <a:avLst/>
+            </a:prstGeom>
+            <a:noFill/>
+            <a:ln>
+              <a:solidFill>
+                <a:schemeClr val="tx1"/>
+              </a:solidFill>
+            </a:ln>
+          </p:spPr>
+          <p:style>
+            <a:lnRef idx="2">
+              <a:schemeClr val="accent1">
+                <a:shade val="50000"/>
+              </a:schemeClr>
+            </a:lnRef>
+            <a:fillRef idx="1">
+              <a:schemeClr val="accent1"/>
+            </a:fillRef>
+            <a:effectRef idx="0">
+              <a:schemeClr val="accent1"/>
+            </a:effectRef>
+            <a:fontRef idx="minor">
+              <a:schemeClr val="lt1"/>
+            </a:fontRef>
+          </p:style>
+          <p:txBody>
+            <a:bodyPr rtlCol="0" anchor="ctr"/>
+            <a:lstStyle/>
+            <a:p>
+              <a:pPr algn="ctr"/>
+              <a:endParaRPr kumimoji="1" lang="ja-JP" altLang="en-US" sz="1400" dirty="0">
+                <a:solidFill>
+                  <a:schemeClr val="tx1"/>
+                </a:solidFill>
+                <a:latin typeface="メイリオ" panose="020B0604030504040204" pitchFamily="50" charset="-128"/>
+                <a:ea typeface="メイリオ" panose="020B0604030504040204" pitchFamily="50" charset="-128"/>
+                <a:cs typeface="メイリオ" panose="020B0604030504040204" pitchFamily="50" charset="-128"/>
+              </a:endParaRPr>
+            </a:p>
+          </p:txBody>
+        </p:sp>
+        <p:sp>
+          <p:nvSpPr>
+            <p:cNvPr id="46" name="正方形/長方形 45"/>
+            <p:cNvSpPr/>
+            <p:nvPr/>
+          </p:nvSpPr>
+          <p:spPr>
+            <a:xfrm>
+              <a:off x="8441730" y="375539"/>
+              <a:ext cx="1561585" cy="293468"/>
+            </a:xfrm>
+            <a:prstGeom prst="rect">
+              <a:avLst/>
+            </a:prstGeom>
+            <a:noFill/>
+            <a:ln>
+              <a:solidFill>
+                <a:schemeClr val="tx1"/>
+              </a:solidFill>
+            </a:ln>
+          </p:spPr>
+          <p:style>
+            <a:lnRef idx="2">
+              <a:schemeClr val="accent1">
+                <a:shade val="50000"/>
+              </a:schemeClr>
+            </a:lnRef>
+            <a:fillRef idx="1">
+              <a:schemeClr val="accent1"/>
+            </a:fillRef>
+            <a:effectRef idx="0">
+              <a:schemeClr val="accent1"/>
+            </a:effectRef>
+            <a:fontRef idx="minor">
+              <a:schemeClr val="lt1"/>
+            </a:fontRef>
+          </p:style>
+          <p:txBody>
+            <a:bodyPr rtlCol="0" anchor="ctr"/>
+            <a:lstStyle/>
+            <a:p>
+              <a:pPr algn="ctr"/>
+              <a:endParaRPr kumimoji="1" lang="ja-JP" altLang="en-US" sz="1400" dirty="0">
+                <a:solidFill>
+                  <a:schemeClr val="tx1"/>
+                </a:solidFill>
+                <a:latin typeface="メイリオ" panose="020B0604030504040204" pitchFamily="50" charset="-128"/>
+                <a:ea typeface="メイリオ" panose="020B0604030504040204" pitchFamily="50" charset="-128"/>
+                <a:cs typeface="メイリオ" panose="020B0604030504040204" pitchFamily="50" charset="-128"/>
+              </a:endParaRPr>
+            </a:p>
+          </p:txBody>
+        </p:sp>
+        <p:sp>
+          <p:nvSpPr>
+            <p:cNvPr id="50" name="正方形/長方形 49"/>
+            <p:cNvSpPr/>
+            <p:nvPr/>
+          </p:nvSpPr>
+          <p:spPr>
+            <a:xfrm>
+              <a:off x="10006886" y="80695"/>
+              <a:ext cx="2094960" cy="586497"/>
+            </a:xfrm>
+            <a:prstGeom prst="rect">
+              <a:avLst/>
+            </a:prstGeom>
+            <a:noFill/>
+            <a:ln>
+              <a:solidFill>
+                <a:schemeClr val="tx1"/>
+              </a:solidFill>
+            </a:ln>
+          </p:spPr>
+          <p:style>
+            <a:lnRef idx="2">
+              <a:schemeClr val="accent1">
+                <a:shade val="50000"/>
+              </a:schemeClr>
+            </a:lnRef>
+            <a:fillRef idx="1">
+              <a:schemeClr val="accent1"/>
+            </a:fillRef>
+            <a:effectRef idx="0">
+              <a:schemeClr val="accent1"/>
+            </a:effectRef>
+            <a:fontRef idx="minor">
+              <a:schemeClr val="lt1"/>
+            </a:fontRef>
+          </p:style>
+          <p:txBody>
+            <a:bodyPr rtlCol="0" anchor="ctr"/>
+            <a:lstStyle/>
+            <a:p>
+              <a:pPr algn="ctr"/>
+              <a:endParaRPr kumimoji="1" lang="ja-JP" altLang="en-US" sz="1400" dirty="0">
+                <a:solidFill>
+                  <a:schemeClr val="tx1"/>
+                </a:solidFill>
+                <a:latin typeface="メイリオ" panose="020B0604030504040204" pitchFamily="50" charset="-128"/>
+                <a:ea typeface="メイリオ" panose="020B0604030504040204" pitchFamily="50" charset="-128"/>
+                <a:cs typeface="メイリオ" panose="020B0604030504040204" pitchFamily="50" charset="-128"/>
+              </a:endParaRPr>
+            </a:p>
+          </p:txBody>
+        </p:sp>
+      </p:grpSp>
+      <p:sp>
+        <p:nvSpPr>
+          <p:cNvPr id="54" name="正方形/長方形 53"/>
+          <p:cNvSpPr/>
+          <p:nvPr/>
+        </p:nvSpPr>
+        <p:spPr>
+          <a:xfrm>
+            <a:off x="9916732" y="133985"/>
+            <a:ext cx="1214041" cy="215103"/>
+          </a:xfrm>
+          <a:prstGeom prst="rect">
+            <a:avLst/>
+          </a:prstGeom>
+          <a:noFill/>
+          <a:ln>
+            <a:noFill/>
+          </a:ln>
+        </p:spPr>
+        <p:style>
+          <a:lnRef idx="2">
+            <a:schemeClr val="accent1">
+              <a:shade val="50000"/>
+            </a:schemeClr>
+          </a:lnRef>
+          <a:fillRef idx="1">
+            <a:schemeClr val="accent1"/>
+          </a:fillRef>
+          <a:effectRef idx="0">
+            <a:schemeClr val="accent1"/>
+          </a:effectRef>
+          <a:fontRef idx="minor">
+            <a:schemeClr val="lt1"/>
+          </a:fontRef>
+        </p:style>
+        <p:txBody>
+          <a:bodyPr rtlCol="0" anchor="t"/>
+          <a:lstStyle/>
+          <a:p>
+            <a:pPr algn="ctr"/>
+            <a:r>
+              <a:rPr lang="ja-JP" altLang="en-US" sz="1100" dirty="0" smtClean="0">
+                <a:solidFill>
+                  <a:schemeClr val="tx1"/>
+                </a:solidFill>
+                <a:latin typeface="メイリオ" panose="020B0604030504040204" pitchFamily="50" charset="-128"/>
+                <a:ea typeface="メイリオ" panose="020B0604030504040204" pitchFamily="50" charset="-128"/>
+                <a:cs typeface="メイリオ" panose="020B0604030504040204" pitchFamily="50" charset="-128"/>
+              </a:rPr>
+              <a:t>作成日時：</a:t>
+            </a:r>
+            <a:endParaRPr kumimoji="1" lang="ja-JP" altLang="en-US" sz="1100" dirty="0">
+              <a:solidFill>
+                <a:schemeClr val="tx1"/>
+              </a:solidFill>
+              <a:latin typeface="メイリオ" panose="020B0604030504040204" pitchFamily="50" charset="-128"/>
+              <a:ea typeface="メイリオ" panose="020B0604030504040204" pitchFamily="50" charset="-128"/>
+              <a:cs typeface="メイリオ" panose="020B0604030504040204" pitchFamily="50" charset="-128"/>
+            </a:endParaRPr>
+          </a:p>
+        </p:txBody>
+      </p:sp>
+      <p:sp>
+        <p:nvSpPr>
+          <p:cNvPr id="52" name="正方形/長方形 51"/>
+          <p:cNvSpPr/>
+          <p:nvPr/>
+        </p:nvSpPr>
+        <p:spPr>
+          <a:xfrm>
+            <a:off x="6679700" y="5395275"/>
+            <a:ext cx="2473930" cy="1198708"/>
+          </a:xfrm>
+          <a:prstGeom prst="rect">
+            <a:avLst/>
+          </a:prstGeom>
+          <a:solidFill>
+            <a:schemeClr val="bg1"/>
+          </a:solidFill>
+          <a:ln>
+            <a:solidFill>
+              <a:schemeClr val="tx1"/>
+            </a:solidFill>
+          </a:ln>
+        </p:spPr>
+        <p:style>
+          <a:lnRef idx="2">
+            <a:schemeClr val="accent1">
+              <a:shade val="50000"/>
+            </a:schemeClr>
+          </a:lnRef>
+          <a:fillRef idx="1">
+            <a:schemeClr val="accent1"/>
+          </a:fillRef>
+          <a:effectRef idx="0">
+            <a:schemeClr val="accent1"/>
+          </a:effectRef>
+          <a:fontRef idx="minor">
+            <a:schemeClr val="lt1"/>
+          </a:fontRef>
+        </p:style>
+        <p:txBody>
+          <a:bodyPr rtlCol="0" anchor="t"/>
+          <a:lstStyle/>
+          <a:p>
+            <a:r>
+              <a:rPr lang="en-US" altLang="ja-JP" sz="1400" dirty="0" smtClean="0">
+                <a:solidFill>
+                  <a:schemeClr val="tx1"/>
+                </a:solidFill>
+                <a:latin typeface="メイリオ" panose="020B0604030504040204" pitchFamily="50" charset="-128"/>
+                <a:ea typeface="メイリオ" panose="020B0604030504040204" pitchFamily="50" charset="-128"/>
+                <a:cs typeface="メイリオ" panose="020B0604030504040204" pitchFamily="50" charset="-128"/>
+              </a:rPr>
+              <a:t>Dao(Logic</a:t>
+            </a:r>
+            <a:r>
+              <a:rPr lang="en-US" altLang="ja-JP" sz="1400" dirty="0">
+                <a:solidFill>
+                  <a:schemeClr val="tx1"/>
+                </a:solidFill>
+                <a:latin typeface="メイリオ" panose="020B0604030504040204" pitchFamily="50" charset="-128"/>
+                <a:ea typeface="メイリオ" panose="020B0604030504040204" pitchFamily="50" charset="-128"/>
+                <a:cs typeface="メイリオ" panose="020B0604030504040204" pitchFamily="50" charset="-128"/>
+              </a:rPr>
+              <a:t>)</a:t>
+            </a:r>
+            <a:br>
+              <a:rPr lang="en-US" altLang="ja-JP" sz="1400" dirty="0">
+                <a:solidFill>
+                  <a:schemeClr val="tx1"/>
+                </a:solidFill>
+                <a:latin typeface="メイリオ" panose="020B0604030504040204" pitchFamily="50" charset="-128"/>
+                <a:ea typeface="メイリオ" panose="020B0604030504040204" pitchFamily="50" charset="-128"/>
+                <a:cs typeface="メイリオ" panose="020B0604030504040204" pitchFamily="50" charset="-128"/>
+              </a:rPr>
+            </a:br>
+            <a:r>
+              <a:rPr lang="ja-JP" altLang="en-US" sz="1400" dirty="0" smtClean="0">
+                <a:solidFill>
+                  <a:schemeClr val="tx1"/>
+                </a:solidFill>
+                <a:latin typeface="メイリオ" panose="020B0604030504040204" pitchFamily="50" charset="-128"/>
+                <a:ea typeface="メイリオ" panose="020B0604030504040204" pitchFamily="50" charset="-128"/>
+                <a:cs typeface="メイリオ" panose="020B0604030504040204" pitchFamily="50" charset="-128"/>
+              </a:rPr>
+              <a:t>クラス</a:t>
+            </a:r>
+            <a:r>
+              <a:rPr lang="ja-JP" altLang="en-US" sz="1400" dirty="0">
+                <a:solidFill>
+                  <a:schemeClr val="tx1"/>
+                </a:solidFill>
+                <a:latin typeface="メイリオ" panose="020B0604030504040204" pitchFamily="50" charset="-128"/>
+                <a:ea typeface="メイリオ" panose="020B0604030504040204" pitchFamily="50" charset="-128"/>
+                <a:cs typeface="メイリオ" panose="020B0604030504040204" pitchFamily="50" charset="-128"/>
+              </a:rPr>
+              <a:t>名</a:t>
+            </a:r>
+            <a:r>
+              <a:rPr lang="en-US" altLang="ja-JP" sz="1400" dirty="0" smtClean="0">
+                <a:solidFill>
+                  <a:schemeClr val="tx1"/>
+                </a:solidFill>
+                <a:latin typeface="メイリオ" panose="020B0604030504040204" pitchFamily="50" charset="-128"/>
+                <a:ea typeface="メイリオ" panose="020B0604030504040204" pitchFamily="50" charset="-128"/>
+                <a:cs typeface="メイリオ" panose="020B0604030504040204" pitchFamily="50" charset="-128"/>
+              </a:rPr>
+              <a:t>.java</a:t>
+            </a:r>
+            <a:endParaRPr lang="en-US" altLang="ja-JP" sz="1400" dirty="0" smtClean="0">
+              <a:solidFill>
+                <a:schemeClr val="tx1"/>
+              </a:solidFill>
+              <a:latin typeface="メイリオ" panose="020B0604030504040204" pitchFamily="50" charset="-128"/>
+              <a:ea typeface="メイリオ" panose="020B0604030504040204" pitchFamily="50" charset="-128"/>
+              <a:cs typeface="メイリオ" panose="020B0604030504040204" pitchFamily="50" charset="-128"/>
+            </a:endParaRPr>
+          </a:p>
+          <a:p>
+            <a:r>
+              <a:rPr lang="en-US" altLang="ja-JP" sz="900" dirty="0">
+                <a:solidFill>
+                  <a:schemeClr val="tx1"/>
+                </a:solidFill>
+                <a:latin typeface="メイリオ" panose="020B0604030504040204" pitchFamily="50" charset="-128"/>
+                <a:ea typeface="メイリオ" panose="020B0604030504040204" pitchFamily="50" charset="-128"/>
+                <a:cs typeface="メイリオ" panose="020B0604030504040204" pitchFamily="50" charset="-128"/>
+              </a:rPr>
+              <a:t/>
+            </a:r>
+            <a:br>
+              <a:rPr lang="en-US" altLang="ja-JP" sz="900" dirty="0">
+                <a:solidFill>
+                  <a:schemeClr val="tx1"/>
+                </a:solidFill>
+                <a:latin typeface="メイリオ" panose="020B0604030504040204" pitchFamily="50" charset="-128"/>
+                <a:ea typeface="メイリオ" panose="020B0604030504040204" pitchFamily="50" charset="-128"/>
+                <a:cs typeface="メイリオ" panose="020B0604030504040204" pitchFamily="50" charset="-128"/>
+              </a:rPr>
+            </a:br>
+            <a:endParaRPr kumimoji="1" lang="ja-JP" altLang="en-US" sz="900" dirty="0">
+              <a:solidFill>
+                <a:srgbClr val="FF0000"/>
+              </a:solidFill>
+              <a:latin typeface="メイリオ" panose="020B0604030504040204" pitchFamily="50" charset="-128"/>
+              <a:ea typeface="メイリオ" panose="020B0604030504040204" pitchFamily="50" charset="-128"/>
+              <a:cs typeface="メイリオ" panose="020B0604030504040204" pitchFamily="50" charset="-128"/>
+            </a:endParaRPr>
+          </a:p>
+        </p:txBody>
+      </p:sp>
+      <p:sp>
+        <p:nvSpPr>
+          <p:cNvPr id="14" name="フローチャート: 磁気ディスク 13"/>
+          <p:cNvSpPr/>
+          <p:nvPr/>
+        </p:nvSpPr>
+        <p:spPr>
+          <a:xfrm>
+            <a:off x="10047225" y="5028260"/>
+            <a:ext cx="1906074" cy="1699390"/>
+          </a:xfrm>
+          <a:prstGeom prst="flowChartMagneticDisk">
+            <a:avLst/>
+          </a:prstGeom>
+          <a:noFill/>
+          <a:ln>
+            <a:solidFill>
+              <a:schemeClr val="tx1"/>
+            </a:solidFill>
+          </a:ln>
+        </p:spPr>
+        <p:style>
+          <a:lnRef idx="2">
+            <a:schemeClr val="accent1">
+              <a:shade val="50000"/>
+            </a:schemeClr>
+          </a:lnRef>
+          <a:fillRef idx="1">
+            <a:schemeClr val="accent1"/>
+          </a:fillRef>
+          <a:effectRef idx="0">
+            <a:schemeClr val="accent1"/>
+          </a:effectRef>
+          <a:fontRef idx="minor">
+            <a:schemeClr val="lt1"/>
+          </a:fontRef>
+        </p:style>
+        <p:txBody>
+          <a:bodyPr rtlCol="0" anchor="t"/>
+          <a:lstStyle/>
+          <a:p>
+            <a:pPr algn="ctr"/>
+            <a:endParaRPr kumimoji="1" lang="ja-JP" altLang="en-US" dirty="0">
+              <a:solidFill>
+                <a:schemeClr val="tx1"/>
+              </a:solidFill>
+            </a:endParaRPr>
+          </a:p>
+        </p:txBody>
+      </p:sp>
+      <p:cxnSp>
+        <p:nvCxnSpPr>
+          <p:cNvPr id="55" name="直線矢印コネクタ 54"/>
+          <p:cNvCxnSpPr/>
+          <p:nvPr/>
+        </p:nvCxnSpPr>
+        <p:spPr>
+          <a:xfrm flipH="1" flipV="1">
+            <a:off x="9153630" y="6037243"/>
+            <a:ext cx="893595" cy="20321"/>
+          </a:xfrm>
+          <a:prstGeom prst="straightConnector1">
+            <a:avLst/>
+          </a:prstGeom>
+          <a:ln w="25400">
+            <a:solidFill>
+              <a:schemeClr val="tx1"/>
+            </a:solidFill>
+            <a:prstDash val="dash"/>
+            <a:headEnd type="triangle" w="lg" len="lg"/>
+            <a:tailEnd type="triangle" w="lg" len="lg"/>
+          </a:ln>
+        </p:spPr>
+        <p:style>
+          <a:lnRef idx="1">
+            <a:schemeClr val="accent1"/>
+          </a:lnRef>
+          <a:fillRef idx="0">
+            <a:schemeClr val="accent1"/>
+          </a:fillRef>
+          <a:effectRef idx="0">
+            <a:schemeClr val="accent1"/>
+          </a:effectRef>
+          <a:fontRef idx="minor">
+            <a:schemeClr val="tx1"/>
+          </a:fontRef>
+        </p:style>
+      </p:cxnSp>
+      <p:sp>
+        <p:nvSpPr>
+          <p:cNvPr id="56" name="角丸四角形 55"/>
+          <p:cNvSpPr/>
+          <p:nvPr/>
+        </p:nvSpPr>
+        <p:spPr>
+          <a:xfrm>
+            <a:off x="10192869" y="5661212"/>
+            <a:ext cx="1600201" cy="932770"/>
+          </a:xfrm>
+          <a:prstGeom prst="roundRect">
+            <a:avLst/>
+          </a:prstGeom>
+          <a:noFill/>
+          <a:ln>
+            <a:solidFill>
+              <a:schemeClr val="tx1"/>
+            </a:solidFill>
+          </a:ln>
+        </p:spPr>
+        <p:style>
+          <a:lnRef idx="2">
+            <a:schemeClr val="accent1">
+              <a:shade val="50000"/>
+            </a:schemeClr>
+          </a:lnRef>
+          <a:fillRef idx="1">
+            <a:schemeClr val="accent1"/>
+          </a:fillRef>
+          <a:effectRef idx="0">
+            <a:schemeClr val="accent1"/>
+          </a:effectRef>
+          <a:fontRef idx="minor">
+            <a:schemeClr val="lt1"/>
+          </a:fontRef>
+        </p:style>
+        <p:txBody>
+          <a:bodyPr rtlCol="0" anchor="t"/>
+          <a:lstStyle/>
+          <a:p>
+            <a:pPr algn="ctr"/>
+            <a:r>
+              <a:rPr lang="ja-JP" altLang="en-US" sz="1400" dirty="0" smtClean="0">
+                <a:solidFill>
+                  <a:schemeClr val="tx1"/>
+                </a:solidFill>
+              </a:rPr>
+              <a:t>データベース</a:t>
+            </a:r>
+            <a:endParaRPr lang="en-US" altLang="ja-JP" sz="1400" dirty="0" smtClean="0">
+              <a:solidFill>
+                <a:schemeClr val="tx1"/>
+              </a:solidFill>
+            </a:endParaRPr>
+          </a:p>
+        </p:txBody>
+      </p:sp>
+      <p:sp>
+        <p:nvSpPr>
+          <p:cNvPr id="47" name="TextBox 46"/>
+          <p:cNvSpPr txBox="1"/>
+          <p:nvPr/>
+        </p:nvSpPr>
+        <p:spPr>
+          <a:xfrm>
+            <a:off x="9601504" y="376574"/>
+            <a:ext cx="301686" cy="369332"/>
+          </a:xfrm>
+          <a:prstGeom prst="rect">
+            <a:avLst/>
+          </a:prstGeom>
+          <a:noFill/>
+        </p:spPr>
+        <p:txBody>
+          <a:bodyPr wrap="none" rtlCol="0">
+            <a:spAutoFit/>
+          </a:bodyPr>
+          <a:lstStyle/>
+          <a:p>
+            <a:r>
+              <a:rPr lang="en-US" smtClean="0"/>
+              <a:t>2</a:t>
+            </a:r>
+          </a:p>
+        </p:txBody>
+      </p:sp>
+      <p:sp>
+        <p:nvSpPr>
+          <p:cNvPr id="57" name="TextBox 56"/>
+          <p:cNvSpPr txBox="1"/>
+          <p:nvPr/>
+        </p:nvSpPr>
+        <p:spPr>
+          <a:xfrm>
+            <a:off x="9604572" y="85818"/>
+            <a:ext cx="301686" cy="369332"/>
+          </a:xfrm>
+          <a:prstGeom prst="rect">
+            <a:avLst/>
+          </a:prstGeom>
+          <a:noFill/>
+        </p:spPr>
+        <p:txBody>
+          <a:bodyPr wrap="none" rtlCol="0">
+            <a:spAutoFit/>
+          </a:bodyPr>
+          <a:lstStyle/>
+          <a:p>
+            <a:r>
+              <a:rPr lang="en-US" dirty="0" smtClean="0"/>
+              <a:t>1</a:t>
+            </a:r>
+          </a:p>
+        </p:txBody>
+      </p:sp>
+      <p:sp>
+        <p:nvSpPr>
+          <p:cNvPr id="58" name="TextBox 57"/>
+          <p:cNvSpPr txBox="1"/>
+          <p:nvPr/>
+        </p:nvSpPr>
+        <p:spPr>
+          <a:xfrm>
+            <a:off x="10179640" y="298353"/>
+            <a:ext cx="1813317" cy="369332"/>
+          </a:xfrm>
+          <a:prstGeom prst="rect">
+            <a:avLst/>
+          </a:prstGeom>
+          <a:noFill/>
+        </p:spPr>
+        <p:txBody>
+          <a:bodyPr wrap="none" rtlCol="0">
+            <a:spAutoFit/>
+          </a:bodyPr>
+          <a:lstStyle/>
+          <a:p>
+            <a:r>
+              <a:rPr lang="en-US" dirty="0" smtClean="0"/>
+              <a:t>2017</a:t>
+            </a:r>
+            <a:r>
+              <a:rPr lang="ja-JP" altLang="en-US" dirty="0" smtClean="0"/>
+              <a:t>年</a:t>
+            </a:r>
+            <a:r>
+              <a:rPr lang="en-US" altLang="ja-JP" dirty="0" smtClean="0"/>
+              <a:t>10</a:t>
+            </a:r>
+            <a:r>
+              <a:rPr lang="ja-JP" altLang="en-US" dirty="0" smtClean="0"/>
+              <a:t>月</a:t>
+            </a:r>
+            <a:r>
+              <a:rPr lang="en-US" altLang="ja-JP" dirty="0" smtClean="0"/>
+              <a:t>25</a:t>
+            </a:r>
+            <a:r>
+              <a:rPr lang="ja-JP" altLang="en-US" dirty="0" smtClean="0"/>
+              <a:t>日</a:t>
+            </a:r>
+            <a:endParaRPr lang="en-US" altLang="ja-JP" dirty="0" smtClean="0"/>
+          </a:p>
+        </p:txBody>
+      </p:sp>
+      <p:sp>
+        <p:nvSpPr>
+          <p:cNvPr id="62" name="角丸四角形 61"/>
+          <p:cNvSpPr/>
+          <p:nvPr/>
+        </p:nvSpPr>
+        <p:spPr>
+          <a:xfrm>
+            <a:off x="4112118" y="4855204"/>
+            <a:ext cx="2407353" cy="1856352"/>
+          </a:xfrm>
+          <a:prstGeom prst="roundRect">
+            <a:avLst/>
+          </a:prstGeom>
+          <a:noFill/>
+          <a:ln>
+            <a:solidFill>
+              <a:schemeClr val="tx1"/>
+            </a:solidFill>
+          </a:ln>
+        </p:spPr>
+        <p:style>
+          <a:lnRef idx="2">
+            <a:schemeClr val="accent1">
+              <a:shade val="50000"/>
+            </a:schemeClr>
+          </a:lnRef>
+          <a:fillRef idx="1">
+            <a:schemeClr val="accent1"/>
+          </a:fillRef>
+          <a:effectRef idx="0">
+            <a:schemeClr val="accent1"/>
+          </a:effectRef>
+          <a:fontRef idx="minor">
+            <a:schemeClr val="lt1"/>
+          </a:fontRef>
+        </p:style>
+        <p:txBody>
+          <a:bodyPr rtlCol="0" anchor="t"/>
+          <a:lstStyle/>
+          <a:p>
+            <a:pPr algn="ctr"/>
+            <a:r>
+              <a:rPr lang="en-US" altLang="ja-JP" sz="1400" dirty="0" smtClean="0">
+                <a:solidFill>
+                  <a:schemeClr val="tx1"/>
+                </a:solidFill>
+                <a:latin typeface="メイリオ" panose="020B0604030504040204" pitchFamily="50" charset="-128"/>
+                <a:ea typeface="メイリオ" panose="020B0604030504040204" pitchFamily="50" charset="-128"/>
+                <a:cs typeface="メイリオ" panose="020B0604030504040204" pitchFamily="50" charset="-128"/>
+              </a:rPr>
+              <a:t>session</a:t>
+            </a:r>
+            <a:r>
+              <a:rPr lang="ja-JP" altLang="en-US" sz="1400" dirty="0" smtClean="0">
+                <a:solidFill>
+                  <a:schemeClr val="tx1"/>
+                </a:solidFill>
+                <a:latin typeface="メイリオ" panose="020B0604030504040204" pitchFamily="50" charset="-128"/>
+                <a:ea typeface="メイリオ" panose="020B0604030504040204" pitchFamily="50" charset="-128"/>
+                <a:cs typeface="メイリオ" panose="020B0604030504040204" pitchFamily="50" charset="-128"/>
+              </a:rPr>
+              <a:t>スコープ</a:t>
+            </a:r>
+            <a:endParaRPr kumimoji="1" lang="ja-JP" altLang="en-US" sz="1400" dirty="0">
+              <a:solidFill>
+                <a:schemeClr val="tx1"/>
+              </a:solidFill>
+              <a:latin typeface="メイリオ" panose="020B0604030504040204" pitchFamily="50" charset="-128"/>
+              <a:ea typeface="メイリオ" panose="020B0604030504040204" pitchFamily="50" charset="-128"/>
+              <a:cs typeface="メイリオ" panose="020B0604030504040204" pitchFamily="50" charset="-128"/>
+            </a:endParaRPr>
+          </a:p>
+        </p:txBody>
+      </p:sp>
+      <p:cxnSp>
+        <p:nvCxnSpPr>
+          <p:cNvPr id="66" name="直線矢印コネクタ 65"/>
+          <p:cNvCxnSpPr/>
+          <p:nvPr/>
+        </p:nvCxnSpPr>
+        <p:spPr>
+          <a:xfrm flipH="1">
+            <a:off x="8416643" y="3738091"/>
+            <a:ext cx="1335704" cy="1657184"/>
+          </a:xfrm>
+          <a:prstGeom prst="straightConnector1">
+            <a:avLst/>
+          </a:prstGeom>
+          <a:ln w="25400">
+            <a:solidFill>
+              <a:schemeClr val="tx1"/>
+            </a:solidFill>
+            <a:prstDash val="solid"/>
+            <a:tailEnd type="triangle" w="lg" len="lg"/>
+          </a:ln>
+        </p:spPr>
+        <p:style>
+          <a:lnRef idx="1">
+            <a:schemeClr val="accent1"/>
+          </a:lnRef>
+          <a:fillRef idx="0">
+            <a:schemeClr val="accent1"/>
+          </a:fillRef>
+          <a:effectRef idx="0">
+            <a:schemeClr val="accent1"/>
+          </a:effectRef>
+          <a:fontRef idx="minor">
+            <a:schemeClr val="tx1"/>
+          </a:fontRef>
+        </p:style>
+      </p:cxnSp>
+      <p:cxnSp>
+        <p:nvCxnSpPr>
+          <p:cNvPr id="101" name="直線矢印コネクタ 100"/>
+          <p:cNvCxnSpPr>
+            <a:endCxn id="7" idx="2"/>
+          </p:cNvCxnSpPr>
+          <p:nvPr/>
+        </p:nvCxnSpPr>
+        <p:spPr>
+          <a:xfrm flipV="1">
+            <a:off x="6343683" y="2135543"/>
+            <a:ext cx="1669126" cy="2743903"/>
+          </a:xfrm>
+          <a:prstGeom prst="straightConnector1">
+            <a:avLst/>
+          </a:prstGeom>
+          <a:ln w="25400">
+            <a:solidFill>
+              <a:schemeClr val="tx1"/>
+            </a:solidFill>
+            <a:prstDash val="dash"/>
+            <a:headEnd type="triangle" w="lg" len="lg"/>
+            <a:tailEnd type="none" w="lg" len="lg"/>
+          </a:ln>
+        </p:spPr>
+        <p:style>
+          <a:lnRef idx="1">
+            <a:schemeClr val="accent1"/>
+          </a:lnRef>
+          <a:fillRef idx="0">
+            <a:schemeClr val="accent1"/>
+          </a:fillRef>
+          <a:effectRef idx="0">
+            <a:schemeClr val="accent1"/>
+          </a:effectRef>
+          <a:fontRef idx="minor">
+            <a:schemeClr val="tx1"/>
+          </a:fontRef>
+        </p:style>
+      </p:cxnSp>
+      <p:sp>
+        <p:nvSpPr>
+          <p:cNvPr id="122" name="正方形/長方形 121"/>
+          <p:cNvSpPr/>
+          <p:nvPr/>
+        </p:nvSpPr>
+        <p:spPr>
+          <a:xfrm>
+            <a:off x="7517462" y="3175035"/>
+            <a:ext cx="1649427" cy="515828"/>
+          </a:xfrm>
+          <a:prstGeom prst="rect">
+            <a:avLst/>
+          </a:prstGeom>
+          <a:solidFill>
+            <a:schemeClr val="bg1"/>
+          </a:solidFill>
+          <a:ln>
+            <a:solidFill>
+              <a:schemeClr val="tx1"/>
+            </a:solidFill>
+          </a:ln>
+        </p:spPr>
+        <p:style>
+          <a:lnRef idx="2">
+            <a:schemeClr val="accent1">
+              <a:shade val="50000"/>
+            </a:schemeClr>
+          </a:lnRef>
+          <a:fillRef idx="1">
+            <a:schemeClr val="accent1"/>
+          </a:fillRef>
+          <a:effectRef idx="0">
+            <a:schemeClr val="accent1"/>
+          </a:effectRef>
+          <a:fontRef idx="minor">
+            <a:schemeClr val="lt1"/>
+          </a:fontRef>
+        </p:style>
+        <p:txBody>
+          <a:bodyPr rtlCol="0" anchor="t"/>
+          <a:lstStyle/>
+          <a:p>
+            <a:r>
+              <a:rPr lang="en-US" altLang="ja-JP" sz="1400" dirty="0" smtClean="0">
+                <a:solidFill>
+                  <a:schemeClr val="tx1"/>
+                </a:solidFill>
+                <a:latin typeface="メイリオ" panose="020B0604030504040204" pitchFamily="50" charset="-128"/>
+                <a:ea typeface="メイリオ" panose="020B0604030504040204" pitchFamily="50" charset="-128"/>
+                <a:cs typeface="メイリオ" panose="020B0604030504040204" pitchFamily="50" charset="-128"/>
+              </a:rPr>
+              <a:t>Common(Logic</a:t>
+            </a:r>
+            <a:r>
+              <a:rPr lang="en-US" altLang="ja-JP" sz="1400" dirty="0">
+                <a:solidFill>
+                  <a:schemeClr val="tx1"/>
+                </a:solidFill>
+                <a:latin typeface="メイリオ" panose="020B0604030504040204" pitchFamily="50" charset="-128"/>
+                <a:ea typeface="メイリオ" panose="020B0604030504040204" pitchFamily="50" charset="-128"/>
+                <a:cs typeface="メイリオ" panose="020B0604030504040204" pitchFamily="50" charset="-128"/>
+              </a:rPr>
+              <a:t>)</a:t>
+            </a:r>
+            <a:br>
+              <a:rPr lang="en-US" altLang="ja-JP" sz="1400" dirty="0">
+                <a:solidFill>
+                  <a:schemeClr val="tx1"/>
+                </a:solidFill>
+                <a:latin typeface="メイリオ" panose="020B0604030504040204" pitchFamily="50" charset="-128"/>
+                <a:ea typeface="メイリオ" panose="020B0604030504040204" pitchFamily="50" charset="-128"/>
+                <a:cs typeface="メイリオ" panose="020B0604030504040204" pitchFamily="50" charset="-128"/>
+              </a:rPr>
+            </a:br>
+            <a:r>
+              <a:rPr lang="ja-JP" altLang="en-US" sz="1400" dirty="0" smtClean="0">
+                <a:solidFill>
+                  <a:schemeClr val="tx1"/>
+                </a:solidFill>
+                <a:latin typeface="メイリオ" panose="020B0604030504040204" pitchFamily="50" charset="-128"/>
+                <a:ea typeface="メイリオ" panose="020B0604030504040204" pitchFamily="50" charset="-128"/>
+                <a:cs typeface="メイリオ" panose="020B0604030504040204" pitchFamily="50" charset="-128"/>
+              </a:rPr>
+              <a:t>クラス</a:t>
+            </a:r>
+            <a:r>
+              <a:rPr lang="ja-JP" altLang="en-US" sz="1400" dirty="0">
+                <a:solidFill>
+                  <a:schemeClr val="tx1"/>
+                </a:solidFill>
+                <a:latin typeface="メイリオ" panose="020B0604030504040204" pitchFamily="50" charset="-128"/>
+                <a:ea typeface="メイリオ" panose="020B0604030504040204" pitchFamily="50" charset="-128"/>
+                <a:cs typeface="メイリオ" panose="020B0604030504040204" pitchFamily="50" charset="-128"/>
+              </a:rPr>
+              <a:t>名</a:t>
+            </a:r>
+            <a:r>
+              <a:rPr lang="en-US" altLang="ja-JP" sz="1400" dirty="0" smtClean="0">
+                <a:solidFill>
+                  <a:schemeClr val="tx1"/>
+                </a:solidFill>
+                <a:latin typeface="メイリオ" panose="020B0604030504040204" pitchFamily="50" charset="-128"/>
+                <a:ea typeface="メイリオ" panose="020B0604030504040204" pitchFamily="50" charset="-128"/>
+                <a:cs typeface="メイリオ" panose="020B0604030504040204" pitchFamily="50" charset="-128"/>
+              </a:rPr>
+              <a:t>.java</a:t>
+            </a:r>
+            <a:endParaRPr lang="en-US" altLang="ja-JP" sz="1400" dirty="0" smtClean="0">
+              <a:solidFill>
+                <a:schemeClr val="tx1"/>
+              </a:solidFill>
+              <a:latin typeface="メイリオ" panose="020B0604030504040204" pitchFamily="50" charset="-128"/>
+              <a:ea typeface="メイリオ" panose="020B0604030504040204" pitchFamily="50" charset="-128"/>
+              <a:cs typeface="メイリオ" panose="020B0604030504040204" pitchFamily="50" charset="-128"/>
+            </a:endParaRPr>
+          </a:p>
+          <a:p>
+            <a:r>
+              <a:rPr lang="en-US" altLang="ja-JP" sz="900" dirty="0">
+                <a:solidFill>
+                  <a:schemeClr val="tx1"/>
+                </a:solidFill>
+                <a:latin typeface="メイリオ" panose="020B0604030504040204" pitchFamily="50" charset="-128"/>
+                <a:ea typeface="メイリオ" panose="020B0604030504040204" pitchFamily="50" charset="-128"/>
+                <a:cs typeface="メイリオ" panose="020B0604030504040204" pitchFamily="50" charset="-128"/>
+              </a:rPr>
+              <a:t/>
+            </a:r>
+            <a:br>
+              <a:rPr lang="en-US" altLang="ja-JP" sz="900" dirty="0">
+                <a:solidFill>
+                  <a:schemeClr val="tx1"/>
+                </a:solidFill>
+                <a:latin typeface="メイリオ" panose="020B0604030504040204" pitchFamily="50" charset="-128"/>
+                <a:ea typeface="メイリオ" panose="020B0604030504040204" pitchFamily="50" charset="-128"/>
+                <a:cs typeface="メイリオ" panose="020B0604030504040204" pitchFamily="50" charset="-128"/>
+              </a:rPr>
+            </a:br>
+            <a:endParaRPr kumimoji="1" lang="ja-JP" altLang="en-US" sz="900" dirty="0">
+              <a:solidFill>
+                <a:srgbClr val="FF0000"/>
+              </a:solidFill>
+              <a:latin typeface="メイリオ" panose="020B0604030504040204" pitchFamily="50" charset="-128"/>
+              <a:ea typeface="メイリオ" panose="020B0604030504040204" pitchFamily="50" charset="-128"/>
+              <a:cs typeface="メイリオ" panose="020B0604030504040204" pitchFamily="50" charset="-128"/>
+            </a:endParaRPr>
+          </a:p>
+        </p:txBody>
+      </p:sp>
+      <p:cxnSp>
+        <p:nvCxnSpPr>
+          <p:cNvPr id="123" name="直線矢印コネクタ 122"/>
+          <p:cNvCxnSpPr>
+            <a:stCxn id="122" idx="3"/>
+          </p:cNvCxnSpPr>
+          <p:nvPr/>
+        </p:nvCxnSpPr>
+        <p:spPr>
+          <a:xfrm>
+            <a:off x="9166889" y="3432949"/>
+            <a:ext cx="330164" cy="0"/>
+          </a:xfrm>
+          <a:prstGeom prst="straightConnector1">
+            <a:avLst/>
+          </a:prstGeom>
+          <a:ln w="25400">
+            <a:solidFill>
+              <a:schemeClr val="tx1"/>
+            </a:solidFill>
+            <a:prstDash val="solid"/>
+            <a:tailEnd type="triangle" w="lg" len="lg"/>
+          </a:ln>
+        </p:spPr>
+        <p:style>
+          <a:lnRef idx="1">
+            <a:schemeClr val="accent1"/>
+          </a:lnRef>
+          <a:fillRef idx="0">
+            <a:schemeClr val="accent1"/>
+          </a:fillRef>
+          <a:effectRef idx="0">
+            <a:schemeClr val="accent1"/>
+          </a:effectRef>
+          <a:fontRef idx="minor">
+            <a:schemeClr val="tx1"/>
+          </a:fontRef>
+        </p:style>
+      </p:cxnSp>
+      <p:cxnSp>
+        <p:nvCxnSpPr>
+          <p:cNvPr id="65" name="直線矢印コネクタ 64"/>
+          <p:cNvCxnSpPr/>
+          <p:nvPr/>
+        </p:nvCxnSpPr>
+        <p:spPr>
+          <a:xfrm>
+            <a:off x="5314624" y="2161591"/>
+            <a:ext cx="757412" cy="2693613"/>
+          </a:xfrm>
+          <a:prstGeom prst="straightConnector1">
+            <a:avLst/>
+          </a:prstGeom>
+          <a:ln w="25400">
+            <a:solidFill>
+              <a:schemeClr val="tx1"/>
+            </a:solidFill>
+            <a:prstDash val="dash"/>
+            <a:headEnd type="triangle" w="lg" len="lg"/>
+            <a:tailEnd type="none" w="lg" len="lg"/>
+          </a:ln>
+        </p:spPr>
+        <p:style>
+          <a:lnRef idx="1">
+            <a:schemeClr val="accent1"/>
+          </a:lnRef>
+          <a:fillRef idx="0">
+            <a:schemeClr val="accent1"/>
+          </a:fillRef>
+          <a:effectRef idx="0">
+            <a:schemeClr val="accent1"/>
+          </a:effectRef>
+          <a:fontRef idx="minor">
+            <a:schemeClr val="tx1"/>
+          </a:fontRef>
+        </p:style>
+      </p:cxnSp>
+      <p:sp>
+        <p:nvSpPr>
+          <p:cNvPr id="69" name="正方形/長方形 68"/>
+          <p:cNvSpPr/>
+          <p:nvPr/>
+        </p:nvSpPr>
+        <p:spPr>
+          <a:xfrm>
+            <a:off x="-1377004" y="760806"/>
+            <a:ext cx="3474720" cy="331518"/>
+          </a:xfrm>
+          <a:prstGeom prst="rect">
+            <a:avLst/>
+          </a:prstGeom>
+          <a:noFill/>
+          <a:ln>
+            <a:noFill/>
+          </a:ln>
+        </p:spPr>
+        <p:style>
+          <a:lnRef idx="2">
+            <a:schemeClr val="accent1">
+              <a:shade val="50000"/>
+            </a:schemeClr>
+          </a:lnRef>
+          <a:fillRef idx="1">
+            <a:schemeClr val="accent1"/>
+          </a:fillRef>
+          <a:effectRef idx="0">
+            <a:schemeClr val="accent1"/>
+          </a:effectRef>
+          <a:fontRef idx="minor">
+            <a:schemeClr val="lt1"/>
+          </a:fontRef>
+        </p:style>
+        <p:txBody>
+          <a:bodyPr rtlCol="0" anchor="t"/>
+          <a:lstStyle/>
+          <a:p>
+            <a:pPr algn="ctr"/>
+            <a:r>
+              <a:rPr kumimoji="1" lang="ja-JP" altLang="en-US" sz="1600" b="1" dirty="0" smtClean="0">
+                <a:solidFill>
+                  <a:schemeClr val="tx1"/>
+                </a:solidFill>
+                <a:latin typeface="メイリオ" panose="020B0604030504040204" pitchFamily="50" charset="-128"/>
+                <a:ea typeface="メイリオ" panose="020B0604030504040204" pitchFamily="50" charset="-128"/>
+                <a:cs typeface="メイリオ" panose="020B0604030504040204" pitchFamily="50" charset="-128"/>
+              </a:rPr>
+              <a:t>削除</a:t>
+            </a:r>
+            <a:endParaRPr kumimoji="1" lang="en-US" altLang="ja-JP" sz="1600" b="1" dirty="0" smtClean="0">
+              <a:solidFill>
+                <a:schemeClr val="tx1"/>
+              </a:solidFill>
+              <a:latin typeface="メイリオ" panose="020B0604030504040204" pitchFamily="50" charset="-128"/>
+              <a:ea typeface="メイリオ" panose="020B0604030504040204" pitchFamily="50" charset="-128"/>
+              <a:cs typeface="メイリオ" panose="020B0604030504040204" pitchFamily="50" charset="-128"/>
+            </a:endParaRPr>
+          </a:p>
+          <a:p>
+            <a:pPr algn="ctr"/>
+            <a:endParaRPr kumimoji="1" lang="en-US" altLang="ja-JP" sz="1600" b="1" dirty="0" smtClean="0">
+              <a:solidFill>
+                <a:schemeClr val="tx1"/>
+              </a:solidFill>
+              <a:latin typeface="メイリオ" panose="020B0604030504040204" pitchFamily="50" charset="-128"/>
+              <a:ea typeface="メイリオ" panose="020B0604030504040204" pitchFamily="50" charset="-128"/>
+              <a:cs typeface="メイリオ" panose="020B0604030504040204" pitchFamily="50" charset="-128"/>
+            </a:endParaRPr>
+          </a:p>
+        </p:txBody>
+      </p:sp>
+      <p:cxnSp>
+        <p:nvCxnSpPr>
+          <p:cNvPr id="72" name="直線矢印コネクタ 71"/>
+          <p:cNvCxnSpPr>
+            <a:endCxn id="9" idx="1"/>
+          </p:cNvCxnSpPr>
+          <p:nvPr/>
+        </p:nvCxnSpPr>
+        <p:spPr>
+          <a:xfrm flipV="1">
+            <a:off x="8982965" y="4579394"/>
+            <a:ext cx="1064260" cy="815881"/>
+          </a:xfrm>
+          <a:prstGeom prst="straightConnector1">
+            <a:avLst/>
+          </a:prstGeom>
+          <a:ln w="25400">
+            <a:solidFill>
+              <a:schemeClr val="tx1"/>
+            </a:solidFill>
+            <a:prstDash val="solid"/>
+            <a:tailEnd type="triangle" w="lg" len="lg"/>
+          </a:ln>
+        </p:spPr>
+        <p:style>
+          <a:lnRef idx="1">
+            <a:schemeClr val="accent1"/>
+          </a:lnRef>
+          <a:fillRef idx="0">
+            <a:schemeClr val="accent1"/>
+          </a:fillRef>
+          <a:effectRef idx="0">
+            <a:schemeClr val="accent1"/>
+          </a:effectRef>
+          <a:fontRef idx="minor">
+            <a:schemeClr val="tx1"/>
+          </a:fontRef>
+        </p:style>
+      </p:cxnSp>
+      <p:cxnSp>
+        <p:nvCxnSpPr>
+          <p:cNvPr id="75" name="直線矢印コネクタ 74"/>
+          <p:cNvCxnSpPr/>
+          <p:nvPr/>
+        </p:nvCxnSpPr>
+        <p:spPr>
+          <a:xfrm>
+            <a:off x="5513445" y="2135543"/>
+            <a:ext cx="3983608" cy="636139"/>
+          </a:xfrm>
+          <a:prstGeom prst="straightConnector1">
+            <a:avLst/>
+          </a:prstGeom>
+          <a:ln w="25400">
+            <a:solidFill>
+              <a:schemeClr val="tx1"/>
+            </a:solidFill>
+            <a:tailEnd type="triangle" w="lg" len="lg"/>
+          </a:ln>
+        </p:spPr>
+        <p:style>
+          <a:lnRef idx="1">
+            <a:schemeClr val="accent1"/>
+          </a:lnRef>
+          <a:fillRef idx="0">
+            <a:schemeClr val="accent1"/>
+          </a:fillRef>
+          <a:effectRef idx="0">
+            <a:schemeClr val="accent1"/>
+          </a:effectRef>
+          <a:fontRef idx="minor">
+            <a:schemeClr val="tx1"/>
+          </a:fontRef>
+        </p:style>
+      </p:cxnSp>
+      <p:cxnSp>
+        <p:nvCxnSpPr>
+          <p:cNvPr id="80" name="直線矢印コネクタ 79"/>
+          <p:cNvCxnSpPr>
+            <a:stCxn id="5" idx="1"/>
+            <a:endCxn id="16" idx="0"/>
+          </p:cNvCxnSpPr>
+          <p:nvPr/>
+        </p:nvCxnSpPr>
+        <p:spPr>
+          <a:xfrm flipH="1">
+            <a:off x="2172454" y="1923043"/>
+            <a:ext cx="1211171" cy="2513044"/>
+          </a:xfrm>
+          <a:prstGeom prst="straightConnector1">
+            <a:avLst/>
+          </a:prstGeom>
+          <a:ln w="25400">
+            <a:solidFill>
+              <a:schemeClr val="tx1"/>
+            </a:solidFill>
+            <a:prstDash val="dash"/>
+            <a:headEnd type="triangle" w="lg" len="lg"/>
+            <a:tailEnd type="none" w="lg" len="lg"/>
+          </a:ln>
+        </p:spPr>
+        <p:style>
+          <a:lnRef idx="1">
+            <a:schemeClr val="accent1"/>
+          </a:lnRef>
+          <a:fillRef idx="0">
+            <a:schemeClr val="accent1"/>
+          </a:fillRef>
+          <a:effectRef idx="0">
+            <a:schemeClr val="accent1"/>
+          </a:effectRef>
+          <a:fontRef idx="minor">
+            <a:schemeClr val="tx1"/>
+          </a:fontRef>
+        </p:style>
+      </p:cxnSp>
+      <p:cxnSp>
+        <p:nvCxnSpPr>
+          <p:cNvPr id="86" name="直線矢印コネクタ 85"/>
+          <p:cNvCxnSpPr/>
+          <p:nvPr/>
+        </p:nvCxnSpPr>
+        <p:spPr>
+          <a:xfrm flipV="1">
+            <a:off x="3381784" y="2160896"/>
+            <a:ext cx="3924690" cy="2867364"/>
+          </a:xfrm>
+          <a:prstGeom prst="straightConnector1">
+            <a:avLst/>
+          </a:prstGeom>
+          <a:ln w="25400">
+            <a:solidFill>
+              <a:schemeClr val="tx1"/>
+            </a:solidFill>
+            <a:prstDash val="dash"/>
+            <a:headEnd type="triangle" w="lg" len="lg"/>
+            <a:tailEnd type="none" w="lg" len="lg"/>
+          </a:ln>
+        </p:spPr>
+        <p:style>
+          <a:lnRef idx="1">
+            <a:schemeClr val="accent1"/>
+          </a:lnRef>
+          <a:fillRef idx="0">
+            <a:schemeClr val="accent1"/>
+          </a:fillRef>
+          <a:effectRef idx="0">
+            <a:schemeClr val="accent1"/>
+          </a:effectRef>
+          <a:fontRef idx="minor">
+            <a:schemeClr val="tx1"/>
+          </a:fontRef>
+        </p:style>
+      </p:cxnSp>
+    </p:spTree>
+    <p:extLst>
+      <p:ext uri="{BB962C8B-B14F-4D97-AF65-F5344CB8AC3E}">
+        <p14:creationId xmlns:p14="http://schemas.microsoft.com/office/powerpoint/2010/main" val="626822890"/>
       </p:ext>
     </p:extLst>
   </p:cSld>
